--- a/GP.pptx
+++ b/GP.pptx
@@ -6,14 +6,21 @@
   </p:sldMasterIdLst>
   <p:sldIdLst>
     <p:sldId id="256" r:id="rId2"/>
-    <p:sldId id="260" r:id="rId3"/>
-    <p:sldId id="261" r:id="rId4"/>
-    <p:sldId id="257" r:id="rId5"/>
-    <p:sldId id="259" r:id="rId6"/>
-    <p:sldId id="258" r:id="rId7"/>
-    <p:sldId id="262" r:id="rId8"/>
-    <p:sldId id="264" r:id="rId9"/>
-    <p:sldId id="263" r:id="rId10"/>
+    <p:sldId id="265" r:id="rId3"/>
+    <p:sldId id="266" r:id="rId4"/>
+    <p:sldId id="267" r:id="rId5"/>
+    <p:sldId id="268" r:id="rId6"/>
+    <p:sldId id="269" r:id="rId7"/>
+    <p:sldId id="270" r:id="rId8"/>
+    <p:sldId id="271" r:id="rId9"/>
+    <p:sldId id="272" r:id="rId10"/>
+    <p:sldId id="273" r:id="rId11"/>
+    <p:sldId id="275" r:id="rId12"/>
+    <p:sldId id="274" r:id="rId13"/>
+    <p:sldId id="276" r:id="rId14"/>
+    <p:sldId id="260" r:id="rId15"/>
+    <p:sldId id="264" r:id="rId16"/>
+    <p:sldId id="263" r:id="rId17"/>
   </p:sldIdLst>
   <p:sldSz cx="12192000" cy="6858000"/>
   <p:notesSz cx="6858000" cy="9144000"/>
@@ -307,7 +314,7 @@
             <a:fld id="{8994394A-E95D-49DE-8614-F37E1FCF0AC3}" type="datetime2">
               <a:rPr lang="en-US" smtClean="0"/>
               <a:pPr/>
-              <a:t>Saturday, June 11, 2022</a:t>
+              <a:t>Friday, June 24, 2022</a:t>
             </a:fld>
             <a:endParaRPr lang="en-US" dirty="0"/>
           </a:p>
@@ -647,7 +654,7 @@
             <a:fld id="{6D51179E-60E8-4F2A-A3F9-6F3CE2ABCAF9}" type="datetime2">
               <a:rPr lang="en-US" smtClean="0"/>
               <a:pPr/>
-              <a:t>Saturday, June 11, 2022</a:t>
+              <a:t>Friday, June 24, 2022</a:t>
             </a:fld>
             <a:endParaRPr lang="en-US" dirty="0">
               <a:latin typeface="+mn-lt"/>
@@ -995,7 +1002,7 @@
           <a:p>
             <a:fld id="{1C32B061-4DDF-403A-A7DB-3B6FD0BE9165}" type="datetime2">
               <a:rPr lang="en-US" smtClean="0"/>
-              <a:t>Saturday, June 11, 2022</a:t>
+              <a:t>Friday, June 24, 2022</a:t>
             </a:fld>
             <a:endParaRPr lang="en-US" dirty="0"/>
           </a:p>
@@ -1401,7 +1408,7 @@
             <a:fld id="{58D82CC3-100B-41FC-9DB0-99A6D4849F72}" type="datetime2">
               <a:rPr lang="en-US" smtClean="0"/>
               <a:pPr/>
-              <a:t>Saturday, June 11, 2022</a:t>
+              <a:t>Friday, June 24, 2022</a:t>
             </a:fld>
             <a:endParaRPr lang="en-US" dirty="0">
               <a:latin typeface="+mn-lt"/>
@@ -1799,7 +1806,7 @@
           <a:p>
             <a:fld id="{3E58FDCC-AC46-4D9F-98DC-C163BFA43704}" type="datetime2">
               <a:rPr lang="en-US" smtClean="0"/>
-              <a:t>Saturday, June 11, 2022</a:t>
+              <a:t>Friday, June 24, 2022</a:t>
             </a:fld>
             <a:endParaRPr lang="en-US" dirty="0"/>
           </a:p>
@@ -2180,7 +2187,7 @@
           <a:p>
             <a:fld id="{45832F11-C374-493A-BB7E-11B09A67FAD0}" type="datetime2">
               <a:rPr lang="en-US" smtClean="0"/>
-              <a:t>Saturday, June 11, 2022</a:t>
+              <a:t>Friday, June 24, 2022</a:t>
             </a:fld>
             <a:endParaRPr lang="en-US" dirty="0"/>
           </a:p>
@@ -2707,7 +2714,7 @@
           <a:p>
             <a:fld id="{5136546C-EE55-422E-9D57-50E6C4234F80}" type="datetime2">
               <a:rPr lang="en-US" smtClean="0"/>
-              <a:t>Saturday, June 11, 2022</a:t>
+              <a:t>Friday, June 24, 2022</a:t>
             </a:fld>
             <a:endParaRPr lang="en-US" dirty="0"/>
           </a:p>
@@ -2961,7 +2968,7 @@
             <a:fld id="{83685C8A-A1A1-423D-82D7-1ACC187CCA77}" type="datetime2">
               <a:rPr lang="en-US" smtClean="0"/>
               <a:pPr/>
-              <a:t>Saturday, June 11, 2022</a:t>
+              <a:t>Friday, June 24, 2022</a:t>
             </a:fld>
             <a:endParaRPr lang="en-US" dirty="0">
               <a:latin typeface="+mn-lt"/>
@@ -3191,7 +3198,7 @@
             <a:fld id="{325DF798-D264-4BC9-8824-70A25106E4C6}" type="datetime2">
               <a:rPr lang="en-US" smtClean="0"/>
               <a:pPr/>
-              <a:t>Saturday, June 11, 2022</a:t>
+              <a:t>Friday, June 24, 2022</a:t>
             </a:fld>
             <a:endParaRPr lang="en-US" dirty="0">
               <a:latin typeface="+mn-lt"/>
@@ -3675,7 +3682,7 @@
           <a:p>
             <a:fld id="{29ACAD25-C1CF-4F11-8692-066E6505443C}" type="datetime2">
               <a:rPr lang="en-US" smtClean="0"/>
-              <a:t>Saturday, June 11, 2022</a:t>
+              <a:t>Friday, June 24, 2022</a:t>
             </a:fld>
             <a:endParaRPr lang="en-US" dirty="0"/>
           </a:p>
@@ -4081,7 +4088,7 @@
           <a:p>
             <a:fld id="{91688A1C-01B8-42B6-BBF1-2BCF5E311248}" type="datetime2">
               <a:rPr lang="en-US" smtClean="0"/>
-              <a:t>Saturday, June 11, 2022</a:t>
+              <a:t>Friday, June 24, 2022</a:t>
             </a:fld>
             <a:endParaRPr lang="en-US" dirty="0"/>
           </a:p>
@@ -4411,7 +4418,7 @@
             <a:fld id="{6C03BBDD-218C-4B2A-98A0-F5F369754705}" type="datetime2">
               <a:rPr lang="en-US" smtClean="0"/>
               <a:pPr/>
-              <a:t>Saturday, June 11, 2022</a:t>
+              <a:t>Friday, June 24, 2022</a:t>
             </a:fld>
             <a:endParaRPr lang="en-US" dirty="0">
               <a:latin typeface="+mn-lt"/>
@@ -5100,9 +5107,31 @@
               </a:rPr>
               <a:t>Gaussian process</a:t>
             </a:r>
+            <a:br>
+              <a:rPr lang="en-US" dirty="0">
+                <a:solidFill>
+                  <a:srgbClr val="FF0000"/>
+                </a:solidFill>
+              </a:rPr>
+            </a:br>
+            <a:br>
+              <a:rPr lang="en-US" dirty="0">
+                <a:solidFill>
+                  <a:srgbClr val="FF0000"/>
+                </a:solidFill>
+              </a:rPr>
+            </a:br>
+            <a:r>
+              <a:rPr lang="en-US" dirty="0">
+                <a:solidFill>
+                  <a:schemeClr val="tx1"/>
+                </a:solidFill>
+              </a:rPr>
+              <a:t>Part-1</a:t>
+            </a:r>
             <a:endParaRPr lang="en-AE" dirty="0">
               <a:solidFill>
-                <a:srgbClr val="FF0000"/>
+                <a:schemeClr val="tx1"/>
               </a:solidFill>
             </a:endParaRPr>
           </a:p>
@@ -5139,18 +5168,18 @@
             <a:r>
               <a:rPr lang="en-US" sz="2000" b="1" dirty="0">
                 <a:solidFill>
-                  <a:srgbClr val="002060">
+                  <a:schemeClr val="tx1">
                     <a:alpha val="56000"/>
-                  </a:srgbClr>
+                  </a:schemeClr>
                 </a:solidFill>
               </a:rPr>
               <a:t>Sarnath Kannan</a:t>
             </a:r>
             <a:endParaRPr lang="en-AE" sz="2000" b="1" dirty="0">
               <a:solidFill>
-                <a:srgbClr val="002060">
+                <a:schemeClr val="tx1">
                   <a:alpha val="56000"/>
-                </a:srgbClr>
+                </a:schemeClr>
               </a:solidFill>
             </a:endParaRPr>
           </a:p>
@@ -5316,6 +5345,2853 @@
     <p:extLst>
       <p:ext uri="{BB962C8B-B14F-4D97-AF65-F5344CB8AC3E}">
         <p14:creationId xmlns:p14="http://schemas.microsoft.com/office/powerpoint/2010/main" val="4233305138"/>
+      </p:ext>
+    </p:extLst>
+  </p:cSld>
+  <p:clrMapOvr>
+    <a:masterClrMapping/>
+  </p:clrMapOvr>
+</p:sld>
+</file>
+
+<file path=ppt/slides/slide10.xml><?xml version="1.0" encoding="utf-8"?>
+<p:sld xmlns:a="http://schemas.openxmlformats.org/drawingml/2006/main" xmlns:r="http://schemas.openxmlformats.org/officeDocument/2006/relationships" xmlns:p="http://schemas.openxmlformats.org/presentationml/2006/main">
+  <p:cSld>
+    <p:spTree>
+      <p:nvGrpSpPr>
+        <p:cNvPr id="1" name=""/>
+        <p:cNvGrpSpPr/>
+        <p:nvPr/>
+      </p:nvGrpSpPr>
+      <p:grpSpPr>
+        <a:xfrm>
+          <a:off x="0" y="0"/>
+          <a:ext cx="0" cy="0"/>
+          <a:chOff x="0" y="0"/>
+          <a:chExt cx="0" cy="0"/>
+        </a:xfrm>
+      </p:grpSpPr>
+      <p:sp>
+        <p:nvSpPr>
+          <p:cNvPr id="2" name="Title 1">
+            <a:extLst>
+              <a:ext uri="{FF2B5EF4-FFF2-40B4-BE49-F238E27FC236}">
+                <a16:creationId xmlns:a16="http://schemas.microsoft.com/office/drawing/2014/main" id="{24286FA2-2024-8085-CDC8-DE4E6A405DFC}"/>
+              </a:ext>
+            </a:extLst>
+          </p:cNvPr>
+          <p:cNvSpPr>
+            <a:spLocks noGrp="1"/>
+          </p:cNvSpPr>
+          <p:nvPr>
+            <p:ph type="title"/>
+          </p:nvPr>
+        </p:nvSpPr>
+        <p:spPr/>
+        <p:txBody>
+          <a:bodyPr/>
+          <a:lstStyle/>
+          <a:p>
+            <a:r>
+              <a:rPr lang="en-US" dirty="0"/>
+              <a:t>Enter Gaussian</a:t>
+            </a:r>
+            <a:endParaRPr lang="en-AE" dirty="0"/>
+          </a:p>
+        </p:txBody>
+      </p:sp>
+      <p:sp>
+        <p:nvSpPr>
+          <p:cNvPr id="3" name="Content Placeholder 2">
+            <a:extLst>
+              <a:ext uri="{FF2B5EF4-FFF2-40B4-BE49-F238E27FC236}">
+                <a16:creationId xmlns:a16="http://schemas.microsoft.com/office/drawing/2014/main" id="{D6B543F9-E824-0635-B663-D937985D1C86}"/>
+              </a:ext>
+            </a:extLst>
+          </p:cNvPr>
+          <p:cNvSpPr>
+            <a:spLocks noGrp="1"/>
+          </p:cNvSpPr>
+          <p:nvPr>
+            <p:ph idx="1"/>
+          </p:nvPr>
+        </p:nvSpPr>
+        <p:spPr/>
+        <p:txBody>
+          <a:bodyPr/>
+          <a:lstStyle/>
+          <a:p>
+            <a:r>
+              <a:rPr lang="en-US" dirty="0"/>
+              <a:t>Marginalization property</a:t>
+            </a:r>
+          </a:p>
+          <a:p>
+            <a:pPr lvl="1"/>
+            <a:r>
+              <a:rPr lang="en-US" dirty="0"/>
+              <a:t>10-d distribution can be marginalized to 2-d distribution by integrating out rest of the 8 dimensions</a:t>
+            </a:r>
+          </a:p>
+          <a:p>
+            <a:pPr lvl="1"/>
+            <a:r>
+              <a:rPr lang="en-US" dirty="0"/>
+              <a:t>And that 2-d again is Gaussian!</a:t>
+            </a:r>
+          </a:p>
+          <a:p>
+            <a:endParaRPr lang="en-US" dirty="0"/>
+          </a:p>
+          <a:p>
+            <a:r>
+              <a:rPr lang="en-US" dirty="0"/>
+              <a:t>Conditional distributions property</a:t>
+            </a:r>
+          </a:p>
+          <a:p>
+            <a:pPr lvl="1"/>
+            <a:r>
+              <a:rPr lang="en-US" dirty="0"/>
+              <a:t>If values of some  dimensions are specified, the conditional distribution of the rest of the dimensions also follow Gaussian</a:t>
+            </a:r>
+            <a:endParaRPr lang="en-AE" dirty="0"/>
+          </a:p>
+        </p:txBody>
+      </p:sp>
+    </p:spTree>
+    <p:extLst>
+      <p:ext uri="{BB962C8B-B14F-4D97-AF65-F5344CB8AC3E}">
+        <p14:creationId xmlns:p14="http://schemas.microsoft.com/office/powerpoint/2010/main" val="4198569235"/>
+      </p:ext>
+    </p:extLst>
+  </p:cSld>
+  <p:clrMapOvr>
+    <a:masterClrMapping/>
+  </p:clrMapOvr>
+</p:sld>
+</file>
+
+<file path=ppt/slides/slide11.xml><?xml version="1.0" encoding="utf-8"?>
+<p:sld xmlns:a="http://schemas.openxmlformats.org/drawingml/2006/main" xmlns:r="http://schemas.openxmlformats.org/officeDocument/2006/relationships" xmlns:p="http://schemas.openxmlformats.org/presentationml/2006/main">
+  <p:cSld>
+    <p:spTree>
+      <p:nvGrpSpPr>
+        <p:cNvPr id="1" name=""/>
+        <p:cNvGrpSpPr/>
+        <p:nvPr/>
+      </p:nvGrpSpPr>
+      <p:grpSpPr>
+        <a:xfrm>
+          <a:off x="0" y="0"/>
+          <a:ext cx="0" cy="0"/>
+          <a:chOff x="0" y="0"/>
+          <a:chExt cx="0" cy="0"/>
+        </a:xfrm>
+      </p:grpSpPr>
+      <p:sp>
+        <p:nvSpPr>
+          <p:cNvPr id="2" name="Title 1">
+            <a:extLst>
+              <a:ext uri="{FF2B5EF4-FFF2-40B4-BE49-F238E27FC236}">
+                <a16:creationId xmlns:a16="http://schemas.microsoft.com/office/drawing/2014/main" id="{BD1BAB5C-FDDA-AE9F-FF99-8C3D13495C8B}"/>
+              </a:ext>
+            </a:extLst>
+          </p:cNvPr>
+          <p:cNvSpPr>
+            <a:spLocks noGrp="1"/>
+          </p:cNvSpPr>
+          <p:nvPr>
+            <p:ph type="title"/>
+          </p:nvPr>
+        </p:nvSpPr>
+        <p:spPr/>
+        <p:txBody>
+          <a:bodyPr/>
+          <a:lstStyle/>
+          <a:p>
+            <a:r>
+              <a:rPr lang="en-US" dirty="0"/>
+              <a:t>Infinite to Finite</a:t>
+            </a:r>
+            <a:endParaRPr lang="en-AE" dirty="0"/>
+          </a:p>
+        </p:txBody>
+      </p:sp>
+      <p:sp>
+        <p:nvSpPr>
+          <p:cNvPr id="3" name="Content Placeholder 2">
+            <a:extLst>
+              <a:ext uri="{FF2B5EF4-FFF2-40B4-BE49-F238E27FC236}">
+                <a16:creationId xmlns:a16="http://schemas.microsoft.com/office/drawing/2014/main" id="{7E7CA269-1A7C-28E2-6CF2-D4687296B759}"/>
+              </a:ext>
+            </a:extLst>
+          </p:cNvPr>
+          <p:cNvSpPr>
+            <a:spLocks noGrp="1"/>
+          </p:cNvSpPr>
+          <p:nvPr>
+            <p:ph idx="1"/>
+          </p:nvPr>
+        </p:nvSpPr>
+        <p:spPr>
+          <a:xfrm>
+            <a:off x="1343025" y="1499858"/>
+            <a:ext cx="10406063" cy="4356100"/>
+          </a:xfrm>
+        </p:spPr>
+        <p:txBody>
+          <a:bodyPr/>
+          <a:lstStyle/>
+          <a:p>
+            <a:r>
+              <a:rPr lang="en-US" dirty="0"/>
+              <a:t>Infinite dimensional distribution</a:t>
+            </a:r>
+          </a:p>
+          <a:p>
+            <a:pPr lvl="1"/>
+            <a:r>
+              <a:rPr lang="en-US" dirty="0"/>
+              <a:t>Marginalize to Finite distribution</a:t>
+            </a:r>
+          </a:p>
+          <a:p>
+            <a:pPr lvl="1"/>
+            <a:r>
+              <a:rPr lang="en-US" dirty="0"/>
+              <a:t>And that distribution is Gaussian</a:t>
+            </a:r>
+          </a:p>
+          <a:p>
+            <a:endParaRPr lang="en-US" dirty="0"/>
+          </a:p>
+          <a:p>
+            <a:r>
+              <a:rPr lang="en-US" dirty="0"/>
+              <a:t>So, all we need is to build the “covariance” matrix of the “finite” data that we have</a:t>
+            </a:r>
+          </a:p>
+          <a:p>
+            <a:endParaRPr lang="en-US" dirty="0"/>
+          </a:p>
+          <a:p>
+            <a:r>
+              <a:rPr lang="en-US" dirty="0"/>
+              <a:t>Call the observed function as a “random” draw from that “finite” distribution</a:t>
+            </a:r>
+          </a:p>
+          <a:p>
+            <a:endParaRPr lang="en-US" dirty="0"/>
+          </a:p>
+          <a:p>
+            <a:r>
+              <a:rPr lang="en-US" dirty="0"/>
+              <a:t>Condition that distribution on “known values” of the distribution… And use “Conditional” distribution to predict the joint distribution of “unknown values”</a:t>
+            </a:r>
+            <a:endParaRPr lang="en-AE" dirty="0"/>
+          </a:p>
+        </p:txBody>
+      </p:sp>
+    </p:spTree>
+    <p:extLst>
+      <p:ext uri="{BB962C8B-B14F-4D97-AF65-F5344CB8AC3E}">
+        <p14:creationId xmlns:p14="http://schemas.microsoft.com/office/powerpoint/2010/main" val="803412775"/>
+      </p:ext>
+    </p:extLst>
+  </p:cSld>
+  <p:clrMapOvr>
+    <a:masterClrMapping/>
+  </p:clrMapOvr>
+</p:sld>
+</file>
+
+<file path=ppt/slides/slide12.xml><?xml version="1.0" encoding="utf-8"?>
+<p:sld xmlns:a="http://schemas.openxmlformats.org/drawingml/2006/main" xmlns:r="http://schemas.openxmlformats.org/officeDocument/2006/relationships" xmlns:p="http://schemas.openxmlformats.org/presentationml/2006/main">
+  <p:cSld>
+    <p:spTree>
+      <p:nvGrpSpPr>
+        <p:cNvPr id="1" name=""/>
+        <p:cNvGrpSpPr/>
+        <p:nvPr/>
+      </p:nvGrpSpPr>
+      <p:grpSpPr>
+        <a:xfrm>
+          <a:off x="0" y="0"/>
+          <a:ext cx="0" cy="0"/>
+          <a:chOff x="0" y="0"/>
+          <a:chExt cx="0" cy="0"/>
+        </a:xfrm>
+      </p:grpSpPr>
+      <p:sp>
+        <p:nvSpPr>
+          <p:cNvPr id="2" name="Title 1">
+            <a:extLst>
+              <a:ext uri="{FF2B5EF4-FFF2-40B4-BE49-F238E27FC236}">
+                <a16:creationId xmlns:a16="http://schemas.microsoft.com/office/drawing/2014/main" id="{76246317-8464-05CB-F493-327B46403223}"/>
+              </a:ext>
+            </a:extLst>
+          </p:cNvPr>
+          <p:cNvSpPr>
+            <a:spLocks noGrp="1"/>
+          </p:cNvSpPr>
+          <p:nvPr>
+            <p:ph type="title"/>
+          </p:nvPr>
+        </p:nvSpPr>
+        <p:spPr/>
+        <p:txBody>
+          <a:bodyPr/>
+          <a:lstStyle/>
+          <a:p>
+            <a:r>
+              <a:rPr lang="en-US" dirty="0"/>
+              <a:t>Finite world…</a:t>
+            </a:r>
+            <a:endParaRPr lang="en-AE" dirty="0"/>
+          </a:p>
+        </p:txBody>
+      </p:sp>
+      <p:graphicFrame>
+        <p:nvGraphicFramePr>
+          <p:cNvPr id="4" name="Table 4">
+            <a:extLst>
+              <a:ext uri="{FF2B5EF4-FFF2-40B4-BE49-F238E27FC236}">
+                <a16:creationId xmlns:a16="http://schemas.microsoft.com/office/drawing/2014/main" id="{F4DEB68B-673F-3E5A-BB58-BFC33264E65D}"/>
+              </a:ext>
+            </a:extLst>
+          </p:cNvPr>
+          <p:cNvGraphicFramePr>
+            <a:graphicFrameLocks noGrp="1"/>
+          </p:cNvGraphicFramePr>
+          <p:nvPr>
+            <p:extLst>
+              <p:ext uri="{D42A27DB-BD31-4B8C-83A1-F6EECF244321}">
+                <p14:modId xmlns:p14="http://schemas.microsoft.com/office/powerpoint/2010/main" val="3674834602"/>
+              </p:ext>
+            </p:extLst>
+          </p:nvPr>
+        </p:nvGraphicFramePr>
+        <p:xfrm>
+          <a:off x="1423358" y="1324634"/>
+          <a:ext cx="8132793" cy="2397760"/>
+        </p:xfrm>
+        <a:graphic>
+          <a:graphicData uri="http://schemas.openxmlformats.org/drawingml/2006/table">
+            <a:tbl>
+              <a:tblPr firstRow="1" bandRow="1">
+                <a:tableStyleId>{5C22544A-7EE6-4342-B048-85BDC9FD1C3A}</a:tableStyleId>
+              </a:tblPr>
+              <a:tblGrid>
+                <a:gridCol w="1759789">
+                  <a:extLst>
+                    <a:ext uri="{9D8B030D-6E8A-4147-A177-3AD203B41FA5}">
+                      <a16:colId xmlns:a16="http://schemas.microsoft.com/office/drawing/2014/main" val="3912687382"/>
+                    </a:ext>
+                  </a:extLst>
+                </a:gridCol>
+                <a:gridCol w="1496204">
+                  <a:extLst>
+                    <a:ext uri="{9D8B030D-6E8A-4147-A177-3AD203B41FA5}">
+                      <a16:colId xmlns:a16="http://schemas.microsoft.com/office/drawing/2014/main" val="2941161573"/>
+                    </a:ext>
+                  </a:extLst>
+                </a:gridCol>
+                <a:gridCol w="1625600">
+                  <a:extLst>
+                    <a:ext uri="{9D8B030D-6E8A-4147-A177-3AD203B41FA5}">
+                      <a16:colId xmlns:a16="http://schemas.microsoft.com/office/drawing/2014/main" val="3838784927"/>
+                    </a:ext>
+                  </a:extLst>
+                </a:gridCol>
+                <a:gridCol w="1625600">
+                  <a:extLst>
+                    <a:ext uri="{9D8B030D-6E8A-4147-A177-3AD203B41FA5}">
+                      <a16:colId xmlns:a16="http://schemas.microsoft.com/office/drawing/2014/main" val="125416610"/>
+                    </a:ext>
+                  </a:extLst>
+                </a:gridCol>
+                <a:gridCol w="1625600">
+                  <a:extLst>
+                    <a:ext uri="{9D8B030D-6E8A-4147-A177-3AD203B41FA5}">
+                      <a16:colId xmlns:a16="http://schemas.microsoft.com/office/drawing/2014/main" val="1866762796"/>
+                    </a:ext>
+                  </a:extLst>
+                </a:gridCol>
+              </a:tblGrid>
+              <a:tr h="370840">
+                <a:tc>
+                  <a:txBody>
+                    <a:bodyPr/>
+                    <a:lstStyle/>
+                    <a:p>
+                      <a:r>
+                        <a:rPr lang="en-US" dirty="0"/>
+                        <a:t>Area of house</a:t>
+                      </a:r>
+                      <a:endParaRPr lang="en-AE" dirty="0"/>
+                    </a:p>
+                  </a:txBody>
+                  <a:tcPr/>
+                </a:tc>
+                <a:tc>
+                  <a:txBody>
+                    <a:bodyPr/>
+                    <a:lstStyle/>
+                    <a:p>
+                      <a:r>
+                        <a:rPr lang="en-US" dirty="0"/>
+                        <a:t> Distance to bus </a:t>
+                      </a:r>
+                      <a:endParaRPr lang="en-AE" dirty="0"/>
+                    </a:p>
+                  </a:txBody>
+                  <a:tcPr/>
+                </a:tc>
+                <a:tc>
+                  <a:txBody>
+                    <a:bodyPr/>
+                    <a:lstStyle/>
+                    <a:p>
+                      <a:r>
+                        <a:rPr lang="en-US" dirty="0"/>
+                        <a:t>Distance to metro</a:t>
+                      </a:r>
+                      <a:endParaRPr lang="en-AE" dirty="0"/>
+                    </a:p>
+                  </a:txBody>
+                  <a:tcPr/>
+                </a:tc>
+                <a:tc>
+                  <a:txBody>
+                    <a:bodyPr/>
+                    <a:lstStyle/>
+                    <a:p>
+                      <a:r>
+                        <a:rPr lang="en-US" dirty="0"/>
+                        <a:t>Number of grocery stores</a:t>
+                      </a:r>
+                      <a:endParaRPr lang="en-AE" dirty="0"/>
+                    </a:p>
+                  </a:txBody>
+                  <a:tcPr/>
+                </a:tc>
+                <a:tc>
+                  <a:txBody>
+                    <a:bodyPr/>
+                    <a:lstStyle/>
+                    <a:p>
+                      <a:r>
+                        <a:rPr lang="en-US" dirty="0"/>
+                        <a:t>House price</a:t>
+                      </a:r>
+                      <a:endParaRPr lang="en-AE" dirty="0"/>
+                    </a:p>
+                  </a:txBody>
+                  <a:tcPr/>
+                </a:tc>
+                <a:extLst>
+                  <a:ext uri="{0D108BD9-81ED-4DB2-BD59-A6C34878D82A}">
+                    <a16:rowId xmlns:a16="http://schemas.microsoft.com/office/drawing/2014/main" val="3347205683"/>
+                  </a:ext>
+                </a:extLst>
+              </a:tr>
+              <a:tr h="370840">
+                <a:tc>
+                  <a:txBody>
+                    <a:bodyPr/>
+                    <a:lstStyle/>
+                    <a:p>
+                      <a:r>
+                        <a:rPr lang="en-US" dirty="0"/>
+                        <a:t>200</a:t>
+                      </a:r>
+                      <a:endParaRPr lang="en-AE" dirty="0"/>
+                    </a:p>
+                  </a:txBody>
+                  <a:tcPr/>
+                </a:tc>
+                <a:tc>
+                  <a:txBody>
+                    <a:bodyPr/>
+                    <a:lstStyle/>
+                    <a:p>
+                      <a:r>
+                        <a:rPr lang="en-US" dirty="0"/>
+                        <a:t>10</a:t>
+                      </a:r>
+                      <a:endParaRPr lang="en-AE" dirty="0"/>
+                    </a:p>
+                  </a:txBody>
+                  <a:tcPr/>
+                </a:tc>
+                <a:tc>
+                  <a:txBody>
+                    <a:bodyPr/>
+                    <a:lstStyle/>
+                    <a:p>
+                      <a:r>
+                        <a:rPr lang="en-US" dirty="0"/>
+                        <a:t>16</a:t>
+                      </a:r>
+                      <a:endParaRPr lang="en-AE" dirty="0"/>
+                    </a:p>
+                  </a:txBody>
+                  <a:tcPr/>
+                </a:tc>
+                <a:tc>
+                  <a:txBody>
+                    <a:bodyPr/>
+                    <a:lstStyle/>
+                    <a:p>
+                      <a:r>
+                        <a:rPr lang="en-US" dirty="0"/>
+                        <a:t>2</a:t>
+                      </a:r>
+                      <a:endParaRPr lang="en-AE" dirty="0"/>
+                    </a:p>
+                  </a:txBody>
+                  <a:tcPr/>
+                </a:tc>
+                <a:tc>
+                  <a:txBody>
+                    <a:bodyPr/>
+                    <a:lstStyle/>
+                    <a:p>
+                      <a:r>
+                        <a:rPr lang="en-US" dirty="0"/>
+                        <a:t>102,343</a:t>
+                      </a:r>
+                      <a:endParaRPr lang="en-AE" dirty="0"/>
+                    </a:p>
+                  </a:txBody>
+                  <a:tcPr/>
+                </a:tc>
+                <a:extLst>
+                  <a:ext uri="{0D108BD9-81ED-4DB2-BD59-A6C34878D82A}">
+                    <a16:rowId xmlns:a16="http://schemas.microsoft.com/office/drawing/2014/main" val="3044820340"/>
+                  </a:ext>
+                </a:extLst>
+              </a:tr>
+              <a:tr h="370840">
+                <a:tc>
+                  <a:txBody>
+                    <a:bodyPr/>
+                    <a:lstStyle/>
+                    <a:p>
+                      <a:r>
+                        <a:rPr lang="en-US" dirty="0"/>
+                        <a:t>200</a:t>
+                      </a:r>
+                      <a:endParaRPr lang="en-AE" dirty="0"/>
+                    </a:p>
+                  </a:txBody>
+                  <a:tcPr/>
+                </a:tc>
+                <a:tc>
+                  <a:txBody>
+                    <a:bodyPr/>
+                    <a:lstStyle/>
+                    <a:p>
+                      <a:r>
+                        <a:rPr lang="en-US" dirty="0"/>
+                        <a:t>15</a:t>
+                      </a:r>
+                      <a:endParaRPr lang="en-AE" dirty="0"/>
+                    </a:p>
+                  </a:txBody>
+                  <a:tcPr/>
+                </a:tc>
+                <a:tc>
+                  <a:txBody>
+                    <a:bodyPr/>
+                    <a:lstStyle/>
+                    <a:p>
+                      <a:r>
+                        <a:rPr lang="en-US" dirty="0"/>
+                        <a:t>12</a:t>
+                      </a:r>
+                      <a:endParaRPr lang="en-AE" dirty="0"/>
+                    </a:p>
+                  </a:txBody>
+                  <a:tcPr/>
+                </a:tc>
+                <a:tc>
+                  <a:txBody>
+                    <a:bodyPr/>
+                    <a:lstStyle/>
+                    <a:p>
+                      <a:r>
+                        <a:rPr lang="en-US" dirty="0"/>
+                        <a:t>4</a:t>
+                      </a:r>
+                      <a:endParaRPr lang="en-AE" dirty="0"/>
+                    </a:p>
+                  </a:txBody>
+                  <a:tcPr/>
+                </a:tc>
+                <a:tc>
+                  <a:txBody>
+                    <a:bodyPr/>
+                    <a:lstStyle/>
+                    <a:p>
+                      <a:r>
+                        <a:rPr lang="en-US" dirty="0"/>
+                        <a:t>128,232</a:t>
+                      </a:r>
+                      <a:endParaRPr lang="en-AE" dirty="0"/>
+                    </a:p>
+                  </a:txBody>
+                  <a:tcPr/>
+                </a:tc>
+                <a:extLst>
+                  <a:ext uri="{0D108BD9-81ED-4DB2-BD59-A6C34878D82A}">
+                    <a16:rowId xmlns:a16="http://schemas.microsoft.com/office/drawing/2014/main" val="2893692742"/>
+                  </a:ext>
+                </a:extLst>
+              </a:tr>
+              <a:tr h="370840">
+                <a:tc>
+                  <a:txBody>
+                    <a:bodyPr/>
+                    <a:lstStyle/>
+                    <a:p>
+                      <a:r>
+                        <a:rPr lang="en-US" dirty="0"/>
+                        <a:t>250</a:t>
+                      </a:r>
+                      <a:endParaRPr lang="en-AE" dirty="0"/>
+                    </a:p>
+                  </a:txBody>
+                  <a:tcPr/>
+                </a:tc>
+                <a:tc>
+                  <a:txBody>
+                    <a:bodyPr/>
+                    <a:lstStyle/>
+                    <a:p>
+                      <a:r>
+                        <a:rPr lang="en-US" dirty="0"/>
+                        <a:t>12</a:t>
+                      </a:r>
+                      <a:endParaRPr lang="en-AE" dirty="0"/>
+                    </a:p>
+                  </a:txBody>
+                  <a:tcPr/>
+                </a:tc>
+                <a:tc>
+                  <a:txBody>
+                    <a:bodyPr/>
+                    <a:lstStyle/>
+                    <a:p>
+                      <a:r>
+                        <a:rPr lang="en-US" dirty="0"/>
+                        <a:t>7</a:t>
+                      </a:r>
+                      <a:endParaRPr lang="en-AE" dirty="0"/>
+                    </a:p>
+                  </a:txBody>
+                  <a:tcPr/>
+                </a:tc>
+                <a:tc>
+                  <a:txBody>
+                    <a:bodyPr/>
+                    <a:lstStyle/>
+                    <a:p>
+                      <a:r>
+                        <a:rPr lang="en-US" dirty="0"/>
+                        <a:t>6</a:t>
+                      </a:r>
+                      <a:endParaRPr lang="en-AE" dirty="0"/>
+                    </a:p>
+                  </a:txBody>
+                  <a:tcPr/>
+                </a:tc>
+                <a:tc>
+                  <a:txBody>
+                    <a:bodyPr/>
+                    <a:lstStyle/>
+                    <a:p>
+                      <a:r>
+                        <a:rPr lang="en-US" dirty="0"/>
+                        <a:t>245,343</a:t>
+                      </a:r>
+                      <a:endParaRPr lang="en-AE" dirty="0"/>
+                    </a:p>
+                  </a:txBody>
+                  <a:tcPr/>
+                </a:tc>
+                <a:extLst>
+                  <a:ext uri="{0D108BD9-81ED-4DB2-BD59-A6C34878D82A}">
+                    <a16:rowId xmlns:a16="http://schemas.microsoft.com/office/drawing/2014/main" val="2728799580"/>
+                  </a:ext>
+                </a:extLst>
+              </a:tr>
+              <a:tr h="370840">
+                <a:tc>
+                  <a:txBody>
+                    <a:bodyPr/>
+                    <a:lstStyle/>
+                    <a:p>
+                      <a:r>
+                        <a:rPr lang="en-US" dirty="0"/>
+                        <a:t>120</a:t>
+                      </a:r>
+                      <a:endParaRPr lang="en-AE" dirty="0"/>
+                    </a:p>
+                  </a:txBody>
+                  <a:tcPr/>
+                </a:tc>
+                <a:tc>
+                  <a:txBody>
+                    <a:bodyPr/>
+                    <a:lstStyle/>
+                    <a:p>
+                      <a:r>
+                        <a:rPr lang="en-US" dirty="0"/>
+                        <a:t>3</a:t>
+                      </a:r>
+                      <a:endParaRPr lang="en-AE" dirty="0"/>
+                    </a:p>
+                  </a:txBody>
+                  <a:tcPr/>
+                </a:tc>
+                <a:tc>
+                  <a:txBody>
+                    <a:bodyPr/>
+                    <a:lstStyle/>
+                    <a:p>
+                      <a:r>
+                        <a:rPr lang="en-US" dirty="0"/>
+                        <a:t>2</a:t>
+                      </a:r>
+                      <a:endParaRPr lang="en-AE" dirty="0"/>
+                    </a:p>
+                  </a:txBody>
+                  <a:tcPr/>
+                </a:tc>
+                <a:tc>
+                  <a:txBody>
+                    <a:bodyPr/>
+                    <a:lstStyle/>
+                    <a:p>
+                      <a:r>
+                        <a:rPr lang="en-US" dirty="0"/>
+                        <a:t>8</a:t>
+                      </a:r>
+                      <a:endParaRPr lang="en-AE" dirty="0"/>
+                    </a:p>
+                  </a:txBody>
+                  <a:tcPr/>
+                </a:tc>
+                <a:tc>
+                  <a:txBody>
+                    <a:bodyPr/>
+                    <a:lstStyle/>
+                    <a:p>
+                      <a:r>
+                        <a:rPr lang="en-US" dirty="0"/>
+                        <a:t>175,934</a:t>
+                      </a:r>
+                      <a:endParaRPr lang="en-AE" dirty="0"/>
+                    </a:p>
+                  </a:txBody>
+                  <a:tcPr/>
+                </a:tc>
+                <a:extLst>
+                  <a:ext uri="{0D108BD9-81ED-4DB2-BD59-A6C34878D82A}">
+                    <a16:rowId xmlns:a16="http://schemas.microsoft.com/office/drawing/2014/main" val="3937048481"/>
+                  </a:ext>
+                </a:extLst>
+              </a:tr>
+            </a:tbl>
+          </a:graphicData>
+        </a:graphic>
+      </p:graphicFrame>
+      <p:graphicFrame>
+        <p:nvGraphicFramePr>
+          <p:cNvPr id="5" name="Table 4">
+            <a:extLst>
+              <a:ext uri="{FF2B5EF4-FFF2-40B4-BE49-F238E27FC236}">
+                <a16:creationId xmlns:a16="http://schemas.microsoft.com/office/drawing/2014/main" id="{7316DFF5-AA43-81F2-7BF8-E2C5AE1A9075}"/>
+              </a:ext>
+            </a:extLst>
+          </p:cNvPr>
+          <p:cNvGraphicFramePr>
+            <a:graphicFrameLocks noGrp="1"/>
+          </p:cNvGraphicFramePr>
+          <p:nvPr>
+            <p:extLst>
+              <p:ext uri="{D42A27DB-BD31-4B8C-83A1-F6EECF244321}">
+                <p14:modId xmlns:p14="http://schemas.microsoft.com/office/powerpoint/2010/main" val="821149828"/>
+              </p:ext>
+            </p:extLst>
+          </p:nvPr>
+        </p:nvGraphicFramePr>
+        <p:xfrm>
+          <a:off x="1423357" y="4131401"/>
+          <a:ext cx="8132793" cy="741680"/>
+        </p:xfrm>
+        <a:graphic>
+          <a:graphicData uri="http://schemas.openxmlformats.org/drawingml/2006/table">
+            <a:tbl>
+              <a:tblPr bandRow="1">
+                <a:tableStyleId>{5C22544A-7EE6-4342-B048-85BDC9FD1C3A}</a:tableStyleId>
+              </a:tblPr>
+              <a:tblGrid>
+                <a:gridCol w="1759789">
+                  <a:extLst>
+                    <a:ext uri="{9D8B030D-6E8A-4147-A177-3AD203B41FA5}">
+                      <a16:colId xmlns:a16="http://schemas.microsoft.com/office/drawing/2014/main" val="3912687382"/>
+                    </a:ext>
+                  </a:extLst>
+                </a:gridCol>
+                <a:gridCol w="1496204">
+                  <a:extLst>
+                    <a:ext uri="{9D8B030D-6E8A-4147-A177-3AD203B41FA5}">
+                      <a16:colId xmlns:a16="http://schemas.microsoft.com/office/drawing/2014/main" val="2941161573"/>
+                    </a:ext>
+                  </a:extLst>
+                </a:gridCol>
+                <a:gridCol w="1625600">
+                  <a:extLst>
+                    <a:ext uri="{9D8B030D-6E8A-4147-A177-3AD203B41FA5}">
+                      <a16:colId xmlns:a16="http://schemas.microsoft.com/office/drawing/2014/main" val="3838784927"/>
+                    </a:ext>
+                  </a:extLst>
+                </a:gridCol>
+                <a:gridCol w="1625600">
+                  <a:extLst>
+                    <a:ext uri="{9D8B030D-6E8A-4147-A177-3AD203B41FA5}">
+                      <a16:colId xmlns:a16="http://schemas.microsoft.com/office/drawing/2014/main" val="125416610"/>
+                    </a:ext>
+                  </a:extLst>
+                </a:gridCol>
+                <a:gridCol w="1625600">
+                  <a:extLst>
+                    <a:ext uri="{9D8B030D-6E8A-4147-A177-3AD203B41FA5}">
+                      <a16:colId xmlns:a16="http://schemas.microsoft.com/office/drawing/2014/main" val="1866762796"/>
+                    </a:ext>
+                  </a:extLst>
+                </a:gridCol>
+              </a:tblGrid>
+              <a:tr h="370840">
+                <a:tc>
+                  <a:txBody>
+                    <a:bodyPr/>
+                    <a:lstStyle/>
+                    <a:p>
+                      <a:r>
+                        <a:rPr lang="en-US" dirty="0"/>
+                        <a:t>300</a:t>
+                      </a:r>
+                      <a:endParaRPr lang="en-AE" dirty="0"/>
+                    </a:p>
+                  </a:txBody>
+                  <a:tcPr/>
+                </a:tc>
+                <a:tc>
+                  <a:txBody>
+                    <a:bodyPr/>
+                    <a:lstStyle/>
+                    <a:p>
+                      <a:r>
+                        <a:rPr lang="en-US" dirty="0"/>
+                        <a:t>12</a:t>
+                      </a:r>
+                      <a:endParaRPr lang="en-AE" dirty="0"/>
+                    </a:p>
+                  </a:txBody>
+                  <a:tcPr/>
+                </a:tc>
+                <a:tc>
+                  <a:txBody>
+                    <a:bodyPr/>
+                    <a:lstStyle/>
+                    <a:p>
+                      <a:r>
+                        <a:rPr lang="en-US" dirty="0"/>
+                        <a:t>1</a:t>
+                      </a:r>
+                      <a:endParaRPr lang="en-AE" dirty="0"/>
+                    </a:p>
+                  </a:txBody>
+                  <a:tcPr/>
+                </a:tc>
+                <a:tc>
+                  <a:txBody>
+                    <a:bodyPr/>
+                    <a:lstStyle/>
+                    <a:p>
+                      <a:r>
+                        <a:rPr lang="en-US" dirty="0"/>
+                        <a:t>8</a:t>
+                      </a:r>
+                      <a:endParaRPr lang="en-AE" dirty="0"/>
+                    </a:p>
+                  </a:txBody>
+                  <a:tcPr/>
+                </a:tc>
+                <a:tc>
+                  <a:txBody>
+                    <a:bodyPr/>
+                    <a:lstStyle/>
+                    <a:p>
+                      <a:r>
+                        <a:rPr lang="en-US" b="1" dirty="0"/>
+                        <a:t>?</a:t>
+                      </a:r>
+                      <a:endParaRPr lang="en-AE" b="1" dirty="0"/>
+                    </a:p>
+                  </a:txBody>
+                  <a:tcPr/>
+                </a:tc>
+                <a:extLst>
+                  <a:ext uri="{0D108BD9-81ED-4DB2-BD59-A6C34878D82A}">
+                    <a16:rowId xmlns:a16="http://schemas.microsoft.com/office/drawing/2014/main" val="2728799580"/>
+                  </a:ext>
+                </a:extLst>
+              </a:tr>
+              <a:tr h="370840">
+                <a:tc>
+                  <a:txBody>
+                    <a:bodyPr/>
+                    <a:lstStyle/>
+                    <a:p>
+                      <a:r>
+                        <a:rPr lang="en-US" dirty="0"/>
+                        <a:t>245</a:t>
+                      </a:r>
+                      <a:endParaRPr lang="en-AE" dirty="0"/>
+                    </a:p>
+                  </a:txBody>
+                  <a:tcPr/>
+                </a:tc>
+                <a:tc>
+                  <a:txBody>
+                    <a:bodyPr/>
+                    <a:lstStyle/>
+                    <a:p>
+                      <a:r>
+                        <a:rPr lang="en-US" dirty="0"/>
+                        <a:t>3</a:t>
+                      </a:r>
+                      <a:endParaRPr lang="en-AE" dirty="0"/>
+                    </a:p>
+                  </a:txBody>
+                  <a:tcPr/>
+                </a:tc>
+                <a:tc>
+                  <a:txBody>
+                    <a:bodyPr/>
+                    <a:lstStyle/>
+                    <a:p>
+                      <a:r>
+                        <a:rPr lang="en-US" dirty="0"/>
+                        <a:t>2</a:t>
+                      </a:r>
+                      <a:endParaRPr lang="en-AE" dirty="0"/>
+                    </a:p>
+                  </a:txBody>
+                  <a:tcPr/>
+                </a:tc>
+                <a:tc>
+                  <a:txBody>
+                    <a:bodyPr/>
+                    <a:lstStyle/>
+                    <a:p>
+                      <a:r>
+                        <a:rPr lang="en-US" dirty="0"/>
+                        <a:t>10</a:t>
+                      </a:r>
+                      <a:endParaRPr lang="en-AE" dirty="0"/>
+                    </a:p>
+                  </a:txBody>
+                  <a:tcPr/>
+                </a:tc>
+                <a:tc>
+                  <a:txBody>
+                    <a:bodyPr/>
+                    <a:lstStyle/>
+                    <a:p>
+                      <a:r>
+                        <a:rPr lang="en-US" b="1" dirty="0"/>
+                        <a:t>?</a:t>
+                      </a:r>
+                      <a:endParaRPr lang="en-AE" b="1" dirty="0"/>
+                    </a:p>
+                  </a:txBody>
+                  <a:tcPr/>
+                </a:tc>
+                <a:extLst>
+                  <a:ext uri="{0D108BD9-81ED-4DB2-BD59-A6C34878D82A}">
+                    <a16:rowId xmlns:a16="http://schemas.microsoft.com/office/drawing/2014/main" val="3937048481"/>
+                  </a:ext>
+                </a:extLst>
+              </a:tr>
+            </a:tbl>
+          </a:graphicData>
+        </a:graphic>
+      </p:graphicFrame>
+      <p:sp>
+        <p:nvSpPr>
+          <p:cNvPr id="6" name="Rectangle 5">
+            <a:extLst>
+              <a:ext uri="{FF2B5EF4-FFF2-40B4-BE49-F238E27FC236}">
+                <a16:creationId xmlns:a16="http://schemas.microsoft.com/office/drawing/2014/main" id="{6031E47D-D2B6-0966-189B-B361B5C89DF6}"/>
+              </a:ext>
+            </a:extLst>
+          </p:cNvPr>
+          <p:cNvSpPr/>
+          <p:nvPr/>
+        </p:nvSpPr>
+        <p:spPr>
+          <a:xfrm>
+            <a:off x="1423357" y="1324634"/>
+            <a:ext cx="6521571" cy="3548447"/>
+          </a:xfrm>
+          <a:prstGeom prst="rect">
+            <a:avLst/>
+          </a:prstGeom>
+          <a:noFill/>
+          <a:ln w="25400">
+            <a:solidFill>
+              <a:srgbClr val="FF0000"/>
+            </a:solidFill>
+          </a:ln>
+        </p:spPr>
+        <p:style>
+          <a:lnRef idx="2">
+            <a:schemeClr val="accent1">
+              <a:shade val="50000"/>
+            </a:schemeClr>
+          </a:lnRef>
+          <a:fillRef idx="1">
+            <a:schemeClr val="accent1"/>
+          </a:fillRef>
+          <a:effectRef idx="0">
+            <a:schemeClr val="accent1"/>
+          </a:effectRef>
+          <a:fontRef idx="minor">
+            <a:schemeClr val="lt1"/>
+          </a:fontRef>
+        </p:style>
+        <p:txBody>
+          <a:bodyPr rtlCol="0" anchor="ctr"/>
+          <a:lstStyle/>
+          <a:p>
+            <a:pPr algn="ctr"/>
+            <a:endParaRPr lang="en-AE"/>
+          </a:p>
+        </p:txBody>
+      </p:sp>
+      <p:sp>
+        <p:nvSpPr>
+          <p:cNvPr id="7" name="Right Brace 6">
+            <a:extLst>
+              <a:ext uri="{FF2B5EF4-FFF2-40B4-BE49-F238E27FC236}">
+                <a16:creationId xmlns:a16="http://schemas.microsoft.com/office/drawing/2014/main" id="{A332995D-780C-D434-9ED0-D5E27D06BC10}"/>
+              </a:ext>
+            </a:extLst>
+          </p:cNvPr>
+          <p:cNvSpPr/>
+          <p:nvPr/>
+        </p:nvSpPr>
+        <p:spPr>
+          <a:xfrm>
+            <a:off x="9687464" y="4131401"/>
+            <a:ext cx="146649" cy="741680"/>
+          </a:xfrm>
+          <a:prstGeom prst="rightBrace">
+            <a:avLst/>
+          </a:prstGeom>
+        </p:spPr>
+        <p:style>
+          <a:lnRef idx="1">
+            <a:schemeClr val="accent1"/>
+          </a:lnRef>
+          <a:fillRef idx="0">
+            <a:schemeClr val="accent1"/>
+          </a:fillRef>
+          <a:effectRef idx="0">
+            <a:schemeClr val="accent1"/>
+          </a:effectRef>
+          <a:fontRef idx="minor">
+            <a:schemeClr val="tx1"/>
+          </a:fontRef>
+        </p:style>
+        <p:txBody>
+          <a:bodyPr rtlCol="0" anchor="ctr"/>
+          <a:lstStyle/>
+          <a:p>
+            <a:pPr algn="ctr"/>
+            <a:endParaRPr lang="en-AE"/>
+          </a:p>
+        </p:txBody>
+      </p:sp>
+      <p:sp>
+        <p:nvSpPr>
+          <p:cNvPr id="8" name="TextBox 7">
+            <a:extLst>
+              <a:ext uri="{FF2B5EF4-FFF2-40B4-BE49-F238E27FC236}">
+                <a16:creationId xmlns:a16="http://schemas.microsoft.com/office/drawing/2014/main" id="{E3FA1C24-957F-1FCA-C5C9-6597D007B1D7}"/>
+              </a:ext>
+            </a:extLst>
+          </p:cNvPr>
+          <p:cNvSpPr txBox="1"/>
+          <p:nvPr/>
+        </p:nvSpPr>
+        <p:spPr>
+          <a:xfrm>
+            <a:off x="9937630" y="4131401"/>
+            <a:ext cx="1414732" cy="646331"/>
+          </a:xfrm>
+          <a:prstGeom prst="rect">
+            <a:avLst/>
+          </a:prstGeom>
+          <a:noFill/>
+        </p:spPr>
+        <p:txBody>
+          <a:bodyPr wrap="square" rtlCol="0">
+            <a:spAutoFit/>
+          </a:bodyPr>
+          <a:lstStyle/>
+          <a:p>
+            <a:r>
+              <a:rPr lang="en-US" dirty="0"/>
+              <a:t>Prediction set</a:t>
+            </a:r>
+            <a:endParaRPr lang="en-AE" dirty="0"/>
+          </a:p>
+        </p:txBody>
+      </p:sp>
+      <p:cxnSp>
+        <p:nvCxnSpPr>
+          <p:cNvPr id="10" name="Straight Arrow Connector 9">
+            <a:extLst>
+              <a:ext uri="{FF2B5EF4-FFF2-40B4-BE49-F238E27FC236}">
+                <a16:creationId xmlns:a16="http://schemas.microsoft.com/office/drawing/2014/main" id="{248356FA-AF86-0006-CCE9-87F826BE56F8}"/>
+              </a:ext>
+            </a:extLst>
+          </p:cNvPr>
+          <p:cNvCxnSpPr>
+            <a:cxnSpLocks/>
+            <a:endCxn id="11" idx="0"/>
+          </p:cNvCxnSpPr>
+          <p:nvPr/>
+        </p:nvCxnSpPr>
+        <p:spPr>
+          <a:xfrm>
+            <a:off x="4675517" y="4873081"/>
+            <a:ext cx="8625" cy="535681"/>
+          </a:xfrm>
+          <a:prstGeom prst="straightConnector1">
+            <a:avLst/>
+          </a:prstGeom>
+          <a:ln>
+            <a:tailEnd type="triangle"/>
+          </a:ln>
+        </p:spPr>
+        <p:style>
+          <a:lnRef idx="1">
+            <a:schemeClr val="accent1"/>
+          </a:lnRef>
+          <a:fillRef idx="0">
+            <a:schemeClr val="accent1"/>
+          </a:fillRef>
+          <a:effectRef idx="0">
+            <a:schemeClr val="accent1"/>
+          </a:effectRef>
+          <a:fontRef idx="minor">
+            <a:schemeClr val="tx1"/>
+          </a:fontRef>
+        </p:style>
+      </p:cxnSp>
+      <p:sp>
+        <p:nvSpPr>
+          <p:cNvPr id="11" name="TextBox 10">
+            <a:extLst>
+              <a:ext uri="{FF2B5EF4-FFF2-40B4-BE49-F238E27FC236}">
+                <a16:creationId xmlns:a16="http://schemas.microsoft.com/office/drawing/2014/main" id="{1E7044D9-7766-AA14-D1E0-D59214EAA9FC}"/>
+              </a:ext>
+            </a:extLst>
+          </p:cNvPr>
+          <p:cNvSpPr txBox="1"/>
+          <p:nvPr/>
+        </p:nvSpPr>
+        <p:spPr>
+          <a:xfrm>
+            <a:off x="1423357" y="5408762"/>
+            <a:ext cx="6521570" cy="1477328"/>
+          </a:xfrm>
+          <a:prstGeom prst="rect">
+            <a:avLst/>
+          </a:prstGeom>
+          <a:noFill/>
+        </p:spPr>
+        <p:txBody>
+          <a:bodyPr wrap="square" rtlCol="0">
+            <a:spAutoFit/>
+          </a:bodyPr>
+          <a:lstStyle/>
+          <a:p>
+            <a:pPr algn="ctr"/>
+            <a:r>
+              <a:rPr lang="en-US" b="1" dirty="0"/>
+              <a:t>Domain</a:t>
+            </a:r>
+          </a:p>
+          <a:p>
+            <a:r>
+              <a:rPr lang="en-US" dirty="0"/>
+              <a:t>6 points</a:t>
+            </a:r>
+          </a:p>
+          <a:p>
+            <a:r>
+              <a:rPr lang="en-US" dirty="0"/>
+              <a:t>Each point 4D</a:t>
+            </a:r>
+          </a:p>
+          <a:p>
+            <a:r>
+              <a:rPr lang="en-US" dirty="0"/>
+              <a:t>Function value known at 4 domain points</a:t>
+            </a:r>
+          </a:p>
+          <a:p>
+            <a:r>
+              <a:rPr lang="en-US" dirty="0"/>
+              <a:t>We seek value of function at 2 domain points</a:t>
+            </a:r>
+            <a:endParaRPr lang="en-AE" dirty="0"/>
+          </a:p>
+        </p:txBody>
+      </p:sp>
+      <p:sp>
+        <p:nvSpPr>
+          <p:cNvPr id="12" name="TextBox 11">
+            <a:extLst>
+              <a:ext uri="{FF2B5EF4-FFF2-40B4-BE49-F238E27FC236}">
+                <a16:creationId xmlns:a16="http://schemas.microsoft.com/office/drawing/2014/main" id="{CF7F9E80-A5DD-E86F-C978-E056D8BEB499}"/>
+              </a:ext>
+            </a:extLst>
+          </p:cNvPr>
+          <p:cNvSpPr txBox="1"/>
+          <p:nvPr/>
+        </p:nvSpPr>
+        <p:spPr>
+          <a:xfrm>
+            <a:off x="8390626" y="5607170"/>
+            <a:ext cx="917276" cy="369332"/>
+          </a:xfrm>
+          <a:prstGeom prst="rect">
+            <a:avLst/>
+          </a:prstGeom>
+          <a:noFill/>
+        </p:spPr>
+        <p:txBody>
+          <a:bodyPr wrap="square" rtlCol="0">
+            <a:spAutoFit/>
+          </a:bodyPr>
+          <a:lstStyle/>
+          <a:p>
+            <a:r>
+              <a:rPr lang="en-US" b="1" dirty="0"/>
+              <a:t>Range</a:t>
+            </a:r>
+            <a:endParaRPr lang="en-AE" b="1" dirty="0"/>
+          </a:p>
+        </p:txBody>
+      </p:sp>
+      <p:cxnSp>
+        <p:nvCxnSpPr>
+          <p:cNvPr id="13" name="Straight Arrow Connector 12">
+            <a:extLst>
+              <a:ext uri="{FF2B5EF4-FFF2-40B4-BE49-F238E27FC236}">
+                <a16:creationId xmlns:a16="http://schemas.microsoft.com/office/drawing/2014/main" id="{E84D733D-C557-06EF-5EE0-FE2F0045CD2B}"/>
+              </a:ext>
+            </a:extLst>
+          </p:cNvPr>
+          <p:cNvCxnSpPr/>
+          <p:nvPr/>
+        </p:nvCxnSpPr>
+        <p:spPr>
+          <a:xfrm>
+            <a:off x="8846389" y="4873081"/>
+            <a:ext cx="0" cy="794474"/>
+          </a:xfrm>
+          <a:prstGeom prst="straightConnector1">
+            <a:avLst/>
+          </a:prstGeom>
+          <a:ln>
+            <a:tailEnd type="triangle"/>
+          </a:ln>
+        </p:spPr>
+        <p:style>
+          <a:lnRef idx="1">
+            <a:schemeClr val="accent1"/>
+          </a:lnRef>
+          <a:fillRef idx="0">
+            <a:schemeClr val="accent1"/>
+          </a:fillRef>
+          <a:effectRef idx="0">
+            <a:schemeClr val="accent1"/>
+          </a:effectRef>
+          <a:fontRef idx="minor">
+            <a:schemeClr val="tx1"/>
+          </a:fontRef>
+        </p:style>
+      </p:cxnSp>
+    </p:spTree>
+    <p:extLst>
+      <p:ext uri="{BB962C8B-B14F-4D97-AF65-F5344CB8AC3E}">
+        <p14:creationId xmlns:p14="http://schemas.microsoft.com/office/powerpoint/2010/main" val="820200996"/>
+      </p:ext>
+    </p:extLst>
+  </p:cSld>
+  <p:clrMapOvr>
+    <a:masterClrMapping/>
+  </p:clrMapOvr>
+  <p:timing>
+    <p:tnLst>
+      <p:par>
+        <p:cTn id="1" dur="indefinite" restart="never" nodeType="tmRoot">
+          <p:childTnLst>
+            <p:seq concurrent="1" nextAc="seek">
+              <p:cTn id="2" dur="indefinite" nodeType="mainSeq">
+                <p:childTnLst>
+                  <p:par>
+                    <p:cTn id="3" fill="hold">
+                      <p:stCondLst>
+                        <p:cond delay="indefinite"/>
+                      </p:stCondLst>
+                      <p:childTnLst>
+                        <p:par>
+                          <p:cTn id="4" fill="hold">
+                            <p:stCondLst>
+                              <p:cond delay="0"/>
+                            </p:stCondLst>
+                            <p:childTnLst>
+                              <p:par>
+                                <p:cTn id="5" presetID="1" presetClass="entr" presetSubtype="0" fill="hold" grpId="0" nodeType="clickEffect">
+                                  <p:stCondLst>
+                                    <p:cond delay="0"/>
+                                  </p:stCondLst>
+                                  <p:childTnLst>
+                                    <p:set>
+                                      <p:cBhvr>
+                                        <p:cTn id="6" dur="1" fill="hold">
+                                          <p:stCondLst>
+                                            <p:cond delay="0"/>
+                                          </p:stCondLst>
+                                        </p:cTn>
+                                        <p:tgtEl>
+                                          <p:spTgt spid="6"/>
+                                        </p:tgtEl>
+                                        <p:attrNameLst>
+                                          <p:attrName>style.visibility</p:attrName>
+                                        </p:attrNameLst>
+                                      </p:cBhvr>
+                                      <p:to>
+                                        <p:strVal val="visible"/>
+                                      </p:to>
+                                    </p:set>
+                                  </p:childTnLst>
+                                </p:cTn>
+                              </p:par>
+                            </p:childTnLst>
+                          </p:cTn>
+                        </p:par>
+                      </p:childTnLst>
+                    </p:cTn>
+                  </p:par>
+                </p:childTnLst>
+              </p:cTn>
+              <p:prevCondLst>
+                <p:cond evt="onPrev" delay="0">
+                  <p:tgtEl>
+                    <p:sldTgt/>
+                  </p:tgtEl>
+                </p:cond>
+              </p:prevCondLst>
+              <p:nextCondLst>
+                <p:cond evt="onNext" delay="0">
+                  <p:tgtEl>
+                    <p:sldTgt/>
+                  </p:tgtEl>
+                </p:cond>
+              </p:nextCondLst>
+            </p:seq>
+          </p:childTnLst>
+        </p:cTn>
+      </p:par>
+    </p:tnLst>
+    <p:bldLst>
+      <p:bldP spid="6" grpId="0" animBg="1"/>
+    </p:bldLst>
+  </p:timing>
+</p:sld>
+</file>
+
+<file path=ppt/slides/slide13.xml><?xml version="1.0" encoding="utf-8"?>
+<p:sld xmlns:a="http://schemas.openxmlformats.org/drawingml/2006/main" xmlns:r="http://schemas.openxmlformats.org/officeDocument/2006/relationships" xmlns:p="http://schemas.openxmlformats.org/presentationml/2006/main">
+  <p:cSld>
+    <p:spTree>
+      <p:nvGrpSpPr>
+        <p:cNvPr id="1" name=""/>
+        <p:cNvGrpSpPr/>
+        <p:nvPr/>
+      </p:nvGrpSpPr>
+      <p:grpSpPr>
+        <a:xfrm>
+          <a:off x="0" y="0"/>
+          <a:ext cx="0" cy="0"/>
+          <a:chOff x="0" y="0"/>
+          <a:chExt cx="0" cy="0"/>
+        </a:xfrm>
+      </p:grpSpPr>
+      <p:sp>
+        <p:nvSpPr>
+          <p:cNvPr id="2" name="Title 1">
+            <a:extLst>
+              <a:ext uri="{FF2B5EF4-FFF2-40B4-BE49-F238E27FC236}">
+                <a16:creationId xmlns:a16="http://schemas.microsoft.com/office/drawing/2014/main" id="{76246317-8464-05CB-F493-327B46403223}"/>
+              </a:ext>
+            </a:extLst>
+          </p:cNvPr>
+          <p:cNvSpPr>
+            <a:spLocks noGrp="1"/>
+          </p:cNvSpPr>
+          <p:nvPr>
+            <p:ph type="title"/>
+          </p:nvPr>
+        </p:nvSpPr>
+        <p:spPr/>
+        <p:txBody>
+          <a:bodyPr/>
+          <a:lstStyle/>
+          <a:p>
+            <a:r>
+              <a:rPr lang="en-US" dirty="0"/>
+              <a:t>Finite world…</a:t>
+            </a:r>
+            <a:endParaRPr lang="en-AE" dirty="0"/>
+          </a:p>
+        </p:txBody>
+      </p:sp>
+      <p:graphicFrame>
+        <p:nvGraphicFramePr>
+          <p:cNvPr id="4" name="Table 4">
+            <a:extLst>
+              <a:ext uri="{FF2B5EF4-FFF2-40B4-BE49-F238E27FC236}">
+                <a16:creationId xmlns:a16="http://schemas.microsoft.com/office/drawing/2014/main" id="{F4DEB68B-673F-3E5A-BB58-BFC33264E65D}"/>
+              </a:ext>
+            </a:extLst>
+          </p:cNvPr>
+          <p:cNvGraphicFramePr>
+            <a:graphicFrameLocks noGrp="1"/>
+          </p:cNvGraphicFramePr>
+          <p:nvPr/>
+        </p:nvGraphicFramePr>
+        <p:xfrm>
+          <a:off x="1423358" y="1324634"/>
+          <a:ext cx="8132793" cy="2397760"/>
+        </p:xfrm>
+        <a:graphic>
+          <a:graphicData uri="http://schemas.openxmlformats.org/drawingml/2006/table">
+            <a:tbl>
+              <a:tblPr firstRow="1" bandRow="1">
+                <a:tableStyleId>{5C22544A-7EE6-4342-B048-85BDC9FD1C3A}</a:tableStyleId>
+              </a:tblPr>
+              <a:tblGrid>
+                <a:gridCol w="1759789">
+                  <a:extLst>
+                    <a:ext uri="{9D8B030D-6E8A-4147-A177-3AD203B41FA5}">
+                      <a16:colId xmlns:a16="http://schemas.microsoft.com/office/drawing/2014/main" val="3912687382"/>
+                    </a:ext>
+                  </a:extLst>
+                </a:gridCol>
+                <a:gridCol w="1496204">
+                  <a:extLst>
+                    <a:ext uri="{9D8B030D-6E8A-4147-A177-3AD203B41FA5}">
+                      <a16:colId xmlns:a16="http://schemas.microsoft.com/office/drawing/2014/main" val="2941161573"/>
+                    </a:ext>
+                  </a:extLst>
+                </a:gridCol>
+                <a:gridCol w="1625600">
+                  <a:extLst>
+                    <a:ext uri="{9D8B030D-6E8A-4147-A177-3AD203B41FA5}">
+                      <a16:colId xmlns:a16="http://schemas.microsoft.com/office/drawing/2014/main" val="3838784927"/>
+                    </a:ext>
+                  </a:extLst>
+                </a:gridCol>
+                <a:gridCol w="1625600">
+                  <a:extLst>
+                    <a:ext uri="{9D8B030D-6E8A-4147-A177-3AD203B41FA5}">
+                      <a16:colId xmlns:a16="http://schemas.microsoft.com/office/drawing/2014/main" val="125416610"/>
+                    </a:ext>
+                  </a:extLst>
+                </a:gridCol>
+                <a:gridCol w="1625600">
+                  <a:extLst>
+                    <a:ext uri="{9D8B030D-6E8A-4147-A177-3AD203B41FA5}">
+                      <a16:colId xmlns:a16="http://schemas.microsoft.com/office/drawing/2014/main" val="1866762796"/>
+                    </a:ext>
+                  </a:extLst>
+                </a:gridCol>
+              </a:tblGrid>
+              <a:tr h="370840">
+                <a:tc>
+                  <a:txBody>
+                    <a:bodyPr/>
+                    <a:lstStyle/>
+                    <a:p>
+                      <a:r>
+                        <a:rPr lang="en-US" dirty="0"/>
+                        <a:t>Area of house</a:t>
+                      </a:r>
+                      <a:endParaRPr lang="en-AE" dirty="0"/>
+                    </a:p>
+                  </a:txBody>
+                  <a:tcPr/>
+                </a:tc>
+                <a:tc>
+                  <a:txBody>
+                    <a:bodyPr/>
+                    <a:lstStyle/>
+                    <a:p>
+                      <a:r>
+                        <a:rPr lang="en-US" dirty="0"/>
+                        <a:t> Distance to bus </a:t>
+                      </a:r>
+                      <a:endParaRPr lang="en-AE" dirty="0"/>
+                    </a:p>
+                  </a:txBody>
+                  <a:tcPr/>
+                </a:tc>
+                <a:tc>
+                  <a:txBody>
+                    <a:bodyPr/>
+                    <a:lstStyle/>
+                    <a:p>
+                      <a:r>
+                        <a:rPr lang="en-US" dirty="0"/>
+                        <a:t>Distance to metro</a:t>
+                      </a:r>
+                      <a:endParaRPr lang="en-AE" dirty="0"/>
+                    </a:p>
+                  </a:txBody>
+                  <a:tcPr/>
+                </a:tc>
+                <a:tc>
+                  <a:txBody>
+                    <a:bodyPr/>
+                    <a:lstStyle/>
+                    <a:p>
+                      <a:r>
+                        <a:rPr lang="en-US" dirty="0"/>
+                        <a:t>Number of grocery stores</a:t>
+                      </a:r>
+                      <a:endParaRPr lang="en-AE" dirty="0"/>
+                    </a:p>
+                  </a:txBody>
+                  <a:tcPr/>
+                </a:tc>
+                <a:tc>
+                  <a:txBody>
+                    <a:bodyPr/>
+                    <a:lstStyle/>
+                    <a:p>
+                      <a:r>
+                        <a:rPr lang="en-US" dirty="0"/>
+                        <a:t>House price</a:t>
+                      </a:r>
+                      <a:endParaRPr lang="en-AE" dirty="0"/>
+                    </a:p>
+                  </a:txBody>
+                  <a:tcPr/>
+                </a:tc>
+                <a:extLst>
+                  <a:ext uri="{0D108BD9-81ED-4DB2-BD59-A6C34878D82A}">
+                    <a16:rowId xmlns:a16="http://schemas.microsoft.com/office/drawing/2014/main" val="3347205683"/>
+                  </a:ext>
+                </a:extLst>
+              </a:tr>
+              <a:tr h="370840">
+                <a:tc>
+                  <a:txBody>
+                    <a:bodyPr/>
+                    <a:lstStyle/>
+                    <a:p>
+                      <a:r>
+                        <a:rPr lang="en-US" dirty="0"/>
+                        <a:t>200</a:t>
+                      </a:r>
+                      <a:endParaRPr lang="en-AE" dirty="0"/>
+                    </a:p>
+                  </a:txBody>
+                  <a:tcPr/>
+                </a:tc>
+                <a:tc>
+                  <a:txBody>
+                    <a:bodyPr/>
+                    <a:lstStyle/>
+                    <a:p>
+                      <a:r>
+                        <a:rPr lang="en-US" dirty="0"/>
+                        <a:t>10</a:t>
+                      </a:r>
+                      <a:endParaRPr lang="en-AE" dirty="0"/>
+                    </a:p>
+                  </a:txBody>
+                  <a:tcPr/>
+                </a:tc>
+                <a:tc>
+                  <a:txBody>
+                    <a:bodyPr/>
+                    <a:lstStyle/>
+                    <a:p>
+                      <a:r>
+                        <a:rPr lang="en-US" dirty="0"/>
+                        <a:t>16</a:t>
+                      </a:r>
+                      <a:endParaRPr lang="en-AE" dirty="0"/>
+                    </a:p>
+                  </a:txBody>
+                  <a:tcPr/>
+                </a:tc>
+                <a:tc>
+                  <a:txBody>
+                    <a:bodyPr/>
+                    <a:lstStyle/>
+                    <a:p>
+                      <a:r>
+                        <a:rPr lang="en-US" dirty="0"/>
+                        <a:t>2</a:t>
+                      </a:r>
+                      <a:endParaRPr lang="en-AE" dirty="0"/>
+                    </a:p>
+                  </a:txBody>
+                  <a:tcPr/>
+                </a:tc>
+                <a:tc>
+                  <a:txBody>
+                    <a:bodyPr/>
+                    <a:lstStyle/>
+                    <a:p>
+                      <a:r>
+                        <a:rPr lang="en-US" dirty="0"/>
+                        <a:t>102,343</a:t>
+                      </a:r>
+                      <a:endParaRPr lang="en-AE" dirty="0"/>
+                    </a:p>
+                  </a:txBody>
+                  <a:tcPr/>
+                </a:tc>
+                <a:extLst>
+                  <a:ext uri="{0D108BD9-81ED-4DB2-BD59-A6C34878D82A}">
+                    <a16:rowId xmlns:a16="http://schemas.microsoft.com/office/drawing/2014/main" val="3044820340"/>
+                  </a:ext>
+                </a:extLst>
+              </a:tr>
+              <a:tr h="370840">
+                <a:tc>
+                  <a:txBody>
+                    <a:bodyPr/>
+                    <a:lstStyle/>
+                    <a:p>
+                      <a:r>
+                        <a:rPr lang="en-US" dirty="0"/>
+                        <a:t>200</a:t>
+                      </a:r>
+                      <a:endParaRPr lang="en-AE" dirty="0"/>
+                    </a:p>
+                  </a:txBody>
+                  <a:tcPr/>
+                </a:tc>
+                <a:tc>
+                  <a:txBody>
+                    <a:bodyPr/>
+                    <a:lstStyle/>
+                    <a:p>
+                      <a:r>
+                        <a:rPr lang="en-US" dirty="0"/>
+                        <a:t>15</a:t>
+                      </a:r>
+                      <a:endParaRPr lang="en-AE" dirty="0"/>
+                    </a:p>
+                  </a:txBody>
+                  <a:tcPr/>
+                </a:tc>
+                <a:tc>
+                  <a:txBody>
+                    <a:bodyPr/>
+                    <a:lstStyle/>
+                    <a:p>
+                      <a:r>
+                        <a:rPr lang="en-US" dirty="0"/>
+                        <a:t>12</a:t>
+                      </a:r>
+                      <a:endParaRPr lang="en-AE" dirty="0"/>
+                    </a:p>
+                  </a:txBody>
+                  <a:tcPr/>
+                </a:tc>
+                <a:tc>
+                  <a:txBody>
+                    <a:bodyPr/>
+                    <a:lstStyle/>
+                    <a:p>
+                      <a:r>
+                        <a:rPr lang="en-US" dirty="0"/>
+                        <a:t>4</a:t>
+                      </a:r>
+                      <a:endParaRPr lang="en-AE" dirty="0"/>
+                    </a:p>
+                  </a:txBody>
+                  <a:tcPr/>
+                </a:tc>
+                <a:tc>
+                  <a:txBody>
+                    <a:bodyPr/>
+                    <a:lstStyle/>
+                    <a:p>
+                      <a:r>
+                        <a:rPr lang="en-US" dirty="0"/>
+                        <a:t>128,232</a:t>
+                      </a:r>
+                      <a:endParaRPr lang="en-AE" dirty="0"/>
+                    </a:p>
+                  </a:txBody>
+                  <a:tcPr/>
+                </a:tc>
+                <a:extLst>
+                  <a:ext uri="{0D108BD9-81ED-4DB2-BD59-A6C34878D82A}">
+                    <a16:rowId xmlns:a16="http://schemas.microsoft.com/office/drawing/2014/main" val="2893692742"/>
+                  </a:ext>
+                </a:extLst>
+              </a:tr>
+              <a:tr h="370840">
+                <a:tc>
+                  <a:txBody>
+                    <a:bodyPr/>
+                    <a:lstStyle/>
+                    <a:p>
+                      <a:r>
+                        <a:rPr lang="en-US" dirty="0"/>
+                        <a:t>250</a:t>
+                      </a:r>
+                      <a:endParaRPr lang="en-AE" dirty="0"/>
+                    </a:p>
+                  </a:txBody>
+                  <a:tcPr/>
+                </a:tc>
+                <a:tc>
+                  <a:txBody>
+                    <a:bodyPr/>
+                    <a:lstStyle/>
+                    <a:p>
+                      <a:r>
+                        <a:rPr lang="en-US" dirty="0"/>
+                        <a:t>12</a:t>
+                      </a:r>
+                      <a:endParaRPr lang="en-AE" dirty="0"/>
+                    </a:p>
+                  </a:txBody>
+                  <a:tcPr/>
+                </a:tc>
+                <a:tc>
+                  <a:txBody>
+                    <a:bodyPr/>
+                    <a:lstStyle/>
+                    <a:p>
+                      <a:r>
+                        <a:rPr lang="en-US" dirty="0"/>
+                        <a:t>7</a:t>
+                      </a:r>
+                      <a:endParaRPr lang="en-AE" dirty="0"/>
+                    </a:p>
+                  </a:txBody>
+                  <a:tcPr/>
+                </a:tc>
+                <a:tc>
+                  <a:txBody>
+                    <a:bodyPr/>
+                    <a:lstStyle/>
+                    <a:p>
+                      <a:r>
+                        <a:rPr lang="en-US" dirty="0"/>
+                        <a:t>6</a:t>
+                      </a:r>
+                      <a:endParaRPr lang="en-AE" dirty="0"/>
+                    </a:p>
+                  </a:txBody>
+                  <a:tcPr/>
+                </a:tc>
+                <a:tc>
+                  <a:txBody>
+                    <a:bodyPr/>
+                    <a:lstStyle/>
+                    <a:p>
+                      <a:r>
+                        <a:rPr lang="en-US" dirty="0"/>
+                        <a:t>245,343</a:t>
+                      </a:r>
+                      <a:endParaRPr lang="en-AE" dirty="0"/>
+                    </a:p>
+                  </a:txBody>
+                  <a:tcPr/>
+                </a:tc>
+                <a:extLst>
+                  <a:ext uri="{0D108BD9-81ED-4DB2-BD59-A6C34878D82A}">
+                    <a16:rowId xmlns:a16="http://schemas.microsoft.com/office/drawing/2014/main" val="2728799580"/>
+                  </a:ext>
+                </a:extLst>
+              </a:tr>
+              <a:tr h="370840">
+                <a:tc>
+                  <a:txBody>
+                    <a:bodyPr/>
+                    <a:lstStyle/>
+                    <a:p>
+                      <a:r>
+                        <a:rPr lang="en-US" dirty="0"/>
+                        <a:t>120</a:t>
+                      </a:r>
+                      <a:endParaRPr lang="en-AE" dirty="0"/>
+                    </a:p>
+                  </a:txBody>
+                  <a:tcPr/>
+                </a:tc>
+                <a:tc>
+                  <a:txBody>
+                    <a:bodyPr/>
+                    <a:lstStyle/>
+                    <a:p>
+                      <a:r>
+                        <a:rPr lang="en-US" dirty="0"/>
+                        <a:t>3</a:t>
+                      </a:r>
+                      <a:endParaRPr lang="en-AE" dirty="0"/>
+                    </a:p>
+                  </a:txBody>
+                  <a:tcPr/>
+                </a:tc>
+                <a:tc>
+                  <a:txBody>
+                    <a:bodyPr/>
+                    <a:lstStyle/>
+                    <a:p>
+                      <a:r>
+                        <a:rPr lang="en-US" dirty="0"/>
+                        <a:t>2</a:t>
+                      </a:r>
+                      <a:endParaRPr lang="en-AE" dirty="0"/>
+                    </a:p>
+                  </a:txBody>
+                  <a:tcPr/>
+                </a:tc>
+                <a:tc>
+                  <a:txBody>
+                    <a:bodyPr/>
+                    <a:lstStyle/>
+                    <a:p>
+                      <a:r>
+                        <a:rPr lang="en-US" dirty="0"/>
+                        <a:t>8</a:t>
+                      </a:r>
+                      <a:endParaRPr lang="en-AE" dirty="0"/>
+                    </a:p>
+                  </a:txBody>
+                  <a:tcPr/>
+                </a:tc>
+                <a:tc>
+                  <a:txBody>
+                    <a:bodyPr/>
+                    <a:lstStyle/>
+                    <a:p>
+                      <a:r>
+                        <a:rPr lang="en-US" dirty="0"/>
+                        <a:t>175,934</a:t>
+                      </a:r>
+                      <a:endParaRPr lang="en-AE" dirty="0"/>
+                    </a:p>
+                  </a:txBody>
+                  <a:tcPr/>
+                </a:tc>
+                <a:extLst>
+                  <a:ext uri="{0D108BD9-81ED-4DB2-BD59-A6C34878D82A}">
+                    <a16:rowId xmlns:a16="http://schemas.microsoft.com/office/drawing/2014/main" val="3937048481"/>
+                  </a:ext>
+                </a:extLst>
+              </a:tr>
+            </a:tbl>
+          </a:graphicData>
+        </a:graphic>
+      </p:graphicFrame>
+      <p:graphicFrame>
+        <p:nvGraphicFramePr>
+          <p:cNvPr id="5" name="Table 4">
+            <a:extLst>
+              <a:ext uri="{FF2B5EF4-FFF2-40B4-BE49-F238E27FC236}">
+                <a16:creationId xmlns:a16="http://schemas.microsoft.com/office/drawing/2014/main" id="{7316DFF5-AA43-81F2-7BF8-E2C5AE1A9075}"/>
+              </a:ext>
+            </a:extLst>
+          </p:cNvPr>
+          <p:cNvGraphicFramePr>
+            <a:graphicFrameLocks noGrp="1"/>
+          </p:cNvGraphicFramePr>
+          <p:nvPr/>
+        </p:nvGraphicFramePr>
+        <p:xfrm>
+          <a:off x="1423357" y="4131401"/>
+          <a:ext cx="8132793" cy="741680"/>
+        </p:xfrm>
+        <a:graphic>
+          <a:graphicData uri="http://schemas.openxmlformats.org/drawingml/2006/table">
+            <a:tbl>
+              <a:tblPr bandRow="1">
+                <a:tableStyleId>{5C22544A-7EE6-4342-B048-85BDC9FD1C3A}</a:tableStyleId>
+              </a:tblPr>
+              <a:tblGrid>
+                <a:gridCol w="1759789">
+                  <a:extLst>
+                    <a:ext uri="{9D8B030D-6E8A-4147-A177-3AD203B41FA5}">
+                      <a16:colId xmlns:a16="http://schemas.microsoft.com/office/drawing/2014/main" val="3912687382"/>
+                    </a:ext>
+                  </a:extLst>
+                </a:gridCol>
+                <a:gridCol w="1496204">
+                  <a:extLst>
+                    <a:ext uri="{9D8B030D-6E8A-4147-A177-3AD203B41FA5}">
+                      <a16:colId xmlns:a16="http://schemas.microsoft.com/office/drawing/2014/main" val="2941161573"/>
+                    </a:ext>
+                  </a:extLst>
+                </a:gridCol>
+                <a:gridCol w="1625600">
+                  <a:extLst>
+                    <a:ext uri="{9D8B030D-6E8A-4147-A177-3AD203B41FA5}">
+                      <a16:colId xmlns:a16="http://schemas.microsoft.com/office/drawing/2014/main" val="3838784927"/>
+                    </a:ext>
+                  </a:extLst>
+                </a:gridCol>
+                <a:gridCol w="1625600">
+                  <a:extLst>
+                    <a:ext uri="{9D8B030D-6E8A-4147-A177-3AD203B41FA5}">
+                      <a16:colId xmlns:a16="http://schemas.microsoft.com/office/drawing/2014/main" val="125416610"/>
+                    </a:ext>
+                  </a:extLst>
+                </a:gridCol>
+                <a:gridCol w="1625600">
+                  <a:extLst>
+                    <a:ext uri="{9D8B030D-6E8A-4147-A177-3AD203B41FA5}">
+                      <a16:colId xmlns:a16="http://schemas.microsoft.com/office/drawing/2014/main" val="1866762796"/>
+                    </a:ext>
+                  </a:extLst>
+                </a:gridCol>
+              </a:tblGrid>
+              <a:tr h="370840">
+                <a:tc>
+                  <a:txBody>
+                    <a:bodyPr/>
+                    <a:lstStyle/>
+                    <a:p>
+                      <a:r>
+                        <a:rPr lang="en-US" dirty="0"/>
+                        <a:t>300</a:t>
+                      </a:r>
+                      <a:endParaRPr lang="en-AE" dirty="0"/>
+                    </a:p>
+                  </a:txBody>
+                  <a:tcPr/>
+                </a:tc>
+                <a:tc>
+                  <a:txBody>
+                    <a:bodyPr/>
+                    <a:lstStyle/>
+                    <a:p>
+                      <a:r>
+                        <a:rPr lang="en-US" dirty="0"/>
+                        <a:t>12</a:t>
+                      </a:r>
+                      <a:endParaRPr lang="en-AE" dirty="0"/>
+                    </a:p>
+                  </a:txBody>
+                  <a:tcPr/>
+                </a:tc>
+                <a:tc>
+                  <a:txBody>
+                    <a:bodyPr/>
+                    <a:lstStyle/>
+                    <a:p>
+                      <a:r>
+                        <a:rPr lang="en-US" dirty="0"/>
+                        <a:t>1</a:t>
+                      </a:r>
+                      <a:endParaRPr lang="en-AE" dirty="0"/>
+                    </a:p>
+                  </a:txBody>
+                  <a:tcPr/>
+                </a:tc>
+                <a:tc>
+                  <a:txBody>
+                    <a:bodyPr/>
+                    <a:lstStyle/>
+                    <a:p>
+                      <a:r>
+                        <a:rPr lang="en-US" dirty="0"/>
+                        <a:t>8</a:t>
+                      </a:r>
+                      <a:endParaRPr lang="en-AE" dirty="0"/>
+                    </a:p>
+                  </a:txBody>
+                  <a:tcPr/>
+                </a:tc>
+                <a:tc>
+                  <a:txBody>
+                    <a:bodyPr/>
+                    <a:lstStyle/>
+                    <a:p>
+                      <a:r>
+                        <a:rPr lang="en-US" b="1" dirty="0"/>
+                        <a:t>?</a:t>
+                      </a:r>
+                      <a:endParaRPr lang="en-AE" b="1" dirty="0"/>
+                    </a:p>
+                  </a:txBody>
+                  <a:tcPr/>
+                </a:tc>
+                <a:extLst>
+                  <a:ext uri="{0D108BD9-81ED-4DB2-BD59-A6C34878D82A}">
+                    <a16:rowId xmlns:a16="http://schemas.microsoft.com/office/drawing/2014/main" val="2728799580"/>
+                  </a:ext>
+                </a:extLst>
+              </a:tr>
+              <a:tr h="370840">
+                <a:tc>
+                  <a:txBody>
+                    <a:bodyPr/>
+                    <a:lstStyle/>
+                    <a:p>
+                      <a:r>
+                        <a:rPr lang="en-US" dirty="0"/>
+                        <a:t>245</a:t>
+                      </a:r>
+                      <a:endParaRPr lang="en-AE" dirty="0"/>
+                    </a:p>
+                  </a:txBody>
+                  <a:tcPr/>
+                </a:tc>
+                <a:tc>
+                  <a:txBody>
+                    <a:bodyPr/>
+                    <a:lstStyle/>
+                    <a:p>
+                      <a:r>
+                        <a:rPr lang="en-US" dirty="0"/>
+                        <a:t>3</a:t>
+                      </a:r>
+                      <a:endParaRPr lang="en-AE" dirty="0"/>
+                    </a:p>
+                  </a:txBody>
+                  <a:tcPr/>
+                </a:tc>
+                <a:tc>
+                  <a:txBody>
+                    <a:bodyPr/>
+                    <a:lstStyle/>
+                    <a:p>
+                      <a:r>
+                        <a:rPr lang="en-US" dirty="0"/>
+                        <a:t>2</a:t>
+                      </a:r>
+                      <a:endParaRPr lang="en-AE" dirty="0"/>
+                    </a:p>
+                  </a:txBody>
+                  <a:tcPr/>
+                </a:tc>
+                <a:tc>
+                  <a:txBody>
+                    <a:bodyPr/>
+                    <a:lstStyle/>
+                    <a:p>
+                      <a:r>
+                        <a:rPr lang="en-US" dirty="0"/>
+                        <a:t>10</a:t>
+                      </a:r>
+                      <a:endParaRPr lang="en-AE" dirty="0"/>
+                    </a:p>
+                  </a:txBody>
+                  <a:tcPr/>
+                </a:tc>
+                <a:tc>
+                  <a:txBody>
+                    <a:bodyPr/>
+                    <a:lstStyle/>
+                    <a:p>
+                      <a:r>
+                        <a:rPr lang="en-US" b="1" dirty="0"/>
+                        <a:t>?</a:t>
+                      </a:r>
+                      <a:endParaRPr lang="en-AE" b="1" dirty="0"/>
+                    </a:p>
+                  </a:txBody>
+                  <a:tcPr/>
+                </a:tc>
+                <a:extLst>
+                  <a:ext uri="{0D108BD9-81ED-4DB2-BD59-A6C34878D82A}">
+                    <a16:rowId xmlns:a16="http://schemas.microsoft.com/office/drawing/2014/main" val="3937048481"/>
+                  </a:ext>
+                </a:extLst>
+              </a:tr>
+            </a:tbl>
+          </a:graphicData>
+        </a:graphic>
+      </p:graphicFrame>
+      <p:sp>
+        <p:nvSpPr>
+          <p:cNvPr id="6" name="Rectangle 5">
+            <a:extLst>
+              <a:ext uri="{FF2B5EF4-FFF2-40B4-BE49-F238E27FC236}">
+                <a16:creationId xmlns:a16="http://schemas.microsoft.com/office/drawing/2014/main" id="{6031E47D-D2B6-0966-189B-B361B5C89DF6}"/>
+              </a:ext>
+            </a:extLst>
+          </p:cNvPr>
+          <p:cNvSpPr/>
+          <p:nvPr/>
+        </p:nvSpPr>
+        <p:spPr>
+          <a:xfrm>
+            <a:off x="1423357" y="1324634"/>
+            <a:ext cx="6521571" cy="3548447"/>
+          </a:xfrm>
+          <a:prstGeom prst="rect">
+            <a:avLst/>
+          </a:prstGeom>
+          <a:noFill/>
+          <a:ln w="25400">
+            <a:solidFill>
+              <a:srgbClr val="FF0000"/>
+            </a:solidFill>
+          </a:ln>
+        </p:spPr>
+        <p:style>
+          <a:lnRef idx="2">
+            <a:schemeClr val="accent1">
+              <a:shade val="50000"/>
+            </a:schemeClr>
+          </a:lnRef>
+          <a:fillRef idx="1">
+            <a:schemeClr val="accent1"/>
+          </a:fillRef>
+          <a:effectRef idx="0">
+            <a:schemeClr val="accent1"/>
+          </a:effectRef>
+          <a:fontRef idx="minor">
+            <a:schemeClr val="lt1"/>
+          </a:fontRef>
+        </p:style>
+        <p:txBody>
+          <a:bodyPr rtlCol="0" anchor="ctr"/>
+          <a:lstStyle/>
+          <a:p>
+            <a:pPr algn="ctr"/>
+            <a:endParaRPr lang="en-AE"/>
+          </a:p>
+        </p:txBody>
+      </p:sp>
+      <p:sp>
+        <p:nvSpPr>
+          <p:cNvPr id="7" name="Right Brace 6">
+            <a:extLst>
+              <a:ext uri="{FF2B5EF4-FFF2-40B4-BE49-F238E27FC236}">
+                <a16:creationId xmlns:a16="http://schemas.microsoft.com/office/drawing/2014/main" id="{A332995D-780C-D434-9ED0-D5E27D06BC10}"/>
+              </a:ext>
+            </a:extLst>
+          </p:cNvPr>
+          <p:cNvSpPr/>
+          <p:nvPr/>
+        </p:nvSpPr>
+        <p:spPr>
+          <a:xfrm>
+            <a:off x="9687464" y="4131401"/>
+            <a:ext cx="146649" cy="741680"/>
+          </a:xfrm>
+          <a:prstGeom prst="rightBrace">
+            <a:avLst/>
+          </a:prstGeom>
+        </p:spPr>
+        <p:style>
+          <a:lnRef idx="1">
+            <a:schemeClr val="accent1"/>
+          </a:lnRef>
+          <a:fillRef idx="0">
+            <a:schemeClr val="accent1"/>
+          </a:fillRef>
+          <a:effectRef idx="0">
+            <a:schemeClr val="accent1"/>
+          </a:effectRef>
+          <a:fontRef idx="minor">
+            <a:schemeClr val="tx1"/>
+          </a:fontRef>
+        </p:style>
+        <p:txBody>
+          <a:bodyPr rtlCol="0" anchor="ctr"/>
+          <a:lstStyle/>
+          <a:p>
+            <a:pPr algn="ctr"/>
+            <a:endParaRPr lang="en-AE"/>
+          </a:p>
+        </p:txBody>
+      </p:sp>
+      <p:sp>
+        <p:nvSpPr>
+          <p:cNvPr id="8" name="TextBox 7">
+            <a:extLst>
+              <a:ext uri="{FF2B5EF4-FFF2-40B4-BE49-F238E27FC236}">
+                <a16:creationId xmlns:a16="http://schemas.microsoft.com/office/drawing/2014/main" id="{E3FA1C24-957F-1FCA-C5C9-6597D007B1D7}"/>
+              </a:ext>
+            </a:extLst>
+          </p:cNvPr>
+          <p:cNvSpPr txBox="1"/>
+          <p:nvPr/>
+        </p:nvSpPr>
+        <p:spPr>
+          <a:xfrm>
+            <a:off x="9937630" y="4131401"/>
+            <a:ext cx="1414732" cy="646331"/>
+          </a:xfrm>
+          <a:prstGeom prst="rect">
+            <a:avLst/>
+          </a:prstGeom>
+          <a:noFill/>
+        </p:spPr>
+        <p:txBody>
+          <a:bodyPr wrap="square" rtlCol="0">
+            <a:spAutoFit/>
+          </a:bodyPr>
+          <a:lstStyle/>
+          <a:p>
+            <a:r>
+              <a:rPr lang="en-US" dirty="0"/>
+              <a:t>Prediction set</a:t>
+            </a:r>
+            <a:endParaRPr lang="en-AE" dirty="0"/>
+          </a:p>
+        </p:txBody>
+      </p:sp>
+      <p:cxnSp>
+        <p:nvCxnSpPr>
+          <p:cNvPr id="10" name="Straight Arrow Connector 9">
+            <a:extLst>
+              <a:ext uri="{FF2B5EF4-FFF2-40B4-BE49-F238E27FC236}">
+                <a16:creationId xmlns:a16="http://schemas.microsoft.com/office/drawing/2014/main" id="{248356FA-AF86-0006-CCE9-87F826BE56F8}"/>
+              </a:ext>
+            </a:extLst>
+          </p:cNvPr>
+          <p:cNvCxnSpPr>
+            <a:cxnSpLocks/>
+            <a:endCxn id="11" idx="0"/>
+          </p:cNvCxnSpPr>
+          <p:nvPr/>
+        </p:nvCxnSpPr>
+        <p:spPr>
+          <a:xfrm>
+            <a:off x="4675517" y="4873081"/>
+            <a:ext cx="8625" cy="535681"/>
+          </a:xfrm>
+          <a:prstGeom prst="straightConnector1">
+            <a:avLst/>
+          </a:prstGeom>
+          <a:ln>
+            <a:tailEnd type="triangle"/>
+          </a:ln>
+        </p:spPr>
+        <p:style>
+          <a:lnRef idx="1">
+            <a:schemeClr val="accent1"/>
+          </a:lnRef>
+          <a:fillRef idx="0">
+            <a:schemeClr val="accent1"/>
+          </a:fillRef>
+          <a:effectRef idx="0">
+            <a:schemeClr val="accent1"/>
+          </a:effectRef>
+          <a:fontRef idx="minor">
+            <a:schemeClr val="tx1"/>
+          </a:fontRef>
+        </p:style>
+      </p:cxnSp>
+      <p:sp>
+        <p:nvSpPr>
+          <p:cNvPr id="11" name="TextBox 10">
+            <a:extLst>
+              <a:ext uri="{FF2B5EF4-FFF2-40B4-BE49-F238E27FC236}">
+                <a16:creationId xmlns:a16="http://schemas.microsoft.com/office/drawing/2014/main" id="{1E7044D9-7766-AA14-D1E0-D59214EAA9FC}"/>
+              </a:ext>
+            </a:extLst>
+          </p:cNvPr>
+          <p:cNvSpPr txBox="1"/>
+          <p:nvPr/>
+        </p:nvSpPr>
+        <p:spPr>
+          <a:xfrm>
+            <a:off x="1423357" y="5408762"/>
+            <a:ext cx="6521570" cy="923330"/>
+          </a:xfrm>
+          <a:prstGeom prst="rect">
+            <a:avLst/>
+          </a:prstGeom>
+          <a:noFill/>
+        </p:spPr>
+        <p:txBody>
+          <a:bodyPr wrap="square" rtlCol="0">
+            <a:spAutoFit/>
+          </a:bodyPr>
+          <a:lstStyle/>
+          <a:p>
+            <a:pPr algn="ctr"/>
+            <a:r>
+              <a:rPr lang="en-US" b="1" dirty="0"/>
+              <a:t>Covariance matrix</a:t>
+            </a:r>
+          </a:p>
+          <a:p>
+            <a:r>
+              <a:rPr lang="en-US" dirty="0"/>
+              <a:t>M = 6x6 matrix</a:t>
+            </a:r>
+          </a:p>
+          <a:p>
+            <a:r>
+              <a:rPr lang="en-AE" dirty="0"/>
+              <a:t>M(</a:t>
+            </a:r>
+            <a:r>
+              <a:rPr lang="en-US" dirty="0"/>
+              <a:t>I</a:t>
+            </a:r>
+            <a:r>
+              <a:rPr lang="en-AE" dirty="0"/>
+              <a:t>,J) = Covariance (Row-</a:t>
+            </a:r>
+            <a:r>
+              <a:rPr lang="en-US" dirty="0"/>
+              <a:t>I</a:t>
+            </a:r>
+            <a:r>
+              <a:rPr lang="en-AE" dirty="0"/>
+              <a:t>, Row-J)</a:t>
+            </a:r>
+          </a:p>
+        </p:txBody>
+      </p:sp>
+      <p:sp>
+        <p:nvSpPr>
+          <p:cNvPr id="12" name="TextBox 11">
+            <a:extLst>
+              <a:ext uri="{FF2B5EF4-FFF2-40B4-BE49-F238E27FC236}">
+                <a16:creationId xmlns:a16="http://schemas.microsoft.com/office/drawing/2014/main" id="{CF7F9E80-A5DD-E86F-C978-E056D8BEB499}"/>
+              </a:ext>
+            </a:extLst>
+          </p:cNvPr>
+          <p:cNvSpPr txBox="1"/>
+          <p:nvPr/>
+        </p:nvSpPr>
+        <p:spPr>
+          <a:xfrm>
+            <a:off x="6391574" y="5380672"/>
+            <a:ext cx="4909630" cy="1477328"/>
+          </a:xfrm>
+          <a:prstGeom prst="rect">
+            <a:avLst/>
+          </a:prstGeom>
+          <a:noFill/>
+        </p:spPr>
+        <p:txBody>
+          <a:bodyPr wrap="square" rtlCol="0">
+            <a:spAutoFit/>
+          </a:bodyPr>
+          <a:lstStyle/>
+          <a:p>
+            <a:r>
+              <a:rPr lang="en-US" b="1" dirty="0"/>
+              <a:t>Random sample </a:t>
+            </a:r>
+            <a:r>
+              <a:rPr lang="en-US" dirty="0"/>
+              <a:t>from the prob distribution</a:t>
+            </a:r>
+          </a:p>
+          <a:p>
+            <a:endParaRPr lang="en-US" dirty="0"/>
+          </a:p>
+          <a:p>
+            <a:r>
+              <a:rPr lang="en-US" dirty="0"/>
+              <a:t>Find </a:t>
+            </a:r>
+            <a:r>
+              <a:rPr lang="en-US" b="1" dirty="0"/>
+              <a:t>conditional distribution </a:t>
+            </a:r>
+            <a:r>
+              <a:rPr lang="en-US" dirty="0"/>
+              <a:t>of unknowns given known values – Joint 2x2 distribution of the unknown in this case!</a:t>
+            </a:r>
+            <a:endParaRPr lang="en-AE" dirty="0"/>
+          </a:p>
+        </p:txBody>
+      </p:sp>
+      <p:cxnSp>
+        <p:nvCxnSpPr>
+          <p:cNvPr id="13" name="Straight Arrow Connector 12">
+            <a:extLst>
+              <a:ext uri="{FF2B5EF4-FFF2-40B4-BE49-F238E27FC236}">
+                <a16:creationId xmlns:a16="http://schemas.microsoft.com/office/drawing/2014/main" id="{E84D733D-C557-06EF-5EE0-FE2F0045CD2B}"/>
+              </a:ext>
+            </a:extLst>
+          </p:cNvPr>
+          <p:cNvCxnSpPr>
+            <a:cxnSpLocks/>
+          </p:cNvCxnSpPr>
+          <p:nvPr/>
+        </p:nvCxnSpPr>
+        <p:spPr>
+          <a:xfrm>
+            <a:off x="8846389" y="4873081"/>
+            <a:ext cx="0" cy="380406"/>
+          </a:xfrm>
+          <a:prstGeom prst="straightConnector1">
+            <a:avLst/>
+          </a:prstGeom>
+          <a:ln>
+            <a:tailEnd type="triangle"/>
+          </a:ln>
+        </p:spPr>
+        <p:style>
+          <a:lnRef idx="1">
+            <a:schemeClr val="accent1"/>
+          </a:lnRef>
+          <a:fillRef idx="0">
+            <a:schemeClr val="accent1"/>
+          </a:fillRef>
+          <a:effectRef idx="0">
+            <a:schemeClr val="accent1"/>
+          </a:effectRef>
+          <a:fontRef idx="minor">
+            <a:schemeClr val="tx1"/>
+          </a:fontRef>
+        </p:style>
+      </p:cxnSp>
+    </p:spTree>
+    <p:extLst>
+      <p:ext uri="{BB962C8B-B14F-4D97-AF65-F5344CB8AC3E}">
+        <p14:creationId xmlns:p14="http://schemas.microsoft.com/office/powerpoint/2010/main" val="1196200674"/>
+      </p:ext>
+    </p:extLst>
+  </p:cSld>
+  <p:clrMapOvr>
+    <a:masterClrMapping/>
+  </p:clrMapOvr>
+  <p:timing>
+    <p:tnLst>
+      <p:par>
+        <p:cTn id="1" dur="indefinite" restart="never" nodeType="tmRoot">
+          <p:childTnLst>
+            <p:seq concurrent="1" nextAc="seek">
+              <p:cTn id="2" dur="indefinite" nodeType="mainSeq">
+                <p:childTnLst>
+                  <p:par>
+                    <p:cTn id="3" fill="hold">
+                      <p:stCondLst>
+                        <p:cond delay="indefinite"/>
+                      </p:stCondLst>
+                      <p:childTnLst>
+                        <p:par>
+                          <p:cTn id="4" fill="hold">
+                            <p:stCondLst>
+                              <p:cond delay="0"/>
+                            </p:stCondLst>
+                            <p:childTnLst>
+                              <p:par>
+                                <p:cTn id="5" presetID="1" presetClass="entr" presetSubtype="0" fill="hold" grpId="0" nodeType="clickEffect">
+                                  <p:stCondLst>
+                                    <p:cond delay="0"/>
+                                  </p:stCondLst>
+                                  <p:childTnLst>
+                                    <p:set>
+                                      <p:cBhvr>
+                                        <p:cTn id="6" dur="1" fill="hold">
+                                          <p:stCondLst>
+                                            <p:cond delay="0"/>
+                                          </p:stCondLst>
+                                        </p:cTn>
+                                        <p:tgtEl>
+                                          <p:spTgt spid="6"/>
+                                        </p:tgtEl>
+                                        <p:attrNameLst>
+                                          <p:attrName>style.visibility</p:attrName>
+                                        </p:attrNameLst>
+                                      </p:cBhvr>
+                                      <p:to>
+                                        <p:strVal val="visible"/>
+                                      </p:to>
+                                    </p:set>
+                                  </p:childTnLst>
+                                </p:cTn>
+                              </p:par>
+                            </p:childTnLst>
+                          </p:cTn>
+                        </p:par>
+                      </p:childTnLst>
+                    </p:cTn>
+                  </p:par>
+                </p:childTnLst>
+              </p:cTn>
+              <p:prevCondLst>
+                <p:cond evt="onPrev" delay="0">
+                  <p:tgtEl>
+                    <p:sldTgt/>
+                  </p:tgtEl>
+                </p:cond>
+              </p:prevCondLst>
+              <p:nextCondLst>
+                <p:cond evt="onNext" delay="0">
+                  <p:tgtEl>
+                    <p:sldTgt/>
+                  </p:tgtEl>
+                </p:cond>
+              </p:nextCondLst>
+            </p:seq>
+          </p:childTnLst>
+        </p:cTn>
+      </p:par>
+    </p:tnLst>
+    <p:bldLst>
+      <p:bldP spid="6" grpId="0" animBg="1"/>
+    </p:bldLst>
+  </p:timing>
+</p:sld>
+</file>
+
+<file path=ppt/slides/slide14.xml><?xml version="1.0" encoding="utf-8"?>
+<p:sld xmlns:a="http://schemas.openxmlformats.org/drawingml/2006/main" xmlns:r="http://schemas.openxmlformats.org/officeDocument/2006/relationships" xmlns:p="http://schemas.openxmlformats.org/presentationml/2006/main">
+  <p:cSld>
+    <p:spTree>
+      <p:nvGrpSpPr>
+        <p:cNvPr id="1" name=""/>
+        <p:cNvGrpSpPr/>
+        <p:nvPr/>
+      </p:nvGrpSpPr>
+      <p:grpSpPr>
+        <a:xfrm>
+          <a:off x="0" y="0"/>
+          <a:ext cx="0" cy="0"/>
+          <a:chOff x="0" y="0"/>
+          <a:chExt cx="0" cy="0"/>
+        </a:xfrm>
+      </p:grpSpPr>
+      <p:sp>
+        <p:nvSpPr>
+          <p:cNvPr id="2" name="Title 1">
+            <a:extLst>
+              <a:ext uri="{FF2B5EF4-FFF2-40B4-BE49-F238E27FC236}">
+                <a16:creationId xmlns:a16="http://schemas.microsoft.com/office/drawing/2014/main" id="{2864702A-BFF9-10AB-3B34-FE74FEF09C96}"/>
+              </a:ext>
+            </a:extLst>
+          </p:cNvPr>
+          <p:cNvSpPr>
+            <a:spLocks noGrp="1"/>
+          </p:cNvSpPr>
+          <p:nvPr>
+            <p:ph type="title"/>
+          </p:nvPr>
+        </p:nvSpPr>
+        <p:spPr/>
+        <p:txBody>
+          <a:bodyPr>
+            <a:normAutofit/>
+          </a:bodyPr>
+          <a:lstStyle/>
+          <a:p>
+            <a:r>
+              <a:rPr lang="en-US" dirty="0"/>
+              <a:t>GP, Kriging </a:t>
+            </a:r>
+            <a:br>
+              <a:rPr lang="en-US" dirty="0"/>
+            </a:br>
+            <a:r>
+              <a:rPr lang="en-US" sz="3100" dirty="0"/>
+              <a:t>Applications</a:t>
+            </a:r>
+            <a:endParaRPr lang="en-AE" dirty="0"/>
+          </a:p>
+        </p:txBody>
+      </p:sp>
+      <p:sp>
+        <p:nvSpPr>
+          <p:cNvPr id="3" name="Content Placeholder 2">
+            <a:extLst>
+              <a:ext uri="{FF2B5EF4-FFF2-40B4-BE49-F238E27FC236}">
+                <a16:creationId xmlns:a16="http://schemas.microsoft.com/office/drawing/2014/main" id="{3E82BB91-2FE0-06BD-D740-E90ADA81395B}"/>
+              </a:ext>
+            </a:extLst>
+          </p:cNvPr>
+          <p:cNvSpPr>
+            <a:spLocks noGrp="1"/>
+          </p:cNvSpPr>
+          <p:nvPr>
+            <p:ph idx="1"/>
+          </p:nvPr>
+        </p:nvSpPr>
+        <p:spPr/>
+        <p:txBody>
+          <a:bodyPr/>
+          <a:lstStyle/>
+          <a:p>
+            <a:r>
+              <a:rPr lang="en-US" dirty="0"/>
+              <a:t>Interpolation</a:t>
+            </a:r>
+          </a:p>
+          <a:p>
+            <a:r>
+              <a:rPr lang="en-AE" dirty="0"/>
+              <a:t>Less data</a:t>
+            </a:r>
+          </a:p>
+          <a:p>
+            <a:r>
+              <a:rPr lang="en-AE" dirty="0"/>
+              <a:t>Uncertainty in prediction</a:t>
+            </a:r>
+          </a:p>
+        </p:txBody>
+      </p:sp>
+    </p:spTree>
+    <p:extLst>
+      <p:ext uri="{BB962C8B-B14F-4D97-AF65-F5344CB8AC3E}">
+        <p14:creationId xmlns:p14="http://schemas.microsoft.com/office/powerpoint/2010/main" val="3408774409"/>
+      </p:ext>
+    </p:extLst>
+  </p:cSld>
+  <p:clrMapOvr>
+    <a:masterClrMapping/>
+  </p:clrMapOvr>
+</p:sld>
+</file>
+
+<file path=ppt/slides/slide15.xml><?xml version="1.0" encoding="utf-8"?>
+<p:sld xmlns:a="http://schemas.openxmlformats.org/drawingml/2006/main" xmlns:r="http://schemas.openxmlformats.org/officeDocument/2006/relationships" xmlns:p="http://schemas.openxmlformats.org/presentationml/2006/main">
+  <p:cSld>
+    <p:spTree>
+      <p:nvGrpSpPr>
+        <p:cNvPr id="1" name=""/>
+        <p:cNvGrpSpPr/>
+        <p:nvPr/>
+      </p:nvGrpSpPr>
+      <p:grpSpPr>
+        <a:xfrm>
+          <a:off x="0" y="0"/>
+          <a:ext cx="0" cy="0"/>
+          <a:chOff x="0" y="0"/>
+          <a:chExt cx="0" cy="0"/>
+        </a:xfrm>
+      </p:grpSpPr>
+      <p:sp>
+        <p:nvSpPr>
+          <p:cNvPr id="2" name="Title 1">
+            <a:extLst>
+              <a:ext uri="{FF2B5EF4-FFF2-40B4-BE49-F238E27FC236}">
+                <a16:creationId xmlns:a16="http://schemas.microsoft.com/office/drawing/2014/main" id="{79C53D68-18C4-DD8C-289D-FC1FD77E6F34}"/>
+              </a:ext>
+            </a:extLst>
+          </p:cNvPr>
+          <p:cNvSpPr>
+            <a:spLocks noGrp="1"/>
+          </p:cNvSpPr>
+          <p:nvPr>
+            <p:ph type="title"/>
+          </p:nvPr>
+        </p:nvSpPr>
+        <p:spPr/>
+        <p:txBody>
+          <a:bodyPr/>
+          <a:lstStyle/>
+          <a:p>
+            <a:r>
+              <a:rPr lang="en-US" dirty="0"/>
+              <a:t>ARD</a:t>
+            </a:r>
+            <a:endParaRPr lang="en-AE" dirty="0"/>
+          </a:p>
+        </p:txBody>
+      </p:sp>
+      <p:sp>
+        <p:nvSpPr>
+          <p:cNvPr id="3" name="Content Placeholder 2">
+            <a:extLst>
+              <a:ext uri="{FF2B5EF4-FFF2-40B4-BE49-F238E27FC236}">
+                <a16:creationId xmlns:a16="http://schemas.microsoft.com/office/drawing/2014/main" id="{3947C30C-8F26-9E2A-4D70-C3C89C1A9F93}"/>
+              </a:ext>
+            </a:extLst>
+          </p:cNvPr>
+          <p:cNvSpPr>
+            <a:spLocks noGrp="1"/>
+          </p:cNvSpPr>
+          <p:nvPr>
+            <p:ph idx="1"/>
+          </p:nvPr>
+        </p:nvSpPr>
+        <p:spPr/>
+        <p:txBody>
+          <a:bodyPr/>
+          <a:lstStyle/>
+          <a:p>
+            <a:r>
+              <a:rPr lang="en-US" dirty="0"/>
+              <a:t>Covariance functions</a:t>
+            </a:r>
+          </a:p>
+          <a:p>
+            <a:r>
+              <a:rPr lang="en-US" dirty="0"/>
+              <a:t>Free parameters &amp; ARD</a:t>
+            </a:r>
+          </a:p>
+          <a:p>
+            <a:r>
+              <a:rPr lang="en-US" dirty="0"/>
+              <a:t>Libraries providing GP support:</a:t>
+            </a:r>
+          </a:p>
+          <a:p>
+            <a:pPr lvl="1"/>
+            <a:r>
+              <a:rPr lang="en-US" dirty="0"/>
+              <a:t>Scikit, </a:t>
+            </a:r>
+            <a:r>
+              <a:rPr lang="en-US" dirty="0" err="1"/>
+              <a:t>gpflow</a:t>
+            </a:r>
+            <a:r>
+              <a:rPr lang="en-US" dirty="0"/>
+              <a:t>, …</a:t>
+            </a:r>
+          </a:p>
+          <a:p>
+            <a:endParaRPr lang="en-AE" dirty="0"/>
+          </a:p>
+        </p:txBody>
+      </p:sp>
+    </p:spTree>
+    <p:extLst>
+      <p:ext uri="{BB962C8B-B14F-4D97-AF65-F5344CB8AC3E}">
+        <p14:creationId xmlns:p14="http://schemas.microsoft.com/office/powerpoint/2010/main" val="2521124608"/>
+      </p:ext>
+    </p:extLst>
+  </p:cSld>
+  <p:clrMapOvr>
+    <a:masterClrMapping/>
+  </p:clrMapOvr>
+</p:sld>
+</file>
+
+<file path=ppt/slides/slide16.xml><?xml version="1.0" encoding="utf-8"?>
+<p:sld xmlns:a="http://schemas.openxmlformats.org/drawingml/2006/main" xmlns:r="http://schemas.openxmlformats.org/officeDocument/2006/relationships" xmlns:p="http://schemas.openxmlformats.org/presentationml/2006/main">
+  <p:cSld>
+    <p:spTree>
+      <p:nvGrpSpPr>
+        <p:cNvPr id="1" name=""/>
+        <p:cNvGrpSpPr/>
+        <p:nvPr/>
+      </p:nvGrpSpPr>
+      <p:grpSpPr>
+        <a:xfrm>
+          <a:off x="0" y="0"/>
+          <a:ext cx="0" cy="0"/>
+          <a:chOff x="0" y="0"/>
+          <a:chExt cx="0" cy="0"/>
+        </a:xfrm>
+      </p:grpSpPr>
+      <p:sp>
+        <p:nvSpPr>
+          <p:cNvPr id="2" name="Title 1">
+            <a:extLst>
+              <a:ext uri="{FF2B5EF4-FFF2-40B4-BE49-F238E27FC236}">
+                <a16:creationId xmlns:a16="http://schemas.microsoft.com/office/drawing/2014/main" id="{8718C8C2-685B-9A1B-11CC-1682346F604C}"/>
+              </a:ext>
+            </a:extLst>
+          </p:cNvPr>
+          <p:cNvSpPr>
+            <a:spLocks noGrp="1"/>
+          </p:cNvSpPr>
+          <p:nvPr>
+            <p:ph type="title"/>
+          </p:nvPr>
+        </p:nvSpPr>
+        <p:spPr/>
+        <p:txBody>
+          <a:bodyPr/>
+          <a:lstStyle/>
+          <a:p>
+            <a:r>
+              <a:rPr lang="en-US" dirty="0"/>
+              <a:t>Limitations of GP</a:t>
+            </a:r>
+            <a:endParaRPr lang="en-AE" dirty="0"/>
+          </a:p>
+        </p:txBody>
+      </p:sp>
+      <p:sp>
+        <p:nvSpPr>
+          <p:cNvPr id="3" name="Content Placeholder 2">
+            <a:extLst>
+              <a:ext uri="{FF2B5EF4-FFF2-40B4-BE49-F238E27FC236}">
+                <a16:creationId xmlns:a16="http://schemas.microsoft.com/office/drawing/2014/main" id="{FF0A5E55-A155-F92B-E3D2-B20C05253748}"/>
+              </a:ext>
+            </a:extLst>
+          </p:cNvPr>
+          <p:cNvSpPr>
+            <a:spLocks noGrp="1"/>
+          </p:cNvSpPr>
+          <p:nvPr>
+            <p:ph idx="1"/>
+          </p:nvPr>
+        </p:nvSpPr>
+        <p:spPr/>
+        <p:txBody>
+          <a:bodyPr/>
+          <a:lstStyle/>
+          <a:p>
+            <a:r>
+              <a:rPr lang="en-US" dirty="0"/>
+              <a:t>Degenerate inverses… (unsuitable data, numerical stability)</a:t>
+            </a:r>
+          </a:p>
+          <a:p>
+            <a:r>
+              <a:rPr lang="en-US" dirty="0"/>
+              <a:t>Big data (not scalable)</a:t>
+            </a:r>
+          </a:p>
+          <a:p>
+            <a:r>
+              <a:rPr lang="en-US" dirty="0"/>
+              <a:t>Categorical variables (Not natural)</a:t>
+            </a:r>
+            <a:endParaRPr lang="en-AE" dirty="0"/>
+          </a:p>
+        </p:txBody>
+      </p:sp>
+    </p:spTree>
+    <p:extLst>
+      <p:ext uri="{BB962C8B-B14F-4D97-AF65-F5344CB8AC3E}">
+        <p14:creationId xmlns:p14="http://schemas.microsoft.com/office/powerpoint/2010/main" val="901756517"/>
       </p:ext>
     </p:extLst>
   </p:cSld>
@@ -5347,7 +8223,7 @@
           <p:cNvPr id="2" name="Title 1">
             <a:extLst>
               <a:ext uri="{FF2B5EF4-FFF2-40B4-BE49-F238E27FC236}">
-                <a16:creationId xmlns:a16="http://schemas.microsoft.com/office/drawing/2014/main" id="{2864702A-BFF9-10AB-3B34-FE74FEF09C96}"/>
+                <a16:creationId xmlns:a16="http://schemas.microsoft.com/office/drawing/2014/main" id="{A7CAEC2D-68DB-8563-1C69-2048D6EEACF1}"/>
               </a:ext>
             </a:extLst>
           </p:cNvPr>
@@ -5360,70 +8236,410 @@
         </p:nvSpPr>
         <p:spPr/>
         <p:txBody>
-          <a:bodyPr>
-            <a:normAutofit/>
+          <a:bodyPr/>
+          <a:lstStyle/>
+          <a:p>
+            <a:r>
+              <a:rPr lang="en-US" dirty="0"/>
+              <a:t>Function as a mapping</a:t>
+            </a:r>
+            <a:endParaRPr lang="en-AE" dirty="0"/>
+          </a:p>
+        </p:txBody>
+      </p:sp>
+      <p:sp>
+        <p:nvSpPr>
+          <p:cNvPr id="4" name="Oval 3">
+            <a:extLst>
+              <a:ext uri="{FF2B5EF4-FFF2-40B4-BE49-F238E27FC236}">
+                <a16:creationId xmlns:a16="http://schemas.microsoft.com/office/drawing/2014/main" id="{0B3D8310-9612-EABB-9312-93654C990DF8}"/>
+              </a:ext>
+            </a:extLst>
+          </p:cNvPr>
+          <p:cNvSpPr/>
+          <p:nvPr/>
+        </p:nvSpPr>
+        <p:spPr>
+          <a:xfrm>
+            <a:off x="2981602" y="1846053"/>
+            <a:ext cx="1837427" cy="3165894"/>
+          </a:xfrm>
+          <a:prstGeom prst="ellipse">
+            <a:avLst/>
+          </a:prstGeom>
+        </p:spPr>
+        <p:style>
+          <a:lnRef idx="2">
+            <a:schemeClr val="accent1">
+              <a:shade val="50000"/>
+            </a:schemeClr>
+          </a:lnRef>
+          <a:fillRef idx="1">
+            <a:schemeClr val="accent1"/>
+          </a:fillRef>
+          <a:effectRef idx="0">
+            <a:schemeClr val="accent1"/>
+          </a:effectRef>
+          <a:fontRef idx="minor">
+            <a:schemeClr val="lt1"/>
+          </a:fontRef>
+        </p:style>
+        <p:txBody>
+          <a:bodyPr rtlCol="0" anchor="ctr"/>
+          <a:lstStyle/>
+          <a:p>
+            <a:pPr algn="ctr"/>
+            <a:endParaRPr lang="en-AE"/>
+          </a:p>
+        </p:txBody>
+      </p:sp>
+      <p:sp>
+        <p:nvSpPr>
+          <p:cNvPr id="5" name="Oval 4">
+            <a:extLst>
+              <a:ext uri="{FF2B5EF4-FFF2-40B4-BE49-F238E27FC236}">
+                <a16:creationId xmlns:a16="http://schemas.microsoft.com/office/drawing/2014/main" id="{A3DCE230-03C1-78B2-C960-E9E69219711C}"/>
+              </a:ext>
+            </a:extLst>
+          </p:cNvPr>
+          <p:cNvSpPr/>
+          <p:nvPr/>
+        </p:nvSpPr>
+        <p:spPr>
+          <a:xfrm>
+            <a:off x="7999300" y="1846053"/>
+            <a:ext cx="1837427" cy="3165894"/>
+          </a:xfrm>
+          <a:prstGeom prst="ellipse">
+            <a:avLst/>
+          </a:prstGeom>
+        </p:spPr>
+        <p:style>
+          <a:lnRef idx="2">
+            <a:schemeClr val="accent1">
+              <a:shade val="50000"/>
+            </a:schemeClr>
+          </a:lnRef>
+          <a:fillRef idx="1">
+            <a:schemeClr val="accent1"/>
+          </a:fillRef>
+          <a:effectRef idx="0">
+            <a:schemeClr val="accent1"/>
+          </a:effectRef>
+          <a:fontRef idx="minor">
+            <a:schemeClr val="lt1"/>
+          </a:fontRef>
+        </p:style>
+        <p:txBody>
+          <a:bodyPr rtlCol="0" anchor="ctr"/>
+          <a:lstStyle/>
+          <a:p>
+            <a:pPr algn="ctr"/>
+            <a:endParaRPr lang="en-AE"/>
+          </a:p>
+        </p:txBody>
+      </p:sp>
+      <p:cxnSp>
+        <p:nvCxnSpPr>
+          <p:cNvPr id="7" name="Straight Arrow Connector 6">
+            <a:extLst>
+              <a:ext uri="{FF2B5EF4-FFF2-40B4-BE49-F238E27FC236}">
+                <a16:creationId xmlns:a16="http://schemas.microsoft.com/office/drawing/2014/main" id="{B55FA9DB-45DA-F4B5-C202-31F8E9FF86DB}"/>
+              </a:ext>
+            </a:extLst>
+          </p:cNvPr>
+          <p:cNvCxnSpPr/>
+          <p:nvPr/>
+        </p:nvCxnSpPr>
+        <p:spPr>
+          <a:xfrm>
+            <a:off x="4013156" y="2565094"/>
+            <a:ext cx="5089584" cy="0"/>
+          </a:xfrm>
+          <a:prstGeom prst="straightConnector1">
+            <a:avLst/>
+          </a:prstGeom>
+          <a:ln w="38100">
+            <a:solidFill>
+              <a:srgbClr val="FF0000"/>
+            </a:solidFill>
+            <a:headEnd type="oval"/>
+            <a:tailEnd type="oval"/>
+          </a:ln>
+        </p:spPr>
+        <p:style>
+          <a:lnRef idx="1">
+            <a:schemeClr val="accent1"/>
+          </a:lnRef>
+          <a:fillRef idx="0">
+            <a:schemeClr val="accent1"/>
+          </a:fillRef>
+          <a:effectRef idx="0">
+            <a:schemeClr val="accent1"/>
+          </a:effectRef>
+          <a:fontRef idx="minor">
+            <a:schemeClr val="tx1"/>
+          </a:fontRef>
+        </p:style>
+      </p:cxnSp>
+      <p:cxnSp>
+        <p:nvCxnSpPr>
+          <p:cNvPr id="8" name="Straight Arrow Connector 7">
+            <a:extLst>
+              <a:ext uri="{FF2B5EF4-FFF2-40B4-BE49-F238E27FC236}">
+                <a16:creationId xmlns:a16="http://schemas.microsoft.com/office/drawing/2014/main" id="{2184569E-189A-DBDA-23AD-E5001B6F2710}"/>
+              </a:ext>
+            </a:extLst>
+          </p:cNvPr>
+          <p:cNvCxnSpPr>
+            <a:cxnSpLocks/>
+          </p:cNvCxnSpPr>
+          <p:nvPr/>
+        </p:nvCxnSpPr>
+        <p:spPr>
+          <a:xfrm>
+            <a:off x="3900315" y="2982788"/>
+            <a:ext cx="4892703" cy="196874"/>
+          </a:xfrm>
+          <a:prstGeom prst="straightConnector1">
+            <a:avLst/>
+          </a:prstGeom>
+          <a:ln w="38100">
+            <a:solidFill>
+              <a:srgbClr val="FF0000"/>
+            </a:solidFill>
+            <a:headEnd type="oval"/>
+            <a:tailEnd type="oval"/>
+          </a:ln>
+        </p:spPr>
+        <p:style>
+          <a:lnRef idx="1">
+            <a:schemeClr val="accent1"/>
+          </a:lnRef>
+          <a:fillRef idx="0">
+            <a:schemeClr val="accent1"/>
+          </a:fillRef>
+          <a:effectRef idx="0">
+            <a:schemeClr val="accent1"/>
+          </a:effectRef>
+          <a:fontRef idx="minor">
+            <a:schemeClr val="tx1"/>
+          </a:fontRef>
+        </p:style>
+      </p:cxnSp>
+      <p:cxnSp>
+        <p:nvCxnSpPr>
+          <p:cNvPr id="11" name="Straight Arrow Connector 10">
+            <a:extLst>
+              <a:ext uri="{FF2B5EF4-FFF2-40B4-BE49-F238E27FC236}">
+                <a16:creationId xmlns:a16="http://schemas.microsoft.com/office/drawing/2014/main" id="{9D66CD66-1315-17DE-EF25-2A1A97C01B96}"/>
+              </a:ext>
+            </a:extLst>
+          </p:cNvPr>
+          <p:cNvCxnSpPr>
+            <a:cxnSpLocks/>
+          </p:cNvCxnSpPr>
+          <p:nvPr/>
+        </p:nvCxnSpPr>
+        <p:spPr>
+          <a:xfrm flipV="1">
+            <a:off x="3741403" y="3179662"/>
+            <a:ext cx="5051615" cy="522167"/>
+          </a:xfrm>
+          <a:prstGeom prst="straightConnector1">
+            <a:avLst/>
+          </a:prstGeom>
+          <a:ln w="38100">
+            <a:solidFill>
+              <a:srgbClr val="FF0000"/>
+            </a:solidFill>
+            <a:headEnd type="oval"/>
+            <a:tailEnd type="oval"/>
+          </a:ln>
+        </p:spPr>
+        <p:style>
+          <a:lnRef idx="1">
+            <a:schemeClr val="accent1"/>
+          </a:lnRef>
+          <a:fillRef idx="0">
+            <a:schemeClr val="accent1"/>
+          </a:fillRef>
+          <a:effectRef idx="0">
+            <a:schemeClr val="accent1"/>
+          </a:effectRef>
+          <a:fontRef idx="minor">
+            <a:schemeClr val="tx1"/>
+          </a:fontRef>
+        </p:style>
+      </p:cxnSp>
+      <p:cxnSp>
+        <p:nvCxnSpPr>
+          <p:cNvPr id="13" name="Straight Arrow Connector 12">
+            <a:extLst>
+              <a:ext uri="{FF2B5EF4-FFF2-40B4-BE49-F238E27FC236}">
+                <a16:creationId xmlns:a16="http://schemas.microsoft.com/office/drawing/2014/main" id="{067916B0-3C7F-0940-320D-80BB38DE067E}"/>
+              </a:ext>
+            </a:extLst>
+          </p:cNvPr>
+          <p:cNvCxnSpPr>
+            <a:cxnSpLocks/>
+          </p:cNvCxnSpPr>
+          <p:nvPr/>
+        </p:nvCxnSpPr>
+        <p:spPr>
+          <a:xfrm>
+            <a:off x="3661947" y="4223996"/>
+            <a:ext cx="5038707" cy="289275"/>
+          </a:xfrm>
+          <a:prstGeom prst="straightConnector1">
+            <a:avLst/>
+          </a:prstGeom>
+          <a:ln w="38100">
+            <a:solidFill>
+              <a:srgbClr val="FF0000"/>
+            </a:solidFill>
+            <a:headEnd type="oval"/>
+            <a:tailEnd type="oval"/>
+          </a:ln>
+        </p:spPr>
+        <p:style>
+          <a:lnRef idx="1">
+            <a:schemeClr val="accent1"/>
+          </a:lnRef>
+          <a:fillRef idx="0">
+            <a:schemeClr val="accent1"/>
+          </a:fillRef>
+          <a:effectRef idx="0">
+            <a:schemeClr val="accent1"/>
+          </a:effectRef>
+          <a:fontRef idx="minor">
+            <a:schemeClr val="tx1"/>
+          </a:fontRef>
+        </p:style>
+      </p:cxnSp>
+      <p:cxnSp>
+        <p:nvCxnSpPr>
+          <p:cNvPr id="15" name="Straight Arrow Connector 14">
+            <a:extLst>
+              <a:ext uri="{FF2B5EF4-FFF2-40B4-BE49-F238E27FC236}">
+                <a16:creationId xmlns:a16="http://schemas.microsoft.com/office/drawing/2014/main" id="{E6DCFA93-912C-B5C4-0288-3FF8ABBDC2C1}"/>
+              </a:ext>
+            </a:extLst>
+          </p:cNvPr>
+          <p:cNvCxnSpPr>
+            <a:cxnSpLocks/>
+          </p:cNvCxnSpPr>
+          <p:nvPr/>
+        </p:nvCxnSpPr>
+        <p:spPr>
+          <a:xfrm flipV="1">
+            <a:off x="4248457" y="3690083"/>
+            <a:ext cx="5255761" cy="244638"/>
+          </a:xfrm>
+          <a:prstGeom prst="straightConnector1">
+            <a:avLst/>
+          </a:prstGeom>
+          <a:ln w="38100">
+            <a:solidFill>
+              <a:srgbClr val="FF0000"/>
+            </a:solidFill>
+            <a:headEnd type="oval"/>
+            <a:tailEnd type="oval"/>
+          </a:ln>
+        </p:spPr>
+        <p:style>
+          <a:lnRef idx="1">
+            <a:schemeClr val="accent1"/>
+          </a:lnRef>
+          <a:fillRef idx="0">
+            <a:schemeClr val="accent1"/>
+          </a:fillRef>
+          <a:effectRef idx="0">
+            <a:schemeClr val="accent1"/>
+          </a:effectRef>
+          <a:fontRef idx="minor">
+            <a:schemeClr val="tx1"/>
+          </a:fontRef>
+        </p:style>
+      </p:cxnSp>
+      <p:sp>
+        <p:nvSpPr>
+          <p:cNvPr id="17" name="TextBox 16">
+            <a:extLst>
+              <a:ext uri="{FF2B5EF4-FFF2-40B4-BE49-F238E27FC236}">
+                <a16:creationId xmlns:a16="http://schemas.microsoft.com/office/drawing/2014/main" id="{8E2B7AAE-CC07-B0CC-8653-F914DBE1428A}"/>
+              </a:ext>
+            </a:extLst>
+          </p:cNvPr>
+          <p:cNvSpPr txBox="1"/>
+          <p:nvPr/>
+        </p:nvSpPr>
+        <p:spPr>
+          <a:xfrm>
+            <a:off x="2921260" y="5035438"/>
+            <a:ext cx="1958109" cy="369332"/>
+          </a:xfrm>
+          <a:prstGeom prst="rect">
+            <a:avLst/>
+          </a:prstGeom>
+          <a:noFill/>
+        </p:spPr>
+        <p:txBody>
+          <a:bodyPr wrap="square" rtlCol="0">
+            <a:spAutoFit/>
           </a:bodyPr>
           <a:lstStyle/>
           <a:p>
+            <a:pPr algn="ctr"/>
             <a:r>
               <a:rPr lang="en-US" dirty="0"/>
-              <a:t>GP, Kriging </a:t>
-            </a:r>
-            <a:br>
+              <a:t>Domain</a:t>
+            </a:r>
+            <a:endParaRPr lang="en-AE" dirty="0"/>
+          </a:p>
+        </p:txBody>
+      </p:sp>
+      <p:sp>
+        <p:nvSpPr>
+          <p:cNvPr id="18" name="TextBox 17">
+            <a:extLst>
+              <a:ext uri="{FF2B5EF4-FFF2-40B4-BE49-F238E27FC236}">
+                <a16:creationId xmlns:a16="http://schemas.microsoft.com/office/drawing/2014/main" id="{CEDBB91A-8FDB-4843-0B5B-A55742C145FD}"/>
+              </a:ext>
+            </a:extLst>
+          </p:cNvPr>
+          <p:cNvSpPr txBox="1"/>
+          <p:nvPr/>
+        </p:nvSpPr>
+        <p:spPr>
+          <a:xfrm>
+            <a:off x="7999300" y="5030242"/>
+            <a:ext cx="1958109" cy="369332"/>
+          </a:xfrm>
+          <a:prstGeom prst="rect">
+            <a:avLst/>
+          </a:prstGeom>
+          <a:noFill/>
+        </p:spPr>
+        <p:txBody>
+          <a:bodyPr wrap="square" rtlCol="0">
+            <a:spAutoFit/>
+          </a:bodyPr>
+          <a:lstStyle/>
+          <a:p>
+            <a:pPr algn="ctr"/>
+            <a:r>
               <a:rPr lang="en-US" dirty="0"/>
-            </a:br>
-            <a:r>
-              <a:rPr lang="en-US" sz="3100" dirty="0"/>
-              <a:t>Applications</a:t>
+              <a:t>Range</a:t>
             </a:r>
             <a:endParaRPr lang="en-AE" dirty="0"/>
-          </a:p>
-        </p:txBody>
-      </p:sp>
-      <p:sp>
-        <p:nvSpPr>
-          <p:cNvPr id="3" name="Content Placeholder 2">
-            <a:extLst>
-              <a:ext uri="{FF2B5EF4-FFF2-40B4-BE49-F238E27FC236}">
-                <a16:creationId xmlns:a16="http://schemas.microsoft.com/office/drawing/2014/main" id="{3E82BB91-2FE0-06BD-D740-E90ADA81395B}"/>
-              </a:ext>
-            </a:extLst>
-          </p:cNvPr>
-          <p:cNvSpPr>
-            <a:spLocks noGrp="1"/>
-          </p:cNvSpPr>
-          <p:nvPr>
-            <p:ph idx="1"/>
-          </p:nvPr>
-        </p:nvSpPr>
-        <p:spPr/>
-        <p:txBody>
-          <a:bodyPr/>
-          <a:lstStyle/>
-          <a:p>
-            <a:r>
-              <a:rPr lang="en-US" dirty="0"/>
-              <a:t>Interpolation</a:t>
-            </a:r>
-          </a:p>
-          <a:p>
-            <a:r>
-              <a:rPr lang="en-AE" dirty="0"/>
-              <a:t>Less data</a:t>
-            </a:r>
-          </a:p>
-          <a:p>
-            <a:r>
-              <a:rPr lang="en-AE" dirty="0"/>
-              <a:t>Uncertainty in prediction</a:t>
-            </a:r>
           </a:p>
         </p:txBody>
       </p:sp>
     </p:spTree>
     <p:extLst>
       <p:ext uri="{BB962C8B-B14F-4D97-AF65-F5344CB8AC3E}">
-        <p14:creationId xmlns:p14="http://schemas.microsoft.com/office/powerpoint/2010/main" val="3408774409"/>
+        <p14:creationId xmlns:p14="http://schemas.microsoft.com/office/powerpoint/2010/main" val="269491841"/>
       </p:ext>
     </p:extLst>
   </p:cSld>
@@ -5455,7 +8671,7 @@
           <p:cNvPr id="2" name="Title 1">
             <a:extLst>
               <a:ext uri="{FF2B5EF4-FFF2-40B4-BE49-F238E27FC236}">
-                <a16:creationId xmlns:a16="http://schemas.microsoft.com/office/drawing/2014/main" id="{C390732C-F585-50A9-4E08-C507AEAE6A0A}"/>
+                <a16:creationId xmlns:a16="http://schemas.microsoft.com/office/drawing/2014/main" id="{3CBD0DD6-4138-3C11-F84F-A46BB9BCF4C0}"/>
               </a:ext>
             </a:extLst>
           </p:cNvPr>
@@ -5468,21 +8684,1772 @@
         </p:nvSpPr>
         <p:spPr/>
         <p:txBody>
-          <a:bodyPr>
-            <a:normAutofit fontScale="90000"/>
+          <a:bodyPr/>
+          <a:lstStyle/>
+          <a:p>
+            <a:r>
+              <a:rPr lang="en-US" dirty="0"/>
+              <a:t>Functions</a:t>
+            </a:r>
+            <a:endParaRPr lang="en-AE" dirty="0"/>
+          </a:p>
+        </p:txBody>
+      </p:sp>
+      <p:sp>
+        <p:nvSpPr>
+          <p:cNvPr id="4" name="Rectangle 3">
+            <a:extLst>
+              <a:ext uri="{FF2B5EF4-FFF2-40B4-BE49-F238E27FC236}">
+                <a16:creationId xmlns:a16="http://schemas.microsoft.com/office/drawing/2014/main" id="{0994A2CB-F89D-C158-188D-6E1FB0366EE4}"/>
+              </a:ext>
+            </a:extLst>
+          </p:cNvPr>
+          <p:cNvSpPr/>
+          <p:nvPr/>
+        </p:nvSpPr>
+        <p:spPr>
+          <a:xfrm>
+            <a:off x="1616364" y="2475346"/>
+            <a:ext cx="1089891" cy="424872"/>
+          </a:xfrm>
+          <a:prstGeom prst="rect">
+            <a:avLst/>
+          </a:prstGeom>
+        </p:spPr>
+        <p:style>
+          <a:lnRef idx="2">
+            <a:schemeClr val="accent1">
+              <a:shade val="50000"/>
+            </a:schemeClr>
+          </a:lnRef>
+          <a:fillRef idx="1">
+            <a:schemeClr val="accent1"/>
+          </a:fillRef>
+          <a:effectRef idx="0">
+            <a:schemeClr val="accent1"/>
+          </a:effectRef>
+          <a:fontRef idx="minor">
+            <a:schemeClr val="lt1"/>
+          </a:fontRef>
+        </p:style>
+        <p:txBody>
+          <a:bodyPr rtlCol="0" anchor="ctr"/>
+          <a:lstStyle/>
+          <a:p>
+            <a:pPr algn="ctr"/>
+            <a:r>
+              <a:rPr lang="en-US" dirty="0"/>
+              <a:t>R</a:t>
+            </a:r>
+            <a:endParaRPr lang="en-AE" dirty="0"/>
+          </a:p>
+        </p:txBody>
+      </p:sp>
+      <p:sp>
+        <p:nvSpPr>
+          <p:cNvPr id="5" name="Rectangle 4">
+            <a:extLst>
+              <a:ext uri="{FF2B5EF4-FFF2-40B4-BE49-F238E27FC236}">
+                <a16:creationId xmlns:a16="http://schemas.microsoft.com/office/drawing/2014/main" id="{2687638C-0274-942A-82D2-0D8AAE4B3F41}"/>
+              </a:ext>
+            </a:extLst>
+          </p:cNvPr>
+          <p:cNvSpPr/>
+          <p:nvPr/>
+        </p:nvSpPr>
+        <p:spPr>
+          <a:xfrm>
+            <a:off x="2858655" y="2475346"/>
+            <a:ext cx="1089891" cy="424872"/>
+          </a:xfrm>
+          <a:prstGeom prst="rect">
+            <a:avLst/>
+          </a:prstGeom>
+        </p:spPr>
+        <p:style>
+          <a:lnRef idx="2">
+            <a:schemeClr val="accent1">
+              <a:shade val="50000"/>
+            </a:schemeClr>
+          </a:lnRef>
+          <a:fillRef idx="1">
+            <a:schemeClr val="accent1"/>
+          </a:fillRef>
+          <a:effectRef idx="0">
+            <a:schemeClr val="accent1"/>
+          </a:effectRef>
+          <a:fontRef idx="minor">
+            <a:schemeClr val="lt1"/>
+          </a:fontRef>
+        </p:style>
+        <p:txBody>
+          <a:bodyPr rtlCol="0" anchor="ctr"/>
+          <a:lstStyle/>
+          <a:p>
+            <a:pPr algn="ctr"/>
+            <a:r>
+              <a:rPr lang="en-US" dirty="0"/>
+              <a:t>R</a:t>
+            </a:r>
+            <a:endParaRPr lang="en-AE" dirty="0"/>
+          </a:p>
+        </p:txBody>
+      </p:sp>
+      <p:sp>
+        <p:nvSpPr>
+          <p:cNvPr id="6" name="Rectangle 5">
+            <a:extLst>
+              <a:ext uri="{FF2B5EF4-FFF2-40B4-BE49-F238E27FC236}">
+                <a16:creationId xmlns:a16="http://schemas.microsoft.com/office/drawing/2014/main" id="{66499633-49E8-2F0D-0252-3EBCF667658F}"/>
+              </a:ext>
+            </a:extLst>
+          </p:cNvPr>
+          <p:cNvSpPr/>
+          <p:nvPr/>
+        </p:nvSpPr>
+        <p:spPr>
+          <a:xfrm>
+            <a:off x="4100946" y="2475346"/>
+            <a:ext cx="1089891" cy="424872"/>
+          </a:xfrm>
+          <a:prstGeom prst="rect">
+            <a:avLst/>
+          </a:prstGeom>
+        </p:spPr>
+        <p:style>
+          <a:lnRef idx="2">
+            <a:schemeClr val="accent1">
+              <a:shade val="50000"/>
+            </a:schemeClr>
+          </a:lnRef>
+          <a:fillRef idx="1">
+            <a:schemeClr val="accent1"/>
+          </a:fillRef>
+          <a:effectRef idx="0">
+            <a:schemeClr val="accent1"/>
+          </a:effectRef>
+          <a:fontRef idx="minor">
+            <a:schemeClr val="lt1"/>
+          </a:fontRef>
+        </p:style>
+        <p:txBody>
+          <a:bodyPr rtlCol="0" anchor="ctr"/>
+          <a:lstStyle/>
+          <a:p>
+            <a:pPr algn="ctr"/>
+            <a:r>
+              <a:rPr lang="en-US" dirty="0"/>
+              <a:t>R</a:t>
+            </a:r>
+            <a:endParaRPr lang="en-AE" dirty="0"/>
+          </a:p>
+        </p:txBody>
+      </p:sp>
+      <p:sp>
+        <p:nvSpPr>
+          <p:cNvPr id="7" name="Rectangle 6">
+            <a:extLst>
+              <a:ext uri="{FF2B5EF4-FFF2-40B4-BE49-F238E27FC236}">
+                <a16:creationId xmlns:a16="http://schemas.microsoft.com/office/drawing/2014/main" id="{4822E84D-A904-9B30-7A29-2FA8B4621628}"/>
+              </a:ext>
+            </a:extLst>
+          </p:cNvPr>
+          <p:cNvSpPr/>
+          <p:nvPr/>
+        </p:nvSpPr>
+        <p:spPr>
+          <a:xfrm>
+            <a:off x="5343237" y="2475346"/>
+            <a:ext cx="1089891" cy="424872"/>
+          </a:xfrm>
+          <a:prstGeom prst="rect">
+            <a:avLst/>
+          </a:prstGeom>
+        </p:spPr>
+        <p:style>
+          <a:lnRef idx="2">
+            <a:schemeClr val="accent1">
+              <a:shade val="50000"/>
+            </a:schemeClr>
+          </a:lnRef>
+          <a:fillRef idx="1">
+            <a:schemeClr val="accent1"/>
+          </a:fillRef>
+          <a:effectRef idx="0">
+            <a:schemeClr val="accent1"/>
+          </a:effectRef>
+          <a:fontRef idx="minor">
+            <a:schemeClr val="lt1"/>
+          </a:fontRef>
+        </p:style>
+        <p:txBody>
+          <a:bodyPr rtlCol="0" anchor="ctr"/>
+          <a:lstStyle/>
+          <a:p>
+            <a:pPr algn="ctr"/>
+            <a:r>
+              <a:rPr lang="en-US" dirty="0"/>
+              <a:t>R</a:t>
+            </a:r>
+            <a:endParaRPr lang="en-AE" dirty="0"/>
+          </a:p>
+        </p:txBody>
+      </p:sp>
+      <p:sp>
+        <p:nvSpPr>
+          <p:cNvPr id="8" name="Rectangle 7">
+            <a:extLst>
+              <a:ext uri="{FF2B5EF4-FFF2-40B4-BE49-F238E27FC236}">
+                <a16:creationId xmlns:a16="http://schemas.microsoft.com/office/drawing/2014/main" id="{4F87FB9B-3A0D-944A-F9DC-C27DAA94FA38}"/>
+              </a:ext>
+            </a:extLst>
+          </p:cNvPr>
+          <p:cNvSpPr/>
+          <p:nvPr/>
+        </p:nvSpPr>
+        <p:spPr>
+          <a:xfrm>
+            <a:off x="6567055" y="2475346"/>
+            <a:ext cx="1089891" cy="424872"/>
+          </a:xfrm>
+          <a:prstGeom prst="rect">
+            <a:avLst/>
+          </a:prstGeom>
+        </p:spPr>
+        <p:style>
+          <a:lnRef idx="2">
+            <a:schemeClr val="accent1">
+              <a:shade val="50000"/>
+            </a:schemeClr>
+          </a:lnRef>
+          <a:fillRef idx="1">
+            <a:schemeClr val="accent1"/>
+          </a:fillRef>
+          <a:effectRef idx="0">
+            <a:schemeClr val="accent1"/>
+          </a:effectRef>
+          <a:fontRef idx="minor">
+            <a:schemeClr val="lt1"/>
+          </a:fontRef>
+        </p:style>
+        <p:txBody>
+          <a:bodyPr rtlCol="0" anchor="ctr"/>
+          <a:lstStyle/>
+          <a:p>
+            <a:pPr algn="ctr"/>
+            <a:r>
+              <a:rPr lang="en-US" dirty="0"/>
+              <a:t>R</a:t>
+            </a:r>
+            <a:endParaRPr lang="en-AE" dirty="0"/>
+          </a:p>
+        </p:txBody>
+      </p:sp>
+      <p:sp>
+        <p:nvSpPr>
+          <p:cNvPr id="9" name="Rectangle 8">
+            <a:extLst>
+              <a:ext uri="{FF2B5EF4-FFF2-40B4-BE49-F238E27FC236}">
+                <a16:creationId xmlns:a16="http://schemas.microsoft.com/office/drawing/2014/main" id="{793BD29A-4051-4086-F303-0329890D0B71}"/>
+              </a:ext>
+            </a:extLst>
+          </p:cNvPr>
+          <p:cNvSpPr/>
+          <p:nvPr/>
+        </p:nvSpPr>
+        <p:spPr>
+          <a:xfrm>
+            <a:off x="7809346" y="2475346"/>
+            <a:ext cx="1089891" cy="424872"/>
+          </a:xfrm>
+          <a:prstGeom prst="rect">
+            <a:avLst/>
+          </a:prstGeom>
+        </p:spPr>
+        <p:style>
+          <a:lnRef idx="2">
+            <a:schemeClr val="accent1">
+              <a:shade val="50000"/>
+            </a:schemeClr>
+          </a:lnRef>
+          <a:fillRef idx="1">
+            <a:schemeClr val="accent1"/>
+          </a:fillRef>
+          <a:effectRef idx="0">
+            <a:schemeClr val="accent1"/>
+          </a:effectRef>
+          <a:fontRef idx="minor">
+            <a:schemeClr val="lt1"/>
+          </a:fontRef>
+        </p:style>
+        <p:txBody>
+          <a:bodyPr rtlCol="0" anchor="ctr"/>
+          <a:lstStyle/>
+          <a:p>
+            <a:pPr algn="ctr"/>
+            <a:r>
+              <a:rPr lang="en-US" dirty="0"/>
+              <a:t>R</a:t>
+            </a:r>
+            <a:endParaRPr lang="en-AE" dirty="0"/>
+          </a:p>
+        </p:txBody>
+      </p:sp>
+      <p:sp>
+        <p:nvSpPr>
+          <p:cNvPr id="10" name="Rectangle 9">
+            <a:extLst>
+              <a:ext uri="{FF2B5EF4-FFF2-40B4-BE49-F238E27FC236}">
+                <a16:creationId xmlns:a16="http://schemas.microsoft.com/office/drawing/2014/main" id="{CB5F7887-9BBC-6EA9-89E0-7407661F2EB6}"/>
+              </a:ext>
+            </a:extLst>
+          </p:cNvPr>
+          <p:cNvSpPr/>
+          <p:nvPr/>
+        </p:nvSpPr>
+        <p:spPr>
+          <a:xfrm>
+            <a:off x="9051637" y="2475346"/>
+            <a:ext cx="1089891" cy="424872"/>
+          </a:xfrm>
+          <a:prstGeom prst="rect">
+            <a:avLst/>
+          </a:prstGeom>
+        </p:spPr>
+        <p:style>
+          <a:lnRef idx="2">
+            <a:schemeClr val="accent1">
+              <a:shade val="50000"/>
+            </a:schemeClr>
+          </a:lnRef>
+          <a:fillRef idx="1">
+            <a:schemeClr val="accent1"/>
+          </a:fillRef>
+          <a:effectRef idx="0">
+            <a:schemeClr val="accent1"/>
+          </a:effectRef>
+          <a:fontRef idx="minor">
+            <a:schemeClr val="lt1"/>
+          </a:fontRef>
+        </p:style>
+        <p:txBody>
+          <a:bodyPr rtlCol="0" anchor="ctr"/>
+          <a:lstStyle/>
+          <a:p>
+            <a:pPr algn="ctr"/>
+            <a:r>
+              <a:rPr lang="en-US" dirty="0"/>
+              <a:t>R</a:t>
+            </a:r>
+            <a:endParaRPr lang="en-AE" dirty="0"/>
+          </a:p>
+        </p:txBody>
+      </p:sp>
+      <p:sp>
+        <p:nvSpPr>
+          <p:cNvPr id="11" name="Rectangle 10">
+            <a:extLst>
+              <a:ext uri="{FF2B5EF4-FFF2-40B4-BE49-F238E27FC236}">
+                <a16:creationId xmlns:a16="http://schemas.microsoft.com/office/drawing/2014/main" id="{9A1FC8C1-0F7A-4BC1-B9F6-8B78902B7C2C}"/>
+              </a:ext>
+            </a:extLst>
+          </p:cNvPr>
+          <p:cNvSpPr/>
+          <p:nvPr/>
+        </p:nvSpPr>
+        <p:spPr>
+          <a:xfrm>
+            <a:off x="10293928" y="2475346"/>
+            <a:ext cx="1089891" cy="424872"/>
+          </a:xfrm>
+          <a:prstGeom prst="rect">
+            <a:avLst/>
+          </a:prstGeom>
+        </p:spPr>
+        <p:style>
+          <a:lnRef idx="2">
+            <a:schemeClr val="accent1">
+              <a:shade val="50000"/>
+            </a:schemeClr>
+          </a:lnRef>
+          <a:fillRef idx="1">
+            <a:schemeClr val="accent1"/>
+          </a:fillRef>
+          <a:effectRef idx="0">
+            <a:schemeClr val="accent1"/>
+          </a:effectRef>
+          <a:fontRef idx="minor">
+            <a:schemeClr val="lt1"/>
+          </a:fontRef>
+        </p:style>
+        <p:txBody>
+          <a:bodyPr rtlCol="0" anchor="ctr"/>
+          <a:lstStyle/>
+          <a:p>
+            <a:pPr algn="ctr"/>
+            <a:r>
+              <a:rPr lang="en-US" dirty="0"/>
+              <a:t>R</a:t>
+            </a:r>
+            <a:endParaRPr lang="en-AE" dirty="0"/>
+          </a:p>
+        </p:txBody>
+      </p:sp>
+      <p:sp>
+        <p:nvSpPr>
+          <p:cNvPr id="12" name="Rectangle 11">
+            <a:extLst>
+              <a:ext uri="{FF2B5EF4-FFF2-40B4-BE49-F238E27FC236}">
+                <a16:creationId xmlns:a16="http://schemas.microsoft.com/office/drawing/2014/main" id="{29308682-405C-E512-0110-BA6588B0C83E}"/>
+              </a:ext>
+            </a:extLst>
+          </p:cNvPr>
+          <p:cNvSpPr/>
+          <p:nvPr/>
+        </p:nvSpPr>
+        <p:spPr>
+          <a:xfrm>
+            <a:off x="1616364" y="3570866"/>
+            <a:ext cx="1089891" cy="424872"/>
+          </a:xfrm>
+          <a:prstGeom prst="rect">
+            <a:avLst/>
+          </a:prstGeom>
+          <a:solidFill>
+            <a:schemeClr val="accent3">
+              <a:lumMod val="60000"/>
+              <a:lumOff val="40000"/>
+            </a:schemeClr>
+          </a:solidFill>
+        </p:spPr>
+        <p:style>
+          <a:lnRef idx="2">
+            <a:schemeClr val="accent1">
+              <a:shade val="50000"/>
+            </a:schemeClr>
+          </a:lnRef>
+          <a:fillRef idx="1">
+            <a:schemeClr val="accent1"/>
+          </a:fillRef>
+          <a:effectRef idx="0">
+            <a:schemeClr val="accent1"/>
+          </a:effectRef>
+          <a:fontRef idx="minor">
+            <a:schemeClr val="lt1"/>
+          </a:fontRef>
+        </p:style>
+        <p:txBody>
+          <a:bodyPr rtlCol="0" anchor="ctr"/>
+          <a:lstStyle/>
+          <a:p>
+            <a:pPr algn="ctr"/>
+            <a:r>
+              <a:rPr lang="en-US" dirty="0"/>
+              <a:t>D</a:t>
+            </a:r>
+            <a:r>
+              <a:rPr lang="en-US" baseline="-25000" dirty="0"/>
+              <a:t>i</a:t>
+            </a:r>
+            <a:endParaRPr lang="en-AE" baseline="-25000" dirty="0"/>
+          </a:p>
+        </p:txBody>
+      </p:sp>
+      <p:sp>
+        <p:nvSpPr>
+          <p:cNvPr id="13" name="Rectangle 12">
+            <a:extLst>
+              <a:ext uri="{FF2B5EF4-FFF2-40B4-BE49-F238E27FC236}">
+                <a16:creationId xmlns:a16="http://schemas.microsoft.com/office/drawing/2014/main" id="{CAB71B4E-746F-0415-2979-EDD546DD732B}"/>
+              </a:ext>
+            </a:extLst>
+          </p:cNvPr>
+          <p:cNvSpPr/>
+          <p:nvPr/>
+        </p:nvSpPr>
+        <p:spPr>
+          <a:xfrm>
+            <a:off x="2858655" y="3570866"/>
+            <a:ext cx="1089891" cy="424872"/>
+          </a:xfrm>
+          <a:prstGeom prst="rect">
+            <a:avLst/>
+          </a:prstGeom>
+          <a:solidFill>
+            <a:schemeClr val="accent3">
+              <a:lumMod val="60000"/>
+              <a:lumOff val="40000"/>
+            </a:schemeClr>
+          </a:solidFill>
+        </p:spPr>
+        <p:style>
+          <a:lnRef idx="2">
+            <a:schemeClr val="accent1">
+              <a:shade val="50000"/>
+            </a:schemeClr>
+          </a:lnRef>
+          <a:fillRef idx="1">
+            <a:schemeClr val="accent1"/>
+          </a:fillRef>
+          <a:effectRef idx="0">
+            <a:schemeClr val="accent1"/>
+          </a:effectRef>
+          <a:fontRef idx="minor">
+            <a:schemeClr val="lt1"/>
+          </a:fontRef>
+        </p:style>
+        <p:txBody>
+          <a:bodyPr rtlCol="0" anchor="ctr"/>
+          <a:lstStyle/>
+          <a:p>
+            <a:pPr algn="ctr"/>
+            <a:r>
+              <a:rPr lang="en-US" dirty="0" err="1"/>
+              <a:t>D</a:t>
+            </a:r>
+            <a:r>
+              <a:rPr lang="en-US" baseline="-25000" dirty="0" err="1"/>
+              <a:t>j</a:t>
+            </a:r>
+            <a:endParaRPr lang="en-AE" baseline="-25000" dirty="0"/>
+          </a:p>
+        </p:txBody>
+      </p:sp>
+      <p:sp>
+        <p:nvSpPr>
+          <p:cNvPr id="14" name="Rectangle 13">
+            <a:extLst>
+              <a:ext uri="{FF2B5EF4-FFF2-40B4-BE49-F238E27FC236}">
+                <a16:creationId xmlns:a16="http://schemas.microsoft.com/office/drawing/2014/main" id="{7A9A6C9B-CF61-E2BA-CDAD-2CCC0B45747C}"/>
+              </a:ext>
+            </a:extLst>
+          </p:cNvPr>
+          <p:cNvSpPr/>
+          <p:nvPr/>
+        </p:nvSpPr>
+        <p:spPr>
+          <a:xfrm>
+            <a:off x="4100946" y="3570866"/>
+            <a:ext cx="1089891" cy="424872"/>
+          </a:xfrm>
+          <a:prstGeom prst="rect">
+            <a:avLst/>
+          </a:prstGeom>
+          <a:solidFill>
+            <a:schemeClr val="accent3">
+              <a:lumMod val="60000"/>
+              <a:lumOff val="40000"/>
+            </a:schemeClr>
+          </a:solidFill>
+        </p:spPr>
+        <p:style>
+          <a:lnRef idx="2">
+            <a:schemeClr val="accent1">
+              <a:shade val="50000"/>
+            </a:schemeClr>
+          </a:lnRef>
+          <a:fillRef idx="1">
+            <a:schemeClr val="accent1"/>
+          </a:fillRef>
+          <a:effectRef idx="0">
+            <a:schemeClr val="accent1"/>
+          </a:effectRef>
+          <a:fontRef idx="minor">
+            <a:schemeClr val="lt1"/>
+          </a:fontRef>
+        </p:style>
+        <p:txBody>
+          <a:bodyPr rtlCol="0" anchor="ctr"/>
+          <a:lstStyle/>
+          <a:p>
+            <a:pPr algn="ctr"/>
+            <a:r>
+              <a:rPr lang="en-US" dirty="0"/>
+              <a:t>D</a:t>
+            </a:r>
+            <a:r>
+              <a:rPr lang="en-US" baseline="-25000" dirty="0"/>
+              <a:t>k</a:t>
+            </a:r>
+            <a:endParaRPr lang="en-AE" baseline="-25000" dirty="0"/>
+          </a:p>
+        </p:txBody>
+      </p:sp>
+      <p:sp>
+        <p:nvSpPr>
+          <p:cNvPr id="15" name="Rectangle 14">
+            <a:extLst>
+              <a:ext uri="{FF2B5EF4-FFF2-40B4-BE49-F238E27FC236}">
+                <a16:creationId xmlns:a16="http://schemas.microsoft.com/office/drawing/2014/main" id="{60D4F236-F3F1-DD91-B9A5-B000CAA8CF00}"/>
+              </a:ext>
+            </a:extLst>
+          </p:cNvPr>
+          <p:cNvSpPr/>
+          <p:nvPr/>
+        </p:nvSpPr>
+        <p:spPr>
+          <a:xfrm>
+            <a:off x="5343237" y="3570866"/>
+            <a:ext cx="1089891" cy="424872"/>
+          </a:xfrm>
+          <a:prstGeom prst="rect">
+            <a:avLst/>
+          </a:prstGeom>
+          <a:solidFill>
+            <a:schemeClr val="accent3">
+              <a:lumMod val="60000"/>
+              <a:lumOff val="40000"/>
+            </a:schemeClr>
+          </a:solidFill>
+        </p:spPr>
+        <p:style>
+          <a:lnRef idx="2">
+            <a:schemeClr val="accent1">
+              <a:shade val="50000"/>
+            </a:schemeClr>
+          </a:lnRef>
+          <a:fillRef idx="1">
+            <a:schemeClr val="accent1"/>
+          </a:fillRef>
+          <a:effectRef idx="0">
+            <a:schemeClr val="accent1"/>
+          </a:effectRef>
+          <a:fontRef idx="minor">
+            <a:schemeClr val="lt1"/>
+          </a:fontRef>
+        </p:style>
+        <p:txBody>
+          <a:bodyPr rtlCol="0" anchor="ctr"/>
+          <a:lstStyle/>
+          <a:p>
+            <a:pPr algn="ctr"/>
+            <a:r>
+              <a:rPr lang="en-US" dirty="0"/>
+              <a:t>D</a:t>
+            </a:r>
+            <a:r>
+              <a:rPr lang="en-US" baseline="-25000" dirty="0"/>
+              <a:t>l</a:t>
+            </a:r>
+            <a:endParaRPr lang="en-AE" baseline="-25000" dirty="0"/>
+          </a:p>
+        </p:txBody>
+      </p:sp>
+      <p:sp>
+        <p:nvSpPr>
+          <p:cNvPr id="16" name="Rectangle 15">
+            <a:extLst>
+              <a:ext uri="{FF2B5EF4-FFF2-40B4-BE49-F238E27FC236}">
+                <a16:creationId xmlns:a16="http://schemas.microsoft.com/office/drawing/2014/main" id="{C15890BE-3F33-90A5-1899-060039B1FD46}"/>
+              </a:ext>
+            </a:extLst>
+          </p:cNvPr>
+          <p:cNvSpPr/>
+          <p:nvPr/>
+        </p:nvSpPr>
+        <p:spPr>
+          <a:xfrm>
+            <a:off x="6567055" y="3570866"/>
+            <a:ext cx="1089891" cy="424872"/>
+          </a:xfrm>
+          <a:prstGeom prst="rect">
+            <a:avLst/>
+          </a:prstGeom>
+          <a:solidFill>
+            <a:schemeClr val="accent3">
+              <a:lumMod val="60000"/>
+              <a:lumOff val="40000"/>
+            </a:schemeClr>
+          </a:solidFill>
+        </p:spPr>
+        <p:style>
+          <a:lnRef idx="2">
+            <a:schemeClr val="accent1">
+              <a:shade val="50000"/>
+            </a:schemeClr>
+          </a:lnRef>
+          <a:fillRef idx="1">
+            <a:schemeClr val="accent1"/>
+          </a:fillRef>
+          <a:effectRef idx="0">
+            <a:schemeClr val="accent1"/>
+          </a:effectRef>
+          <a:fontRef idx="minor">
+            <a:schemeClr val="lt1"/>
+          </a:fontRef>
+        </p:style>
+        <p:txBody>
+          <a:bodyPr rtlCol="0" anchor="ctr"/>
+          <a:lstStyle/>
+          <a:p>
+            <a:pPr algn="ctr"/>
+            <a:r>
+              <a:rPr lang="en-US" dirty="0"/>
+              <a:t>D</a:t>
+            </a:r>
+            <a:r>
+              <a:rPr lang="en-US" baseline="-25000" dirty="0"/>
+              <a:t>m</a:t>
+            </a:r>
+            <a:endParaRPr lang="en-AE" baseline="-25000" dirty="0"/>
+          </a:p>
+        </p:txBody>
+      </p:sp>
+      <p:sp>
+        <p:nvSpPr>
+          <p:cNvPr id="17" name="Rectangle 16">
+            <a:extLst>
+              <a:ext uri="{FF2B5EF4-FFF2-40B4-BE49-F238E27FC236}">
+                <a16:creationId xmlns:a16="http://schemas.microsoft.com/office/drawing/2014/main" id="{241635F8-C86A-D5EC-AF03-6223FD8485C5}"/>
+              </a:ext>
+            </a:extLst>
+          </p:cNvPr>
+          <p:cNvSpPr/>
+          <p:nvPr/>
+        </p:nvSpPr>
+        <p:spPr>
+          <a:xfrm>
+            <a:off x="7809346" y="3570866"/>
+            <a:ext cx="1089891" cy="424872"/>
+          </a:xfrm>
+          <a:prstGeom prst="rect">
+            <a:avLst/>
+          </a:prstGeom>
+          <a:solidFill>
+            <a:schemeClr val="accent3">
+              <a:lumMod val="60000"/>
+              <a:lumOff val="40000"/>
+            </a:schemeClr>
+          </a:solidFill>
+        </p:spPr>
+        <p:style>
+          <a:lnRef idx="2">
+            <a:schemeClr val="accent1">
+              <a:shade val="50000"/>
+            </a:schemeClr>
+          </a:lnRef>
+          <a:fillRef idx="1">
+            <a:schemeClr val="accent1"/>
+          </a:fillRef>
+          <a:effectRef idx="0">
+            <a:schemeClr val="accent1"/>
+          </a:effectRef>
+          <a:fontRef idx="minor">
+            <a:schemeClr val="lt1"/>
+          </a:fontRef>
+        </p:style>
+        <p:txBody>
+          <a:bodyPr rtlCol="0" anchor="ctr"/>
+          <a:lstStyle/>
+          <a:p>
+            <a:pPr algn="ctr"/>
+            <a:r>
+              <a:rPr lang="en-US" dirty="0" err="1"/>
+              <a:t>D</a:t>
+            </a:r>
+            <a:r>
+              <a:rPr lang="en-US" baseline="-25000" dirty="0" err="1"/>
+              <a:t>n</a:t>
+            </a:r>
+            <a:endParaRPr lang="en-AE" baseline="-25000" dirty="0"/>
+          </a:p>
+        </p:txBody>
+      </p:sp>
+      <p:sp>
+        <p:nvSpPr>
+          <p:cNvPr id="18" name="Rectangle 17">
+            <a:extLst>
+              <a:ext uri="{FF2B5EF4-FFF2-40B4-BE49-F238E27FC236}">
+                <a16:creationId xmlns:a16="http://schemas.microsoft.com/office/drawing/2014/main" id="{96B5AD47-3A7A-0195-D1F2-9A8BCCAD80AF}"/>
+              </a:ext>
+            </a:extLst>
+          </p:cNvPr>
+          <p:cNvSpPr/>
+          <p:nvPr/>
+        </p:nvSpPr>
+        <p:spPr>
+          <a:xfrm>
+            <a:off x="9051637" y="3570866"/>
+            <a:ext cx="1089891" cy="424872"/>
+          </a:xfrm>
+          <a:prstGeom prst="rect">
+            <a:avLst/>
+          </a:prstGeom>
+          <a:solidFill>
+            <a:schemeClr val="accent3">
+              <a:lumMod val="60000"/>
+              <a:lumOff val="40000"/>
+            </a:schemeClr>
+          </a:solidFill>
+        </p:spPr>
+        <p:style>
+          <a:lnRef idx="2">
+            <a:schemeClr val="accent1">
+              <a:shade val="50000"/>
+            </a:schemeClr>
+          </a:lnRef>
+          <a:fillRef idx="1">
+            <a:schemeClr val="accent1"/>
+          </a:fillRef>
+          <a:effectRef idx="0">
+            <a:schemeClr val="accent1"/>
+          </a:effectRef>
+          <a:fontRef idx="minor">
+            <a:schemeClr val="lt1"/>
+          </a:fontRef>
+        </p:style>
+        <p:txBody>
+          <a:bodyPr rtlCol="0" anchor="ctr"/>
+          <a:lstStyle/>
+          <a:p>
+            <a:pPr algn="ctr"/>
+            <a:r>
+              <a:rPr lang="en-US" dirty="0"/>
+              <a:t>D</a:t>
+            </a:r>
+            <a:r>
+              <a:rPr lang="en-US" baseline="-25000" dirty="0"/>
+              <a:t>o</a:t>
+            </a:r>
+            <a:endParaRPr lang="en-AE" baseline="-25000" dirty="0"/>
+          </a:p>
+        </p:txBody>
+      </p:sp>
+      <p:sp>
+        <p:nvSpPr>
+          <p:cNvPr id="19" name="Rectangle 18">
+            <a:extLst>
+              <a:ext uri="{FF2B5EF4-FFF2-40B4-BE49-F238E27FC236}">
+                <a16:creationId xmlns:a16="http://schemas.microsoft.com/office/drawing/2014/main" id="{F891E263-4D66-9567-046E-421A79D32B4B}"/>
+              </a:ext>
+            </a:extLst>
+          </p:cNvPr>
+          <p:cNvSpPr/>
+          <p:nvPr/>
+        </p:nvSpPr>
+        <p:spPr>
+          <a:xfrm>
+            <a:off x="10293928" y="3570866"/>
+            <a:ext cx="1089891" cy="424872"/>
+          </a:xfrm>
+          <a:prstGeom prst="rect">
+            <a:avLst/>
+          </a:prstGeom>
+          <a:solidFill>
+            <a:schemeClr val="accent3">
+              <a:lumMod val="60000"/>
+              <a:lumOff val="40000"/>
+            </a:schemeClr>
+          </a:solidFill>
+        </p:spPr>
+        <p:style>
+          <a:lnRef idx="2">
+            <a:schemeClr val="accent1">
+              <a:shade val="50000"/>
+            </a:schemeClr>
+          </a:lnRef>
+          <a:fillRef idx="1">
+            <a:schemeClr val="accent1"/>
+          </a:fillRef>
+          <a:effectRef idx="0">
+            <a:schemeClr val="accent1"/>
+          </a:effectRef>
+          <a:fontRef idx="minor">
+            <a:schemeClr val="lt1"/>
+          </a:fontRef>
+        </p:style>
+        <p:txBody>
+          <a:bodyPr rtlCol="0" anchor="ctr"/>
+          <a:lstStyle/>
+          <a:p>
+            <a:pPr algn="ctr"/>
+            <a:r>
+              <a:rPr lang="en-US" dirty="0" err="1"/>
+              <a:t>D</a:t>
+            </a:r>
+            <a:r>
+              <a:rPr lang="en-US" baseline="-25000" dirty="0" err="1"/>
+              <a:t>p</a:t>
+            </a:r>
+            <a:endParaRPr lang="en-AE" baseline="-25000" dirty="0"/>
+          </a:p>
+        </p:txBody>
+      </p:sp>
+      <p:cxnSp>
+        <p:nvCxnSpPr>
+          <p:cNvPr id="21" name="Straight Arrow Connector 20">
+            <a:extLst>
+              <a:ext uri="{FF2B5EF4-FFF2-40B4-BE49-F238E27FC236}">
+                <a16:creationId xmlns:a16="http://schemas.microsoft.com/office/drawing/2014/main" id="{20F57714-08EC-DEEC-8F2A-754B38352013}"/>
+              </a:ext>
+            </a:extLst>
+          </p:cNvPr>
+          <p:cNvCxnSpPr>
+            <a:stCxn id="12" idx="0"/>
+            <a:endCxn id="4" idx="2"/>
+          </p:cNvCxnSpPr>
+          <p:nvPr/>
+        </p:nvCxnSpPr>
+        <p:spPr>
+          <a:xfrm flipV="1">
+            <a:off x="2161310" y="2900218"/>
+            <a:ext cx="0" cy="670648"/>
+          </a:xfrm>
+          <a:prstGeom prst="straightConnector1">
+            <a:avLst/>
+          </a:prstGeom>
+          <a:ln>
+            <a:tailEnd type="triangle"/>
+          </a:ln>
+        </p:spPr>
+        <p:style>
+          <a:lnRef idx="1">
+            <a:schemeClr val="accent1"/>
+          </a:lnRef>
+          <a:fillRef idx="0">
+            <a:schemeClr val="accent1"/>
+          </a:fillRef>
+          <a:effectRef idx="0">
+            <a:schemeClr val="accent1"/>
+          </a:effectRef>
+          <a:fontRef idx="minor">
+            <a:schemeClr val="tx1"/>
+          </a:fontRef>
+        </p:style>
+      </p:cxnSp>
+      <p:cxnSp>
+        <p:nvCxnSpPr>
+          <p:cNvPr id="22" name="Straight Arrow Connector 21">
+            <a:extLst>
+              <a:ext uri="{FF2B5EF4-FFF2-40B4-BE49-F238E27FC236}">
+                <a16:creationId xmlns:a16="http://schemas.microsoft.com/office/drawing/2014/main" id="{8890CFF8-0EB1-6BAB-71F9-A7C15B280AA8}"/>
+              </a:ext>
+            </a:extLst>
+          </p:cNvPr>
+          <p:cNvCxnSpPr>
+            <a:cxnSpLocks/>
+            <a:stCxn id="13" idx="0"/>
+            <a:endCxn id="5" idx="2"/>
+          </p:cNvCxnSpPr>
+          <p:nvPr/>
+        </p:nvCxnSpPr>
+        <p:spPr>
+          <a:xfrm flipV="1">
+            <a:off x="3403601" y="2900218"/>
+            <a:ext cx="0" cy="670648"/>
+          </a:xfrm>
+          <a:prstGeom prst="straightConnector1">
+            <a:avLst/>
+          </a:prstGeom>
+          <a:ln>
+            <a:tailEnd type="triangle"/>
+          </a:ln>
+        </p:spPr>
+        <p:style>
+          <a:lnRef idx="1">
+            <a:schemeClr val="accent1"/>
+          </a:lnRef>
+          <a:fillRef idx="0">
+            <a:schemeClr val="accent1"/>
+          </a:fillRef>
+          <a:effectRef idx="0">
+            <a:schemeClr val="accent1"/>
+          </a:effectRef>
+          <a:fontRef idx="minor">
+            <a:schemeClr val="tx1"/>
+          </a:fontRef>
+        </p:style>
+      </p:cxnSp>
+      <p:cxnSp>
+        <p:nvCxnSpPr>
+          <p:cNvPr id="26" name="Straight Arrow Connector 25">
+            <a:extLst>
+              <a:ext uri="{FF2B5EF4-FFF2-40B4-BE49-F238E27FC236}">
+                <a16:creationId xmlns:a16="http://schemas.microsoft.com/office/drawing/2014/main" id="{970329AE-2F87-E0B4-3F55-A570F99893F5}"/>
+              </a:ext>
+            </a:extLst>
+          </p:cNvPr>
+          <p:cNvCxnSpPr>
+            <a:stCxn id="14" idx="0"/>
+            <a:endCxn id="6" idx="2"/>
+          </p:cNvCxnSpPr>
+          <p:nvPr/>
+        </p:nvCxnSpPr>
+        <p:spPr>
+          <a:xfrm flipV="1">
+            <a:off x="4645892" y="2900218"/>
+            <a:ext cx="0" cy="670648"/>
+          </a:xfrm>
+          <a:prstGeom prst="straightConnector1">
+            <a:avLst/>
+          </a:prstGeom>
+          <a:ln>
+            <a:tailEnd type="triangle"/>
+          </a:ln>
+        </p:spPr>
+        <p:style>
+          <a:lnRef idx="1">
+            <a:schemeClr val="accent1"/>
+          </a:lnRef>
+          <a:fillRef idx="0">
+            <a:schemeClr val="accent1"/>
+          </a:fillRef>
+          <a:effectRef idx="0">
+            <a:schemeClr val="accent1"/>
+          </a:effectRef>
+          <a:fontRef idx="minor">
+            <a:schemeClr val="tx1"/>
+          </a:fontRef>
+        </p:style>
+      </p:cxnSp>
+      <p:cxnSp>
+        <p:nvCxnSpPr>
+          <p:cNvPr id="28" name="Straight Arrow Connector 27">
+            <a:extLst>
+              <a:ext uri="{FF2B5EF4-FFF2-40B4-BE49-F238E27FC236}">
+                <a16:creationId xmlns:a16="http://schemas.microsoft.com/office/drawing/2014/main" id="{19A78C1A-A6C4-98CF-EE21-CB6F4B33A82E}"/>
+              </a:ext>
+            </a:extLst>
+          </p:cNvPr>
+          <p:cNvCxnSpPr>
+            <a:stCxn id="15" idx="0"/>
+            <a:endCxn id="7" idx="2"/>
+          </p:cNvCxnSpPr>
+          <p:nvPr/>
+        </p:nvCxnSpPr>
+        <p:spPr>
+          <a:xfrm flipV="1">
+            <a:off x="5888183" y="2900218"/>
+            <a:ext cx="0" cy="670648"/>
+          </a:xfrm>
+          <a:prstGeom prst="straightConnector1">
+            <a:avLst/>
+          </a:prstGeom>
+          <a:ln>
+            <a:tailEnd type="triangle"/>
+          </a:ln>
+        </p:spPr>
+        <p:style>
+          <a:lnRef idx="1">
+            <a:schemeClr val="accent1"/>
+          </a:lnRef>
+          <a:fillRef idx="0">
+            <a:schemeClr val="accent1"/>
+          </a:fillRef>
+          <a:effectRef idx="0">
+            <a:schemeClr val="accent1"/>
+          </a:effectRef>
+          <a:fontRef idx="minor">
+            <a:schemeClr val="tx1"/>
+          </a:fontRef>
+        </p:style>
+      </p:cxnSp>
+      <p:cxnSp>
+        <p:nvCxnSpPr>
+          <p:cNvPr id="30" name="Straight Arrow Connector 29">
+            <a:extLst>
+              <a:ext uri="{FF2B5EF4-FFF2-40B4-BE49-F238E27FC236}">
+                <a16:creationId xmlns:a16="http://schemas.microsoft.com/office/drawing/2014/main" id="{CA57A150-7FB4-E3C8-1E09-71242CAEB018}"/>
+              </a:ext>
+            </a:extLst>
+          </p:cNvPr>
+          <p:cNvCxnSpPr>
+            <a:stCxn id="16" idx="0"/>
+            <a:endCxn id="8" idx="2"/>
+          </p:cNvCxnSpPr>
+          <p:nvPr/>
+        </p:nvCxnSpPr>
+        <p:spPr>
+          <a:xfrm flipV="1">
+            <a:off x="7112001" y="2900218"/>
+            <a:ext cx="0" cy="670648"/>
+          </a:xfrm>
+          <a:prstGeom prst="straightConnector1">
+            <a:avLst/>
+          </a:prstGeom>
+          <a:ln>
+            <a:tailEnd type="triangle"/>
+          </a:ln>
+        </p:spPr>
+        <p:style>
+          <a:lnRef idx="1">
+            <a:schemeClr val="accent1"/>
+          </a:lnRef>
+          <a:fillRef idx="0">
+            <a:schemeClr val="accent1"/>
+          </a:fillRef>
+          <a:effectRef idx="0">
+            <a:schemeClr val="accent1"/>
+          </a:effectRef>
+          <a:fontRef idx="minor">
+            <a:schemeClr val="tx1"/>
+          </a:fontRef>
+        </p:style>
+      </p:cxnSp>
+      <p:cxnSp>
+        <p:nvCxnSpPr>
+          <p:cNvPr id="32" name="Straight Arrow Connector 31">
+            <a:extLst>
+              <a:ext uri="{FF2B5EF4-FFF2-40B4-BE49-F238E27FC236}">
+                <a16:creationId xmlns:a16="http://schemas.microsoft.com/office/drawing/2014/main" id="{3AC97987-F5DA-4346-8900-F7373EE8E4D5}"/>
+              </a:ext>
+            </a:extLst>
+          </p:cNvPr>
+          <p:cNvCxnSpPr>
+            <a:stCxn id="17" idx="0"/>
+            <a:endCxn id="9" idx="2"/>
+          </p:cNvCxnSpPr>
+          <p:nvPr/>
+        </p:nvCxnSpPr>
+        <p:spPr>
+          <a:xfrm flipV="1">
+            <a:off x="8354292" y="2900218"/>
+            <a:ext cx="0" cy="670648"/>
+          </a:xfrm>
+          <a:prstGeom prst="straightConnector1">
+            <a:avLst/>
+          </a:prstGeom>
+          <a:ln>
+            <a:tailEnd type="triangle"/>
+          </a:ln>
+        </p:spPr>
+        <p:style>
+          <a:lnRef idx="1">
+            <a:schemeClr val="accent1"/>
+          </a:lnRef>
+          <a:fillRef idx="0">
+            <a:schemeClr val="accent1"/>
+          </a:fillRef>
+          <a:effectRef idx="0">
+            <a:schemeClr val="accent1"/>
+          </a:effectRef>
+          <a:fontRef idx="minor">
+            <a:schemeClr val="tx1"/>
+          </a:fontRef>
+        </p:style>
+      </p:cxnSp>
+      <p:cxnSp>
+        <p:nvCxnSpPr>
+          <p:cNvPr id="34" name="Straight Arrow Connector 33">
+            <a:extLst>
+              <a:ext uri="{FF2B5EF4-FFF2-40B4-BE49-F238E27FC236}">
+                <a16:creationId xmlns:a16="http://schemas.microsoft.com/office/drawing/2014/main" id="{12B0C31C-A907-22F5-159E-5221C2973252}"/>
+              </a:ext>
+            </a:extLst>
+          </p:cNvPr>
+          <p:cNvCxnSpPr>
+            <a:stCxn id="18" idx="0"/>
+            <a:endCxn id="10" idx="2"/>
+          </p:cNvCxnSpPr>
+          <p:nvPr/>
+        </p:nvCxnSpPr>
+        <p:spPr>
+          <a:xfrm flipV="1">
+            <a:off x="9596583" y="2900218"/>
+            <a:ext cx="0" cy="670648"/>
+          </a:xfrm>
+          <a:prstGeom prst="straightConnector1">
+            <a:avLst/>
+          </a:prstGeom>
+          <a:ln>
+            <a:tailEnd type="triangle"/>
+          </a:ln>
+        </p:spPr>
+        <p:style>
+          <a:lnRef idx="1">
+            <a:schemeClr val="accent1"/>
+          </a:lnRef>
+          <a:fillRef idx="0">
+            <a:schemeClr val="accent1"/>
+          </a:fillRef>
+          <a:effectRef idx="0">
+            <a:schemeClr val="accent1"/>
+          </a:effectRef>
+          <a:fontRef idx="minor">
+            <a:schemeClr val="tx1"/>
+          </a:fontRef>
+        </p:style>
+      </p:cxnSp>
+      <p:cxnSp>
+        <p:nvCxnSpPr>
+          <p:cNvPr id="36" name="Straight Arrow Connector 35">
+            <a:extLst>
+              <a:ext uri="{FF2B5EF4-FFF2-40B4-BE49-F238E27FC236}">
+                <a16:creationId xmlns:a16="http://schemas.microsoft.com/office/drawing/2014/main" id="{7C15356C-796D-C516-7B7B-368898768000}"/>
+              </a:ext>
+            </a:extLst>
+          </p:cNvPr>
+          <p:cNvCxnSpPr>
+            <a:stCxn id="19" idx="0"/>
+            <a:endCxn id="11" idx="2"/>
+          </p:cNvCxnSpPr>
+          <p:nvPr/>
+        </p:nvCxnSpPr>
+        <p:spPr>
+          <a:xfrm flipV="1">
+            <a:off x="10838874" y="2900218"/>
+            <a:ext cx="0" cy="670648"/>
+          </a:xfrm>
+          <a:prstGeom prst="straightConnector1">
+            <a:avLst/>
+          </a:prstGeom>
+          <a:ln>
+            <a:tailEnd type="triangle"/>
+          </a:ln>
+        </p:spPr>
+        <p:style>
+          <a:lnRef idx="1">
+            <a:schemeClr val="accent1"/>
+          </a:lnRef>
+          <a:fillRef idx="0">
+            <a:schemeClr val="accent1"/>
+          </a:fillRef>
+          <a:effectRef idx="0">
+            <a:schemeClr val="accent1"/>
+          </a:effectRef>
+          <a:fontRef idx="minor">
+            <a:schemeClr val="tx1"/>
+          </a:fontRef>
+        </p:style>
+      </p:cxnSp>
+      <p:sp>
+        <p:nvSpPr>
+          <p:cNvPr id="37" name="Oval 36">
+            <a:extLst>
+              <a:ext uri="{FF2B5EF4-FFF2-40B4-BE49-F238E27FC236}">
+                <a16:creationId xmlns:a16="http://schemas.microsoft.com/office/drawing/2014/main" id="{34BB66C2-FDA2-D469-4470-EB65A1EB0ECB}"/>
+              </a:ext>
+            </a:extLst>
+          </p:cNvPr>
+          <p:cNvSpPr/>
+          <p:nvPr/>
+        </p:nvSpPr>
+        <p:spPr>
+          <a:xfrm>
+            <a:off x="1343025" y="3760442"/>
+            <a:ext cx="45719" cy="45719"/>
+          </a:xfrm>
+          <a:prstGeom prst="ellipse">
+            <a:avLst/>
+          </a:prstGeom>
+        </p:spPr>
+        <p:style>
+          <a:lnRef idx="2">
+            <a:schemeClr val="accent1">
+              <a:shade val="50000"/>
+            </a:schemeClr>
+          </a:lnRef>
+          <a:fillRef idx="1">
+            <a:schemeClr val="accent1"/>
+          </a:fillRef>
+          <a:effectRef idx="0">
+            <a:schemeClr val="accent1"/>
+          </a:effectRef>
+          <a:fontRef idx="minor">
+            <a:schemeClr val="lt1"/>
+          </a:fontRef>
+        </p:style>
+        <p:txBody>
+          <a:bodyPr rtlCol="0" anchor="ctr"/>
+          <a:lstStyle/>
+          <a:p>
+            <a:pPr algn="ctr"/>
+            <a:endParaRPr lang="en-AE"/>
+          </a:p>
+        </p:txBody>
+      </p:sp>
+      <p:sp>
+        <p:nvSpPr>
+          <p:cNvPr id="38" name="Oval 37">
+            <a:extLst>
+              <a:ext uri="{FF2B5EF4-FFF2-40B4-BE49-F238E27FC236}">
+                <a16:creationId xmlns:a16="http://schemas.microsoft.com/office/drawing/2014/main" id="{7AF0F162-3B9E-2C89-2E9A-4B1F54E59537}"/>
+              </a:ext>
+            </a:extLst>
+          </p:cNvPr>
+          <p:cNvSpPr/>
+          <p:nvPr/>
+        </p:nvSpPr>
+        <p:spPr>
+          <a:xfrm>
+            <a:off x="1098809" y="3760442"/>
+            <a:ext cx="45719" cy="45719"/>
+          </a:xfrm>
+          <a:prstGeom prst="ellipse">
+            <a:avLst/>
+          </a:prstGeom>
+        </p:spPr>
+        <p:style>
+          <a:lnRef idx="2">
+            <a:schemeClr val="accent1">
+              <a:shade val="50000"/>
+            </a:schemeClr>
+          </a:lnRef>
+          <a:fillRef idx="1">
+            <a:schemeClr val="accent1"/>
+          </a:fillRef>
+          <a:effectRef idx="0">
+            <a:schemeClr val="accent1"/>
+          </a:effectRef>
+          <a:fontRef idx="minor">
+            <a:schemeClr val="lt1"/>
+          </a:fontRef>
+        </p:style>
+        <p:txBody>
+          <a:bodyPr rtlCol="0" anchor="ctr"/>
+          <a:lstStyle/>
+          <a:p>
+            <a:pPr algn="ctr"/>
+            <a:endParaRPr lang="en-AE"/>
+          </a:p>
+        </p:txBody>
+      </p:sp>
+      <p:sp>
+        <p:nvSpPr>
+          <p:cNvPr id="39" name="Oval 38">
+            <a:extLst>
+              <a:ext uri="{FF2B5EF4-FFF2-40B4-BE49-F238E27FC236}">
+                <a16:creationId xmlns:a16="http://schemas.microsoft.com/office/drawing/2014/main" id="{F8C2B930-5D63-B3AE-0D71-F3BDE6F3C14E}"/>
+              </a:ext>
+            </a:extLst>
+          </p:cNvPr>
+          <p:cNvSpPr/>
+          <p:nvPr/>
+        </p:nvSpPr>
+        <p:spPr>
+          <a:xfrm>
+            <a:off x="11547997" y="3760441"/>
+            <a:ext cx="45719" cy="45719"/>
+          </a:xfrm>
+          <a:prstGeom prst="ellipse">
+            <a:avLst/>
+          </a:prstGeom>
+        </p:spPr>
+        <p:style>
+          <a:lnRef idx="2">
+            <a:schemeClr val="accent1">
+              <a:shade val="50000"/>
+            </a:schemeClr>
+          </a:lnRef>
+          <a:fillRef idx="1">
+            <a:schemeClr val="accent1"/>
+          </a:fillRef>
+          <a:effectRef idx="0">
+            <a:schemeClr val="accent1"/>
+          </a:effectRef>
+          <a:fontRef idx="minor">
+            <a:schemeClr val="lt1"/>
+          </a:fontRef>
+        </p:style>
+        <p:txBody>
+          <a:bodyPr rtlCol="0" anchor="ctr"/>
+          <a:lstStyle/>
+          <a:p>
+            <a:pPr algn="ctr"/>
+            <a:endParaRPr lang="en-AE"/>
+          </a:p>
+        </p:txBody>
+      </p:sp>
+      <p:sp>
+        <p:nvSpPr>
+          <p:cNvPr id="40" name="Oval 39">
+            <a:extLst>
+              <a:ext uri="{FF2B5EF4-FFF2-40B4-BE49-F238E27FC236}">
+                <a16:creationId xmlns:a16="http://schemas.microsoft.com/office/drawing/2014/main" id="{408B2916-26B1-427D-D4D4-50F66FBFF844}"/>
+              </a:ext>
+            </a:extLst>
+          </p:cNvPr>
+          <p:cNvSpPr/>
+          <p:nvPr/>
+        </p:nvSpPr>
+        <p:spPr>
+          <a:xfrm>
+            <a:off x="11776800" y="3760441"/>
+            <a:ext cx="45719" cy="45719"/>
+          </a:xfrm>
+          <a:prstGeom prst="ellipse">
+            <a:avLst/>
+          </a:prstGeom>
+        </p:spPr>
+        <p:style>
+          <a:lnRef idx="2">
+            <a:schemeClr val="accent1">
+              <a:shade val="50000"/>
+            </a:schemeClr>
+          </a:lnRef>
+          <a:fillRef idx="1">
+            <a:schemeClr val="accent1"/>
+          </a:fillRef>
+          <a:effectRef idx="0">
+            <a:schemeClr val="accent1"/>
+          </a:effectRef>
+          <a:fontRef idx="minor">
+            <a:schemeClr val="lt1"/>
+          </a:fontRef>
+        </p:style>
+        <p:txBody>
+          <a:bodyPr rtlCol="0" anchor="ctr"/>
+          <a:lstStyle/>
+          <a:p>
+            <a:pPr algn="ctr"/>
+            <a:endParaRPr lang="en-AE"/>
+          </a:p>
+        </p:txBody>
+      </p:sp>
+      <p:sp>
+        <p:nvSpPr>
+          <p:cNvPr id="41" name="Oval 40">
+            <a:extLst>
+              <a:ext uri="{FF2B5EF4-FFF2-40B4-BE49-F238E27FC236}">
+                <a16:creationId xmlns:a16="http://schemas.microsoft.com/office/drawing/2014/main" id="{5E721350-25E8-92A7-9109-820859BDFC61}"/>
+              </a:ext>
+            </a:extLst>
+          </p:cNvPr>
+          <p:cNvSpPr/>
+          <p:nvPr/>
+        </p:nvSpPr>
+        <p:spPr>
+          <a:xfrm>
+            <a:off x="1343024" y="2664921"/>
+            <a:ext cx="45719" cy="45719"/>
+          </a:xfrm>
+          <a:prstGeom prst="ellipse">
+            <a:avLst/>
+          </a:prstGeom>
+        </p:spPr>
+        <p:style>
+          <a:lnRef idx="2">
+            <a:schemeClr val="accent1">
+              <a:shade val="50000"/>
+            </a:schemeClr>
+          </a:lnRef>
+          <a:fillRef idx="1">
+            <a:schemeClr val="accent1"/>
+          </a:fillRef>
+          <a:effectRef idx="0">
+            <a:schemeClr val="accent1"/>
+          </a:effectRef>
+          <a:fontRef idx="minor">
+            <a:schemeClr val="lt1"/>
+          </a:fontRef>
+        </p:style>
+        <p:txBody>
+          <a:bodyPr rtlCol="0" anchor="ctr"/>
+          <a:lstStyle/>
+          <a:p>
+            <a:pPr algn="ctr"/>
+            <a:endParaRPr lang="en-AE"/>
+          </a:p>
+        </p:txBody>
+      </p:sp>
+      <p:sp>
+        <p:nvSpPr>
+          <p:cNvPr id="42" name="Oval 41">
+            <a:extLst>
+              <a:ext uri="{FF2B5EF4-FFF2-40B4-BE49-F238E27FC236}">
+                <a16:creationId xmlns:a16="http://schemas.microsoft.com/office/drawing/2014/main" id="{1A5E4086-1BB5-F975-496B-A8F691F48D62}"/>
+              </a:ext>
+            </a:extLst>
+          </p:cNvPr>
+          <p:cNvSpPr/>
+          <p:nvPr/>
+        </p:nvSpPr>
+        <p:spPr>
+          <a:xfrm>
+            <a:off x="1098809" y="2664921"/>
+            <a:ext cx="45719" cy="45719"/>
+          </a:xfrm>
+          <a:prstGeom prst="ellipse">
+            <a:avLst/>
+          </a:prstGeom>
+        </p:spPr>
+        <p:style>
+          <a:lnRef idx="2">
+            <a:schemeClr val="accent1">
+              <a:shade val="50000"/>
+            </a:schemeClr>
+          </a:lnRef>
+          <a:fillRef idx="1">
+            <a:schemeClr val="accent1"/>
+          </a:fillRef>
+          <a:effectRef idx="0">
+            <a:schemeClr val="accent1"/>
+          </a:effectRef>
+          <a:fontRef idx="minor">
+            <a:schemeClr val="lt1"/>
+          </a:fontRef>
+        </p:style>
+        <p:txBody>
+          <a:bodyPr rtlCol="0" anchor="ctr"/>
+          <a:lstStyle/>
+          <a:p>
+            <a:pPr algn="ctr"/>
+            <a:endParaRPr lang="en-AE"/>
+          </a:p>
+        </p:txBody>
+      </p:sp>
+      <p:sp>
+        <p:nvSpPr>
+          <p:cNvPr id="43" name="Oval 42">
+            <a:extLst>
+              <a:ext uri="{FF2B5EF4-FFF2-40B4-BE49-F238E27FC236}">
+                <a16:creationId xmlns:a16="http://schemas.microsoft.com/office/drawing/2014/main" id="{DDB73380-990D-8343-1D27-89D8717B7F2C}"/>
+              </a:ext>
+            </a:extLst>
+          </p:cNvPr>
+          <p:cNvSpPr/>
+          <p:nvPr/>
+        </p:nvSpPr>
+        <p:spPr>
+          <a:xfrm>
+            <a:off x="11822519" y="2664921"/>
+            <a:ext cx="45719" cy="45719"/>
+          </a:xfrm>
+          <a:prstGeom prst="ellipse">
+            <a:avLst/>
+          </a:prstGeom>
+        </p:spPr>
+        <p:style>
+          <a:lnRef idx="2">
+            <a:schemeClr val="accent1">
+              <a:shade val="50000"/>
+            </a:schemeClr>
+          </a:lnRef>
+          <a:fillRef idx="1">
+            <a:schemeClr val="accent1"/>
+          </a:fillRef>
+          <a:effectRef idx="0">
+            <a:schemeClr val="accent1"/>
+          </a:effectRef>
+          <a:fontRef idx="minor">
+            <a:schemeClr val="lt1"/>
+          </a:fontRef>
+        </p:style>
+        <p:txBody>
+          <a:bodyPr rtlCol="0" anchor="ctr"/>
+          <a:lstStyle/>
+          <a:p>
+            <a:pPr algn="ctr"/>
+            <a:endParaRPr lang="en-AE"/>
+          </a:p>
+        </p:txBody>
+      </p:sp>
+      <p:sp>
+        <p:nvSpPr>
+          <p:cNvPr id="44" name="Oval 43">
+            <a:extLst>
+              <a:ext uri="{FF2B5EF4-FFF2-40B4-BE49-F238E27FC236}">
+                <a16:creationId xmlns:a16="http://schemas.microsoft.com/office/drawing/2014/main" id="{93EDFD0E-4F1C-27A7-5C14-23A4604A0D28}"/>
+              </a:ext>
+            </a:extLst>
+          </p:cNvPr>
+          <p:cNvSpPr/>
+          <p:nvPr/>
+        </p:nvSpPr>
+        <p:spPr>
+          <a:xfrm>
+            <a:off x="11578304" y="2664921"/>
+            <a:ext cx="45719" cy="45719"/>
+          </a:xfrm>
+          <a:prstGeom prst="ellipse">
+            <a:avLst/>
+          </a:prstGeom>
+        </p:spPr>
+        <p:style>
+          <a:lnRef idx="2">
+            <a:schemeClr val="accent1">
+              <a:shade val="50000"/>
+            </a:schemeClr>
+          </a:lnRef>
+          <a:fillRef idx="1">
+            <a:schemeClr val="accent1"/>
+          </a:fillRef>
+          <a:effectRef idx="0">
+            <a:schemeClr val="accent1"/>
+          </a:effectRef>
+          <a:fontRef idx="minor">
+            <a:schemeClr val="lt1"/>
+          </a:fontRef>
+        </p:style>
+        <p:txBody>
+          <a:bodyPr rtlCol="0" anchor="ctr"/>
+          <a:lstStyle/>
+          <a:p>
+            <a:pPr algn="ctr"/>
+            <a:endParaRPr lang="en-AE"/>
+          </a:p>
+        </p:txBody>
+      </p:sp>
+      <p:sp>
+        <p:nvSpPr>
+          <p:cNvPr id="45" name="Rectangle 44">
+            <a:extLst>
+              <a:ext uri="{FF2B5EF4-FFF2-40B4-BE49-F238E27FC236}">
+                <a16:creationId xmlns:a16="http://schemas.microsoft.com/office/drawing/2014/main" id="{75424EEA-0ABD-DAC3-75A1-6E62B357A781}"/>
+              </a:ext>
+            </a:extLst>
+          </p:cNvPr>
+          <p:cNvSpPr/>
+          <p:nvPr/>
+        </p:nvSpPr>
+        <p:spPr>
+          <a:xfrm>
+            <a:off x="1016001" y="2017134"/>
+            <a:ext cx="11018982" cy="1128860"/>
+          </a:xfrm>
+          <a:prstGeom prst="rect">
+            <a:avLst/>
+          </a:prstGeom>
+          <a:solidFill>
+            <a:schemeClr val="accent1">
+              <a:alpha val="40000"/>
+            </a:schemeClr>
+          </a:solidFill>
+        </p:spPr>
+        <p:style>
+          <a:lnRef idx="2">
+            <a:schemeClr val="accent1">
+              <a:shade val="50000"/>
+            </a:schemeClr>
+          </a:lnRef>
+          <a:fillRef idx="1">
+            <a:schemeClr val="accent1"/>
+          </a:fillRef>
+          <a:effectRef idx="0">
+            <a:schemeClr val="accent1"/>
+          </a:effectRef>
+          <a:fontRef idx="minor">
+            <a:schemeClr val="lt1"/>
+          </a:fontRef>
+        </p:style>
+        <p:txBody>
+          <a:bodyPr rtlCol="0" anchor="ctr"/>
+          <a:lstStyle/>
+          <a:p>
+            <a:pPr algn="ctr"/>
+            <a:endParaRPr lang="en-AE"/>
+          </a:p>
+        </p:txBody>
+      </p:sp>
+      <p:sp>
+        <p:nvSpPr>
+          <p:cNvPr id="46" name="Rectangle 45">
+            <a:extLst>
+              <a:ext uri="{FF2B5EF4-FFF2-40B4-BE49-F238E27FC236}">
+                <a16:creationId xmlns:a16="http://schemas.microsoft.com/office/drawing/2014/main" id="{6B6031A1-7E49-ECF3-FD2C-E735C0E73CAA}"/>
+              </a:ext>
+            </a:extLst>
+          </p:cNvPr>
+          <p:cNvSpPr/>
+          <p:nvPr/>
+        </p:nvSpPr>
+        <p:spPr>
+          <a:xfrm>
+            <a:off x="1016001" y="3325091"/>
+            <a:ext cx="11018982" cy="1043710"/>
+          </a:xfrm>
+          <a:prstGeom prst="rect">
+            <a:avLst/>
+          </a:prstGeom>
+          <a:solidFill>
+            <a:schemeClr val="accent3">
+              <a:lumMod val="75000"/>
+              <a:alpha val="12000"/>
+            </a:schemeClr>
+          </a:solidFill>
+        </p:spPr>
+        <p:style>
+          <a:lnRef idx="2">
+            <a:schemeClr val="accent1">
+              <a:shade val="50000"/>
+            </a:schemeClr>
+          </a:lnRef>
+          <a:fillRef idx="1">
+            <a:schemeClr val="accent1"/>
+          </a:fillRef>
+          <a:effectRef idx="0">
+            <a:schemeClr val="accent1"/>
+          </a:effectRef>
+          <a:fontRef idx="minor">
+            <a:schemeClr val="lt1"/>
+          </a:fontRef>
+        </p:style>
+        <p:txBody>
+          <a:bodyPr rtlCol="0" anchor="ctr"/>
+          <a:lstStyle/>
+          <a:p>
+            <a:pPr algn="ctr"/>
+            <a:endParaRPr lang="en-AE"/>
+          </a:p>
+        </p:txBody>
+      </p:sp>
+      <p:sp>
+        <p:nvSpPr>
+          <p:cNvPr id="47" name="TextBox 46">
+            <a:extLst>
+              <a:ext uri="{FF2B5EF4-FFF2-40B4-BE49-F238E27FC236}">
+                <a16:creationId xmlns:a16="http://schemas.microsoft.com/office/drawing/2014/main" id="{CB6AF3F1-AE63-5351-D71C-C9136359C9FE}"/>
+              </a:ext>
+            </a:extLst>
+          </p:cNvPr>
+          <p:cNvSpPr txBox="1"/>
+          <p:nvPr/>
+        </p:nvSpPr>
+        <p:spPr>
+          <a:xfrm>
+            <a:off x="7818582" y="1161152"/>
+            <a:ext cx="2161309" cy="369332"/>
+          </a:xfrm>
+          <a:prstGeom prst="rect">
+            <a:avLst/>
+          </a:prstGeom>
+          <a:noFill/>
+        </p:spPr>
+        <p:txBody>
+          <a:bodyPr wrap="square" rtlCol="0">
+            <a:spAutoFit/>
           </a:bodyPr>
           <a:lstStyle/>
           <a:p>
             <a:r>
               <a:rPr lang="en-US" dirty="0"/>
-              <a:t>Multivariate (joint) distributions</a:t>
-            </a:r>
-            <a:br>
+              <a:t>Vector of values….</a:t>
+            </a:r>
+            <a:endParaRPr lang="en-AE" dirty="0"/>
+          </a:p>
+        </p:txBody>
+      </p:sp>
+      <p:sp>
+        <p:nvSpPr>
+          <p:cNvPr id="48" name="TextBox 47">
+            <a:extLst>
+              <a:ext uri="{FF2B5EF4-FFF2-40B4-BE49-F238E27FC236}">
+                <a16:creationId xmlns:a16="http://schemas.microsoft.com/office/drawing/2014/main" id="{DC6EC174-FEDA-6C2C-3A63-4B03129AA53E}"/>
+              </a:ext>
+            </a:extLst>
+          </p:cNvPr>
+          <p:cNvSpPr txBox="1"/>
+          <p:nvPr/>
+        </p:nvSpPr>
+        <p:spPr>
+          <a:xfrm>
+            <a:off x="7818582" y="4614576"/>
+            <a:ext cx="3020292" cy="369332"/>
+          </a:xfrm>
+          <a:prstGeom prst="rect">
+            <a:avLst/>
+          </a:prstGeom>
+          <a:noFill/>
+        </p:spPr>
+        <p:txBody>
+          <a:bodyPr wrap="square" rtlCol="0">
+            <a:spAutoFit/>
+          </a:bodyPr>
+          <a:lstStyle/>
+          <a:p>
+            <a:r>
               <a:rPr lang="en-US" dirty="0"/>
-            </a:br>
-            <a:r>
-              <a:rPr lang="en-US" sz="3600" dirty="0"/>
-              <a:t>A quick intro</a:t>
+              <a:t>Dimensions of the vector</a:t>
             </a:r>
             <a:endParaRPr lang="en-AE" dirty="0"/>
           </a:p>
@@ -5490,55 +10457,481 @@
       </p:sp>
       <p:sp>
         <p:nvSpPr>
-          <p:cNvPr id="3" name="Content Placeholder 2">
-            <a:extLst>
-              <a:ext uri="{FF2B5EF4-FFF2-40B4-BE49-F238E27FC236}">
-                <a16:creationId xmlns:a16="http://schemas.microsoft.com/office/drawing/2014/main" id="{5C722240-C8A2-C46E-E196-8764EEBDAA2A}"/>
-              </a:ext>
-            </a:extLst>
-          </p:cNvPr>
-          <p:cNvSpPr>
-            <a:spLocks noGrp="1"/>
-          </p:cNvSpPr>
-          <p:nvPr>
-            <p:ph idx="1"/>
-          </p:nvPr>
-        </p:nvSpPr>
-        <p:spPr/>
-        <p:txBody>
-          <a:bodyPr/>
+          <p:cNvPr id="49" name="TextBox 48">
+            <a:extLst>
+              <a:ext uri="{FF2B5EF4-FFF2-40B4-BE49-F238E27FC236}">
+                <a16:creationId xmlns:a16="http://schemas.microsoft.com/office/drawing/2014/main" id="{8E8037C2-5FBF-8811-CDD8-97F226D6820F}"/>
+              </a:ext>
+            </a:extLst>
+          </p:cNvPr>
+          <p:cNvSpPr txBox="1"/>
+          <p:nvPr/>
+        </p:nvSpPr>
+        <p:spPr>
+          <a:xfrm>
+            <a:off x="1016001" y="5347855"/>
+            <a:ext cx="3426690" cy="1200329"/>
+          </a:xfrm>
+          <a:prstGeom prst="rect">
+            <a:avLst/>
+          </a:prstGeom>
+          <a:noFill/>
+        </p:spPr>
+        <p:txBody>
+          <a:bodyPr wrap="square" rtlCol="0">
+            <a:spAutoFit/>
+          </a:bodyPr>
           <a:lstStyle/>
           <a:p>
             <a:r>
-              <a:rPr lang="en-US" dirty="0"/>
-              <a:t>Multivariate distributions</a:t>
-            </a:r>
-          </a:p>
-          <a:p>
-            <a:r>
-              <a:rPr lang="en-US" dirty="0"/>
-              <a:t>Conditioning</a:t>
-            </a:r>
-          </a:p>
-          <a:p>
-            <a:r>
-              <a:rPr lang="en-US" dirty="0"/>
-              <a:t>Marginalization</a:t>
-            </a:r>
-            <a:endParaRPr lang="en-AE" dirty="0"/>
+              <a:rPr lang="en-US" sz="3600" b="1" dirty="0"/>
+              <a:t>How many dimensions?</a:t>
+            </a:r>
+            <a:endParaRPr lang="en-AE" sz="3600" b="1" dirty="0"/>
+          </a:p>
+        </p:txBody>
+      </p:sp>
+      <p:sp>
+        <p:nvSpPr>
+          <p:cNvPr id="50" name="TextBox 49">
+            <a:extLst>
+              <a:ext uri="{FF2B5EF4-FFF2-40B4-BE49-F238E27FC236}">
+                <a16:creationId xmlns:a16="http://schemas.microsoft.com/office/drawing/2014/main" id="{BAF82603-82A1-B408-043D-66D88ABA9A48}"/>
+              </a:ext>
+            </a:extLst>
+          </p:cNvPr>
+          <p:cNvSpPr txBox="1"/>
+          <p:nvPr/>
+        </p:nvSpPr>
+        <p:spPr>
+          <a:xfrm>
+            <a:off x="4350790" y="5717186"/>
+            <a:ext cx="7471729" cy="461665"/>
+          </a:xfrm>
+          <a:prstGeom prst="rect">
+            <a:avLst/>
+          </a:prstGeom>
+          <a:noFill/>
+        </p:spPr>
+        <p:txBody>
+          <a:bodyPr wrap="square" rtlCol="0">
+            <a:spAutoFit/>
+          </a:bodyPr>
+          <a:lstStyle/>
+          <a:p>
+            <a:r>
+              <a:rPr lang="en-US" sz="2400" dirty="0"/>
+              <a:t>Potentially infinite if the Domain has infinite points!</a:t>
+            </a:r>
+            <a:endParaRPr lang="en-AE" sz="2400" dirty="0"/>
           </a:p>
         </p:txBody>
       </p:sp>
     </p:spTree>
     <p:extLst>
       <p:ext uri="{BB962C8B-B14F-4D97-AF65-F5344CB8AC3E}">
-        <p14:creationId xmlns:p14="http://schemas.microsoft.com/office/powerpoint/2010/main" val="694203757"/>
+        <p14:creationId xmlns:p14="http://schemas.microsoft.com/office/powerpoint/2010/main" val="648252176"/>
       </p:ext>
     </p:extLst>
   </p:cSld>
   <p:clrMapOvr>
     <a:masterClrMapping/>
   </p:clrMapOvr>
+  <p:timing>
+    <p:tnLst>
+      <p:par>
+        <p:cTn id="1" dur="indefinite" restart="never" nodeType="tmRoot">
+          <p:childTnLst>
+            <p:seq concurrent="1" nextAc="seek">
+              <p:cTn id="2" dur="indefinite" nodeType="mainSeq">
+                <p:childTnLst>
+                  <p:par>
+                    <p:cTn id="3" fill="hold">
+                      <p:stCondLst>
+                        <p:cond delay="indefinite"/>
+                      </p:stCondLst>
+                      <p:childTnLst>
+                        <p:par>
+                          <p:cTn id="4" fill="hold">
+                            <p:stCondLst>
+                              <p:cond delay="0"/>
+                            </p:stCondLst>
+                            <p:childTnLst>
+                              <p:par>
+                                <p:cTn id="5" presetID="1" presetClass="entr" presetSubtype="0" fill="hold" grpId="0" nodeType="clickEffect">
+                                  <p:stCondLst>
+                                    <p:cond delay="0"/>
+                                  </p:stCondLst>
+                                  <p:childTnLst>
+                                    <p:set>
+                                      <p:cBhvr>
+                                        <p:cTn id="6" dur="1" fill="hold">
+                                          <p:stCondLst>
+                                            <p:cond delay="0"/>
+                                          </p:stCondLst>
+                                        </p:cTn>
+                                        <p:tgtEl>
+                                          <p:spTgt spid="45"/>
+                                        </p:tgtEl>
+                                        <p:attrNameLst>
+                                          <p:attrName>style.visibility</p:attrName>
+                                        </p:attrNameLst>
+                                      </p:cBhvr>
+                                      <p:to>
+                                        <p:strVal val="visible"/>
+                                      </p:to>
+                                    </p:set>
+                                  </p:childTnLst>
+                                </p:cTn>
+                              </p:par>
+                              <p:par>
+                                <p:cTn id="7" presetID="1" presetClass="entr" presetSubtype="0" fill="hold" grpId="0" nodeType="withEffect">
+                                  <p:stCondLst>
+                                    <p:cond delay="0"/>
+                                  </p:stCondLst>
+                                  <p:childTnLst>
+                                    <p:set>
+                                      <p:cBhvr>
+                                        <p:cTn id="8" dur="1" fill="hold">
+                                          <p:stCondLst>
+                                            <p:cond delay="0"/>
+                                          </p:stCondLst>
+                                        </p:cTn>
+                                        <p:tgtEl>
+                                          <p:spTgt spid="47"/>
+                                        </p:tgtEl>
+                                        <p:attrNameLst>
+                                          <p:attrName>style.visibility</p:attrName>
+                                        </p:attrNameLst>
+                                      </p:cBhvr>
+                                      <p:to>
+                                        <p:strVal val="visible"/>
+                                      </p:to>
+                                    </p:set>
+                                  </p:childTnLst>
+                                </p:cTn>
+                              </p:par>
+                            </p:childTnLst>
+                          </p:cTn>
+                        </p:par>
+                      </p:childTnLst>
+                    </p:cTn>
+                  </p:par>
+                  <p:par>
+                    <p:cTn id="9" fill="hold">
+                      <p:stCondLst>
+                        <p:cond delay="indefinite"/>
+                      </p:stCondLst>
+                      <p:childTnLst>
+                        <p:par>
+                          <p:cTn id="10" fill="hold">
+                            <p:stCondLst>
+                              <p:cond delay="0"/>
+                            </p:stCondLst>
+                            <p:childTnLst>
+                              <p:par>
+                                <p:cTn id="11" presetID="1" presetClass="entr" presetSubtype="0" fill="hold" grpId="0" nodeType="clickEffect">
+                                  <p:stCondLst>
+                                    <p:cond delay="0"/>
+                                  </p:stCondLst>
+                                  <p:childTnLst>
+                                    <p:set>
+                                      <p:cBhvr>
+                                        <p:cTn id="12" dur="1" fill="hold">
+                                          <p:stCondLst>
+                                            <p:cond delay="0"/>
+                                          </p:stCondLst>
+                                        </p:cTn>
+                                        <p:tgtEl>
+                                          <p:spTgt spid="46"/>
+                                        </p:tgtEl>
+                                        <p:attrNameLst>
+                                          <p:attrName>style.visibility</p:attrName>
+                                        </p:attrNameLst>
+                                      </p:cBhvr>
+                                      <p:to>
+                                        <p:strVal val="visible"/>
+                                      </p:to>
+                                    </p:set>
+                                  </p:childTnLst>
+                                </p:cTn>
+                              </p:par>
+                              <p:par>
+                                <p:cTn id="13" presetID="1" presetClass="entr" presetSubtype="0" fill="hold" grpId="0" nodeType="withEffect">
+                                  <p:stCondLst>
+                                    <p:cond delay="0"/>
+                                  </p:stCondLst>
+                                  <p:childTnLst>
+                                    <p:set>
+                                      <p:cBhvr>
+                                        <p:cTn id="14" dur="1" fill="hold">
+                                          <p:stCondLst>
+                                            <p:cond delay="0"/>
+                                          </p:stCondLst>
+                                        </p:cTn>
+                                        <p:tgtEl>
+                                          <p:spTgt spid="48"/>
+                                        </p:tgtEl>
+                                        <p:attrNameLst>
+                                          <p:attrName>style.visibility</p:attrName>
+                                        </p:attrNameLst>
+                                      </p:cBhvr>
+                                      <p:to>
+                                        <p:strVal val="visible"/>
+                                      </p:to>
+                                    </p:set>
+                                  </p:childTnLst>
+                                </p:cTn>
+                              </p:par>
+                            </p:childTnLst>
+                          </p:cTn>
+                        </p:par>
+                      </p:childTnLst>
+                    </p:cTn>
+                  </p:par>
+                  <p:par>
+                    <p:cTn id="15" fill="hold">
+                      <p:stCondLst>
+                        <p:cond delay="indefinite"/>
+                      </p:stCondLst>
+                      <p:childTnLst>
+                        <p:par>
+                          <p:cTn id="16" fill="hold">
+                            <p:stCondLst>
+                              <p:cond delay="0"/>
+                            </p:stCondLst>
+                            <p:childTnLst>
+                              <p:par>
+                                <p:cTn id="17" presetID="2" presetClass="entr" presetSubtype="4" fill="hold" grpId="0" nodeType="clickEffect">
+                                  <p:stCondLst>
+                                    <p:cond delay="0"/>
+                                  </p:stCondLst>
+                                  <p:childTnLst>
+                                    <p:set>
+                                      <p:cBhvr>
+                                        <p:cTn id="18" dur="1" fill="hold">
+                                          <p:stCondLst>
+                                            <p:cond delay="0"/>
+                                          </p:stCondLst>
+                                        </p:cTn>
+                                        <p:tgtEl>
+                                          <p:spTgt spid="49"/>
+                                        </p:tgtEl>
+                                        <p:attrNameLst>
+                                          <p:attrName>style.visibility</p:attrName>
+                                        </p:attrNameLst>
+                                      </p:cBhvr>
+                                      <p:to>
+                                        <p:strVal val="visible"/>
+                                      </p:to>
+                                    </p:set>
+                                    <p:anim calcmode="lin" valueType="num">
+                                      <p:cBhvr additive="base">
+                                        <p:cTn id="19" dur="500" fill="hold"/>
+                                        <p:tgtEl>
+                                          <p:spTgt spid="49"/>
+                                        </p:tgtEl>
+                                        <p:attrNameLst>
+                                          <p:attrName>ppt_x</p:attrName>
+                                        </p:attrNameLst>
+                                      </p:cBhvr>
+                                      <p:tavLst>
+                                        <p:tav tm="0">
+                                          <p:val>
+                                            <p:strVal val="#ppt_x"/>
+                                          </p:val>
+                                        </p:tav>
+                                        <p:tav tm="100000">
+                                          <p:val>
+                                            <p:strVal val="#ppt_x"/>
+                                          </p:val>
+                                        </p:tav>
+                                      </p:tavLst>
+                                    </p:anim>
+                                    <p:anim calcmode="lin" valueType="num">
+                                      <p:cBhvr additive="base">
+                                        <p:cTn id="20" dur="500" fill="hold"/>
+                                        <p:tgtEl>
+                                          <p:spTgt spid="49"/>
+                                        </p:tgtEl>
+                                        <p:attrNameLst>
+                                          <p:attrName>ppt_y</p:attrName>
+                                        </p:attrNameLst>
+                                      </p:cBhvr>
+                                      <p:tavLst>
+                                        <p:tav tm="0">
+                                          <p:val>
+                                            <p:strVal val="1+#ppt_h/2"/>
+                                          </p:val>
+                                        </p:tav>
+                                        <p:tav tm="100000">
+                                          <p:val>
+                                            <p:strVal val="#ppt_y"/>
+                                          </p:val>
+                                        </p:tav>
+                                      </p:tavLst>
+                                    </p:anim>
+                                  </p:childTnLst>
+                                </p:cTn>
+                              </p:par>
+                            </p:childTnLst>
+                          </p:cTn>
+                        </p:par>
+                      </p:childTnLst>
+                    </p:cTn>
+                  </p:par>
+                  <p:par>
+                    <p:cTn id="21" fill="hold">
+                      <p:stCondLst>
+                        <p:cond delay="indefinite"/>
+                      </p:stCondLst>
+                      <p:childTnLst>
+                        <p:par>
+                          <p:cTn id="22" fill="hold">
+                            <p:stCondLst>
+                              <p:cond delay="0"/>
+                            </p:stCondLst>
+                            <p:childTnLst>
+                              <p:par>
+                                <p:cTn id="23" presetID="31" presetClass="entr" presetSubtype="0" fill="hold" grpId="0" nodeType="clickEffect">
+                                  <p:stCondLst>
+                                    <p:cond delay="0"/>
+                                  </p:stCondLst>
+                                  <p:childTnLst>
+                                    <p:set>
+                                      <p:cBhvr>
+                                        <p:cTn id="24" dur="1" fill="hold">
+                                          <p:stCondLst>
+                                            <p:cond delay="0"/>
+                                          </p:stCondLst>
+                                        </p:cTn>
+                                        <p:tgtEl>
+                                          <p:spTgt spid="50"/>
+                                        </p:tgtEl>
+                                        <p:attrNameLst>
+                                          <p:attrName>style.visibility</p:attrName>
+                                        </p:attrNameLst>
+                                      </p:cBhvr>
+                                      <p:to>
+                                        <p:strVal val="visible"/>
+                                      </p:to>
+                                    </p:set>
+                                    <p:anim calcmode="lin" valueType="num">
+                                      <p:cBhvr>
+                                        <p:cTn id="25" dur="1000" fill="hold"/>
+                                        <p:tgtEl>
+                                          <p:spTgt spid="50"/>
+                                        </p:tgtEl>
+                                        <p:attrNameLst>
+                                          <p:attrName>ppt_w</p:attrName>
+                                        </p:attrNameLst>
+                                      </p:cBhvr>
+                                      <p:tavLst>
+                                        <p:tav tm="0">
+                                          <p:val>
+                                            <p:fltVal val="0"/>
+                                          </p:val>
+                                        </p:tav>
+                                        <p:tav tm="100000">
+                                          <p:val>
+                                            <p:strVal val="#ppt_w"/>
+                                          </p:val>
+                                        </p:tav>
+                                      </p:tavLst>
+                                    </p:anim>
+                                    <p:anim calcmode="lin" valueType="num">
+                                      <p:cBhvr>
+                                        <p:cTn id="26" dur="1000" fill="hold"/>
+                                        <p:tgtEl>
+                                          <p:spTgt spid="50"/>
+                                        </p:tgtEl>
+                                        <p:attrNameLst>
+                                          <p:attrName>ppt_h</p:attrName>
+                                        </p:attrNameLst>
+                                      </p:cBhvr>
+                                      <p:tavLst>
+                                        <p:tav tm="0">
+                                          <p:val>
+                                            <p:fltVal val="0"/>
+                                          </p:val>
+                                        </p:tav>
+                                        <p:tav tm="100000">
+                                          <p:val>
+                                            <p:strVal val="#ppt_h"/>
+                                          </p:val>
+                                        </p:tav>
+                                      </p:tavLst>
+                                    </p:anim>
+                                    <p:anim calcmode="lin" valueType="num">
+                                      <p:cBhvr>
+                                        <p:cTn id="27" dur="1000" fill="hold"/>
+                                        <p:tgtEl>
+                                          <p:spTgt spid="50"/>
+                                        </p:tgtEl>
+                                        <p:attrNameLst>
+                                          <p:attrName>style.rotation</p:attrName>
+                                        </p:attrNameLst>
+                                      </p:cBhvr>
+                                      <p:tavLst>
+                                        <p:tav tm="0">
+                                          <p:val>
+                                            <p:fltVal val="90"/>
+                                          </p:val>
+                                        </p:tav>
+                                        <p:tav tm="100000">
+                                          <p:val>
+                                            <p:fltVal val="0"/>
+                                          </p:val>
+                                        </p:tav>
+                                      </p:tavLst>
+                                    </p:anim>
+                                    <p:animEffect transition="in" filter="fade">
+                                      <p:cBhvr>
+                                        <p:cTn id="28" dur="1000"/>
+                                        <p:tgtEl>
+                                          <p:spTgt spid="50"/>
+                                        </p:tgtEl>
+                                      </p:cBhvr>
+                                    </p:animEffect>
+                                  </p:childTnLst>
+                                </p:cTn>
+                              </p:par>
+                            </p:childTnLst>
+                          </p:cTn>
+                        </p:par>
+                      </p:childTnLst>
+                    </p:cTn>
+                  </p:par>
+                </p:childTnLst>
+              </p:cTn>
+              <p:prevCondLst>
+                <p:cond evt="onPrev" delay="0">
+                  <p:tgtEl>
+                    <p:sldTgt/>
+                  </p:tgtEl>
+                </p:cond>
+              </p:prevCondLst>
+              <p:nextCondLst>
+                <p:cond evt="onNext" delay="0">
+                  <p:tgtEl>
+                    <p:sldTgt/>
+                  </p:tgtEl>
+                </p:cond>
+              </p:nextCondLst>
+            </p:seq>
+          </p:childTnLst>
+        </p:cTn>
+      </p:par>
+    </p:tnLst>
+    <p:bldLst>
+      <p:bldP spid="45" grpId="0" animBg="1"/>
+      <p:bldP spid="46" grpId="0" animBg="1"/>
+      <p:bldP spid="47" grpId="0"/>
+      <p:bldP spid="48" grpId="0"/>
+      <p:bldP spid="49" grpId="0"/>
+      <p:bldP spid="50" grpId="0"/>
+    </p:bldLst>
+  </p:timing>
 </p:sld>
 </file>
 
@@ -5564,7 +10957,7 @@
           <p:cNvPr id="2" name="Title 1">
             <a:extLst>
               <a:ext uri="{FF2B5EF4-FFF2-40B4-BE49-F238E27FC236}">
-                <a16:creationId xmlns:a16="http://schemas.microsoft.com/office/drawing/2014/main" id="{7F66D0E7-398A-87D3-BA78-9CA2C6D3E63C}"/>
+                <a16:creationId xmlns:a16="http://schemas.microsoft.com/office/drawing/2014/main" id="{0DBEBD41-6783-74E5-81E0-1347E2A810EF}"/>
               </a:ext>
             </a:extLst>
           </p:cNvPr>
@@ -5582,56 +10975,228 @@
           <a:p>
             <a:r>
               <a:rPr lang="en-US" dirty="0"/>
-              <a:t>Functions as random samples</a:t>
+              <a:t>Multivariate distributions</a:t>
             </a:r>
             <a:endParaRPr lang="en-AE" dirty="0"/>
           </a:p>
         </p:txBody>
       </p:sp>
-      <p:sp>
-        <p:nvSpPr>
-          <p:cNvPr id="3" name="Content Placeholder 2">
-            <a:extLst>
-              <a:ext uri="{FF2B5EF4-FFF2-40B4-BE49-F238E27FC236}">
-                <a16:creationId xmlns:a16="http://schemas.microsoft.com/office/drawing/2014/main" id="{26B52E34-E45D-5483-EFCD-30ACD8ADE9C1}"/>
-              </a:ext>
-            </a:extLst>
-          </p:cNvPr>
-          <p:cNvSpPr>
-            <a:spLocks noGrp="1"/>
-          </p:cNvSpPr>
-          <p:nvPr>
-            <p:ph idx="1"/>
-          </p:nvPr>
-        </p:nvSpPr>
-        <p:spPr/>
-        <p:txBody>
-          <a:bodyPr/>
+      <p:pic>
+        <p:nvPicPr>
+          <p:cNvPr id="1026" name="Picture 2" descr="Multivariate normal distribution - Wikipedia">
+            <a:extLst>
+              <a:ext uri="{FF2B5EF4-FFF2-40B4-BE49-F238E27FC236}">
+                <a16:creationId xmlns:a16="http://schemas.microsoft.com/office/drawing/2014/main" id="{26C8FBC6-D98B-B66B-7601-5DD6D3ED670B}"/>
+              </a:ext>
+            </a:extLst>
+          </p:cNvPr>
+          <p:cNvPicPr>
+            <a:picLocks noChangeAspect="1" noChangeArrowheads="1"/>
+          </p:cNvPicPr>
+          <p:nvPr/>
+        </p:nvPicPr>
+        <p:blipFill>
+          <a:blip r:embed="rId2">
+            <a:extLst>
+              <a:ext uri="{28A0092B-C50C-407E-A947-70E740481C1C}">
+                <a14:useLocalDpi xmlns:a14="http://schemas.microsoft.com/office/drawing/2010/main" val="0"/>
+              </a:ext>
+            </a:extLst>
+          </a:blip>
+          <a:srcRect/>
+          <a:stretch>
+            <a:fillRect/>
+          </a:stretch>
+        </p:blipFill>
+        <p:spPr bwMode="auto">
+          <a:xfrm>
+            <a:off x="1343025" y="1977447"/>
+            <a:ext cx="5998589" cy="3739861"/>
+          </a:xfrm>
+          <a:prstGeom prst="rect">
+            <a:avLst/>
+          </a:prstGeom>
+          <a:noFill/>
+          <a:extLst>
+            <a:ext uri="{909E8E84-426E-40DD-AFC4-6F175D3DCCD1}">
+              <a14:hiddenFill xmlns:a14="http://schemas.microsoft.com/office/drawing/2010/main">
+                <a:solidFill>
+                  <a:srgbClr val="FFFFFF"/>
+                </a:solidFill>
+              </a14:hiddenFill>
+            </a:ext>
+          </a:extLst>
+        </p:spPr>
+      </p:pic>
+      <p:sp>
+        <p:nvSpPr>
+          <p:cNvPr id="7" name="TextBox 6">
+            <a:extLst>
+              <a:ext uri="{FF2B5EF4-FFF2-40B4-BE49-F238E27FC236}">
+                <a16:creationId xmlns:a16="http://schemas.microsoft.com/office/drawing/2014/main" id="{5959BCE4-F5C4-817D-C343-357DE85625C0}"/>
+              </a:ext>
+            </a:extLst>
+          </p:cNvPr>
+          <p:cNvSpPr txBox="1"/>
+          <p:nvPr/>
+        </p:nvSpPr>
+        <p:spPr>
+          <a:xfrm>
+            <a:off x="9661236" y="3370323"/>
+            <a:ext cx="1986252" cy="954107"/>
+          </a:xfrm>
+          <a:prstGeom prst="rect">
+            <a:avLst/>
+          </a:prstGeom>
+          <a:noFill/>
+        </p:spPr>
+        <p:txBody>
+          <a:bodyPr wrap="square" rtlCol="0">
+            <a:spAutoFit/>
+          </a:bodyPr>
           <a:lstStyle/>
           <a:p>
             <a:r>
+              <a:rPr lang="en-US" sz="2800" b="1" dirty="0"/>
+              <a:t>A random 2D vector</a:t>
+            </a:r>
+            <a:endParaRPr lang="en-AE" sz="2800" b="1" dirty="0"/>
+          </a:p>
+        </p:txBody>
+      </p:sp>
+      <p:cxnSp>
+        <p:nvCxnSpPr>
+          <p:cNvPr id="9" name="Straight Arrow Connector 8">
+            <a:extLst>
+              <a:ext uri="{FF2B5EF4-FFF2-40B4-BE49-F238E27FC236}">
+                <a16:creationId xmlns:a16="http://schemas.microsoft.com/office/drawing/2014/main" id="{DDA8F0BB-819E-13D9-50C7-7BD514C4977B}"/>
+              </a:ext>
+            </a:extLst>
+          </p:cNvPr>
+          <p:cNvCxnSpPr>
+            <a:cxnSpLocks/>
+            <a:stCxn id="1026" idx="3"/>
+            <a:endCxn id="7" idx="1"/>
+          </p:cNvCxnSpPr>
+          <p:nvPr/>
+        </p:nvCxnSpPr>
+        <p:spPr>
+          <a:xfrm flipV="1">
+            <a:off x="7341614" y="3847377"/>
+            <a:ext cx="2319622" cy="1"/>
+          </a:xfrm>
+          <a:prstGeom prst="straightConnector1">
+            <a:avLst/>
+          </a:prstGeom>
+          <a:ln>
+            <a:tailEnd type="triangle"/>
+          </a:ln>
+        </p:spPr>
+        <p:style>
+          <a:lnRef idx="1">
+            <a:schemeClr val="accent1"/>
+          </a:lnRef>
+          <a:fillRef idx="0">
+            <a:schemeClr val="accent1"/>
+          </a:fillRef>
+          <a:effectRef idx="0">
+            <a:schemeClr val="accent1"/>
+          </a:effectRef>
+          <a:fontRef idx="minor">
+            <a:schemeClr val="tx1"/>
+          </a:fontRef>
+        </p:style>
+      </p:cxnSp>
+      <p:sp>
+        <p:nvSpPr>
+          <p:cNvPr id="12" name="TextBox 11">
+            <a:extLst>
+              <a:ext uri="{FF2B5EF4-FFF2-40B4-BE49-F238E27FC236}">
+                <a16:creationId xmlns:a16="http://schemas.microsoft.com/office/drawing/2014/main" id="{FA1A788F-7E65-5999-211D-23C885F61AD6}"/>
+              </a:ext>
+            </a:extLst>
+          </p:cNvPr>
+          <p:cNvSpPr txBox="1"/>
+          <p:nvPr/>
+        </p:nvSpPr>
+        <p:spPr>
+          <a:xfrm>
+            <a:off x="7450356" y="3374000"/>
+            <a:ext cx="2102137" cy="369332"/>
+          </a:xfrm>
+          <a:prstGeom prst="rect">
+            <a:avLst/>
+          </a:prstGeom>
+          <a:noFill/>
+        </p:spPr>
+        <p:txBody>
+          <a:bodyPr wrap="square" rtlCol="0">
+            <a:spAutoFit/>
+          </a:bodyPr>
+          <a:lstStyle/>
+          <a:p>
+            <a:r>
               <a:rPr lang="en-US" dirty="0"/>
-              <a:t>Functions as a random sample</a:t>
-            </a:r>
-          </a:p>
-          <a:p>
-            <a:pPr lvl="1"/>
+              <a:t>A random sample</a:t>
+            </a:r>
+            <a:endParaRPr lang="en-AE" dirty="0"/>
+          </a:p>
+        </p:txBody>
+      </p:sp>
+      <p:sp>
+        <p:nvSpPr>
+          <p:cNvPr id="14" name="TextBox 13">
+            <a:extLst>
+              <a:ext uri="{FF2B5EF4-FFF2-40B4-BE49-F238E27FC236}">
+                <a16:creationId xmlns:a16="http://schemas.microsoft.com/office/drawing/2014/main" id="{9E71F377-9C3C-EAE5-B6C2-5C19D192FA6F}"/>
+              </a:ext>
+            </a:extLst>
+          </p:cNvPr>
+          <p:cNvSpPr txBox="1"/>
+          <p:nvPr/>
+        </p:nvSpPr>
+        <p:spPr>
+          <a:xfrm>
+            <a:off x="1343025" y="5883564"/>
+            <a:ext cx="5998589" cy="923330"/>
+          </a:xfrm>
+          <a:prstGeom prst="rect">
+            <a:avLst/>
+          </a:prstGeom>
+          <a:noFill/>
+        </p:spPr>
+        <p:txBody>
+          <a:bodyPr wrap="square" rtlCol="0">
+            <a:spAutoFit/>
+          </a:bodyPr>
+          <a:lstStyle/>
+          <a:p>
+            <a:pPr algn="ctr"/>
+            <a:r>
+              <a:rPr lang="en-US" b="1" dirty="0"/>
+              <a:t>Image courtesy: Wikipedia</a:t>
+            </a:r>
+          </a:p>
+          <a:p>
+            <a:pPr algn="ctr"/>
             <a:r>
               <a:rPr lang="en-US" dirty="0"/>
-              <a:t>Infinite dimensions</a:t>
-            </a:r>
-          </a:p>
-          <a:p>
+              <a:t>I am a wiki donor (not </a:t>
+            </a:r>
+            <a:r>
+              <a:rPr lang="en-US" i="1" dirty="0"/>
+              <a:t>Vicky donor</a:t>
+            </a:r>
             <a:r>
               <a:rPr lang="en-US" dirty="0"/>
-              <a:t>Random numbers (white noise)</a:t>
-            </a:r>
-          </a:p>
-          <a:p>
-            <a:pPr lvl="1"/>
+              <a:t>)!</a:t>
+            </a:r>
+          </a:p>
+          <a:p>
+            <a:pPr algn="ctr"/>
             <a:r>
               <a:rPr lang="en-US" dirty="0"/>
-              <a:t>Spiky functions</a:t>
+              <a:t> Consider a donation to keep it free!</a:t>
             </a:r>
             <a:endParaRPr lang="en-AE" dirty="0"/>
           </a:p>
@@ -5640,7 +11205,7 @@
     </p:spTree>
     <p:extLst>
       <p:ext uri="{BB962C8B-B14F-4D97-AF65-F5344CB8AC3E}">
-        <p14:creationId xmlns:p14="http://schemas.microsoft.com/office/powerpoint/2010/main" val="1032896405"/>
+        <p14:creationId xmlns:p14="http://schemas.microsoft.com/office/powerpoint/2010/main" val="2167766357"/>
       </p:ext>
     </p:extLst>
   </p:cSld>
@@ -5672,7 +11237,7 @@
           <p:cNvPr id="2" name="Title 1">
             <a:extLst>
               <a:ext uri="{FF2B5EF4-FFF2-40B4-BE49-F238E27FC236}">
-                <a16:creationId xmlns:a16="http://schemas.microsoft.com/office/drawing/2014/main" id="{52A5E02D-F4FA-8AAD-5F90-58288CE2042F}"/>
+                <a16:creationId xmlns:a16="http://schemas.microsoft.com/office/drawing/2014/main" id="{C6F80094-4132-0091-CD6A-C6A826CA6FD3}"/>
               </a:ext>
             </a:extLst>
           </p:cNvPr>
@@ -5685,14 +11250,127 @@
         </p:nvSpPr>
         <p:spPr/>
         <p:txBody>
-          <a:bodyPr>
-            <a:normAutofit/>
+          <a:bodyPr/>
+          <a:lstStyle/>
+          <a:p>
+            <a:r>
+              <a:rPr lang="en-US" dirty="0"/>
+              <a:t>Infinitely long vector</a:t>
+            </a:r>
+            <a:endParaRPr lang="en-AE" dirty="0"/>
+          </a:p>
+        </p:txBody>
+      </p:sp>
+      <p:sp>
+        <p:nvSpPr>
+          <p:cNvPr id="5" name="TextBox 4">
+            <a:extLst>
+              <a:ext uri="{FF2B5EF4-FFF2-40B4-BE49-F238E27FC236}">
+                <a16:creationId xmlns:a16="http://schemas.microsoft.com/office/drawing/2014/main" id="{45A15BE3-1CB3-2A00-2AEA-65AC4B51FC5C}"/>
+              </a:ext>
+            </a:extLst>
+          </p:cNvPr>
+          <p:cNvSpPr txBox="1"/>
+          <p:nvPr/>
+        </p:nvSpPr>
+        <p:spPr>
+          <a:xfrm>
+            <a:off x="8862470" y="2161496"/>
+            <a:ext cx="1946781" cy="1384995"/>
+          </a:xfrm>
+          <a:prstGeom prst="rect">
+            <a:avLst/>
+          </a:prstGeom>
+          <a:noFill/>
+        </p:spPr>
+        <p:txBody>
+          <a:bodyPr wrap="square" rtlCol="0">
+            <a:spAutoFit/>
           </a:bodyPr>
           <a:lstStyle/>
           <a:p>
             <a:r>
+              <a:rPr lang="en-US" sz="2800" b="1" dirty="0"/>
+              <a:t>Infinitely long vector</a:t>
+            </a:r>
+            <a:endParaRPr lang="en-AE" sz="2800" b="1" dirty="0"/>
+          </a:p>
+        </p:txBody>
+      </p:sp>
+      <p:cxnSp>
+        <p:nvCxnSpPr>
+          <p:cNvPr id="6" name="Straight Arrow Connector 5">
+            <a:extLst>
+              <a:ext uri="{FF2B5EF4-FFF2-40B4-BE49-F238E27FC236}">
+                <a16:creationId xmlns:a16="http://schemas.microsoft.com/office/drawing/2014/main" id="{1686ED4E-69C4-4469-ED24-55FBC8C24D8C}"/>
+              </a:ext>
+            </a:extLst>
+          </p:cNvPr>
+          <p:cNvCxnSpPr>
+            <a:cxnSpLocks/>
+            <a:stCxn id="10" idx="3"/>
+            <a:endCxn id="5" idx="1"/>
+          </p:cNvCxnSpPr>
+          <p:nvPr/>
+        </p:nvCxnSpPr>
+        <p:spPr>
+          <a:xfrm>
+            <a:off x="6597220" y="2828836"/>
+            <a:ext cx="2265250" cy="25158"/>
+          </a:xfrm>
+          <a:prstGeom prst="straightConnector1">
+            <a:avLst/>
+          </a:prstGeom>
+          <a:ln>
+            <a:tailEnd type="triangle"/>
+          </a:ln>
+        </p:spPr>
+        <p:style>
+          <a:lnRef idx="1">
+            <a:schemeClr val="accent1"/>
+          </a:lnRef>
+          <a:fillRef idx="0">
+            <a:schemeClr val="accent1"/>
+          </a:fillRef>
+          <a:effectRef idx="0">
+            <a:schemeClr val="accent1"/>
+          </a:effectRef>
+          <a:fontRef idx="minor">
+            <a:schemeClr val="tx1"/>
+          </a:fontRef>
+        </p:style>
+      </p:cxnSp>
+      <p:sp>
+        <p:nvSpPr>
+          <p:cNvPr id="7" name="TextBox 6">
+            <a:extLst>
+              <a:ext uri="{FF2B5EF4-FFF2-40B4-BE49-F238E27FC236}">
+                <a16:creationId xmlns:a16="http://schemas.microsoft.com/office/drawing/2014/main" id="{EEF59729-723B-791F-9642-A7139D936977}"/>
+              </a:ext>
+            </a:extLst>
+          </p:cNvPr>
+          <p:cNvSpPr txBox="1"/>
+          <p:nvPr/>
+        </p:nvSpPr>
+        <p:spPr>
+          <a:xfrm>
+            <a:off x="6760334" y="2355460"/>
+            <a:ext cx="2102137" cy="369332"/>
+          </a:xfrm>
+          <a:prstGeom prst="rect">
+            <a:avLst/>
+          </a:prstGeom>
+          <a:noFill/>
+        </p:spPr>
+        <p:txBody>
+          <a:bodyPr wrap="square" rtlCol="0">
+            <a:spAutoFit/>
+          </a:bodyPr>
+          <a:lstStyle/>
+          <a:p>
+            <a:r>
               <a:rPr lang="en-US" dirty="0"/>
-              <a:t>Smooth functions</a:t>
+              <a:t>A random sample</a:t>
             </a:r>
             <a:endParaRPr lang="en-AE" dirty="0"/>
           </a:p>
@@ -5700,49 +11378,275 @@
       </p:sp>
       <p:sp>
         <p:nvSpPr>
-          <p:cNvPr id="3" name="Content Placeholder 2">
-            <a:extLst>
-              <a:ext uri="{FF2B5EF4-FFF2-40B4-BE49-F238E27FC236}">
-                <a16:creationId xmlns:a16="http://schemas.microsoft.com/office/drawing/2014/main" id="{7CC8C399-5305-38BE-E9F0-0B788F5F1DEB}"/>
-              </a:ext>
-            </a:extLst>
-          </p:cNvPr>
-          <p:cNvSpPr>
-            <a:spLocks noGrp="1"/>
-          </p:cNvSpPr>
-          <p:nvPr>
-            <p:ph idx="1"/>
-          </p:nvPr>
-        </p:nvSpPr>
-        <p:spPr/>
-        <p:txBody>
-          <a:bodyPr/>
+          <p:cNvPr id="10" name="TextBox 9">
+            <a:extLst>
+              <a:ext uri="{FF2B5EF4-FFF2-40B4-BE49-F238E27FC236}">
+                <a16:creationId xmlns:a16="http://schemas.microsoft.com/office/drawing/2014/main" id="{0F36BD93-8FA9-66AE-091F-F2B8BDB15312}"/>
+              </a:ext>
+            </a:extLst>
+          </p:cNvPr>
+          <p:cNvSpPr txBox="1"/>
+          <p:nvPr/>
+        </p:nvSpPr>
+        <p:spPr>
+          <a:xfrm>
+            <a:off x="1343025" y="2228671"/>
+            <a:ext cx="5254195" cy="1200329"/>
+          </a:xfrm>
+          <a:prstGeom prst="rect">
+            <a:avLst/>
+          </a:prstGeom>
+          <a:noFill/>
+          <a:ln>
+            <a:solidFill>
+              <a:schemeClr val="accent1">
+                <a:shade val="50000"/>
+              </a:schemeClr>
+            </a:solidFill>
+          </a:ln>
+        </p:spPr>
+        <p:txBody>
+          <a:bodyPr wrap="square" rtlCol="0">
+            <a:spAutoFit/>
+          </a:bodyPr>
           <a:lstStyle/>
           <a:p>
-            <a:r>
-              <a:rPr lang="en-US" dirty="0"/>
-              <a:t>Correlated random samples</a:t>
-            </a:r>
-            <a:endParaRPr lang="en-AE" dirty="0"/>
+            <a:pPr algn="ctr"/>
+            <a:r>
+              <a:rPr lang="en-US" sz="7200" dirty="0"/>
+              <a:t>?</a:t>
+            </a:r>
+            <a:endParaRPr lang="en-AE" sz="7200" dirty="0"/>
+          </a:p>
+        </p:txBody>
+      </p:sp>
+      <p:sp>
+        <p:nvSpPr>
+          <p:cNvPr id="15" name="TextBox 14">
+            <a:extLst>
+              <a:ext uri="{FF2B5EF4-FFF2-40B4-BE49-F238E27FC236}">
+                <a16:creationId xmlns:a16="http://schemas.microsoft.com/office/drawing/2014/main" id="{8F9A0F80-0CEC-3C01-700C-AA5CDD8304C6}"/>
+              </a:ext>
+            </a:extLst>
+          </p:cNvPr>
+          <p:cNvSpPr txBox="1"/>
+          <p:nvPr/>
+        </p:nvSpPr>
+        <p:spPr>
+          <a:xfrm>
+            <a:off x="1343025" y="4230255"/>
+            <a:ext cx="5254195" cy="1077218"/>
+          </a:xfrm>
+          <a:prstGeom prst="rect">
+            <a:avLst/>
+          </a:prstGeom>
+          <a:noFill/>
+        </p:spPr>
+        <p:txBody>
+          <a:bodyPr wrap="square" rtlCol="0">
+            <a:spAutoFit/>
+          </a:bodyPr>
+          <a:lstStyle/>
+          <a:p>
+            <a:r>
+              <a:rPr lang="en-US" sz="3200" dirty="0"/>
+              <a:t>Infinite dimensional probability distribution</a:t>
+            </a:r>
+            <a:endParaRPr lang="en-AE" sz="3200" dirty="0"/>
+          </a:p>
+        </p:txBody>
+      </p:sp>
+      <p:sp>
+        <p:nvSpPr>
+          <p:cNvPr id="16" name="TextBox 15">
+            <a:extLst>
+              <a:ext uri="{FF2B5EF4-FFF2-40B4-BE49-F238E27FC236}">
+                <a16:creationId xmlns:a16="http://schemas.microsoft.com/office/drawing/2014/main" id="{8D3284D1-5F3B-1C19-794A-5A9292F55EF3}"/>
+              </a:ext>
+            </a:extLst>
+          </p:cNvPr>
+          <p:cNvSpPr txBox="1"/>
+          <p:nvPr/>
+        </p:nvSpPr>
+        <p:spPr>
+          <a:xfrm>
+            <a:off x="6348246" y="4029165"/>
+            <a:ext cx="5625218" cy="1815882"/>
+          </a:xfrm>
+          <a:prstGeom prst="rect">
+            <a:avLst/>
+          </a:prstGeom>
+          <a:noFill/>
+        </p:spPr>
+        <p:txBody>
+          <a:bodyPr wrap="square" rtlCol="0">
+            <a:spAutoFit/>
+          </a:bodyPr>
+          <a:lstStyle/>
+          <a:p>
+            <a:r>
+              <a:rPr lang="en-US" sz="2800" dirty="0"/>
+              <a:t>Functions are random samples from infinite dimensional probability distributions!</a:t>
+            </a:r>
+          </a:p>
+          <a:p>
+            <a:pPr algn="ctr"/>
+            <a:r>
+              <a:rPr lang="en-US" sz="2800" dirty="0"/>
+              <a:t>ANY KIND OF DISTRIBUTION</a:t>
+            </a:r>
+            <a:endParaRPr lang="en-AE" sz="2800" dirty="0"/>
           </a:p>
         </p:txBody>
       </p:sp>
     </p:spTree>
     <p:extLst>
       <p:ext uri="{BB962C8B-B14F-4D97-AF65-F5344CB8AC3E}">
-        <p14:creationId xmlns:p14="http://schemas.microsoft.com/office/powerpoint/2010/main" val="3539753019"/>
+        <p14:creationId xmlns:p14="http://schemas.microsoft.com/office/powerpoint/2010/main" val="279425046"/>
       </p:ext>
     </p:extLst>
   </p:cSld>
   <p:clrMapOvr>
     <a:masterClrMapping/>
   </p:clrMapOvr>
+  <p:timing>
+    <p:tnLst>
+      <p:par>
+        <p:cTn id="1" dur="indefinite" restart="never" nodeType="tmRoot">
+          <p:childTnLst>
+            <p:seq concurrent="1" nextAc="seek">
+              <p:cTn id="2" dur="indefinite" nodeType="mainSeq">
+                <p:childTnLst>
+                  <p:par>
+                    <p:cTn id="3" fill="hold">
+                      <p:stCondLst>
+                        <p:cond delay="indefinite"/>
+                      </p:stCondLst>
+                      <p:childTnLst>
+                        <p:par>
+                          <p:cTn id="4" fill="hold">
+                            <p:stCondLst>
+                              <p:cond delay="0"/>
+                            </p:stCondLst>
+                            <p:childTnLst>
+                              <p:par>
+                                <p:cTn id="5" presetID="1" presetClass="entr" presetSubtype="0" fill="hold" grpId="0" nodeType="clickEffect">
+                                  <p:stCondLst>
+                                    <p:cond delay="0"/>
+                                  </p:stCondLst>
+                                  <p:childTnLst>
+                                    <p:set>
+                                      <p:cBhvr>
+                                        <p:cTn id="6" dur="1" fill="hold">
+                                          <p:stCondLst>
+                                            <p:cond delay="0"/>
+                                          </p:stCondLst>
+                                        </p:cTn>
+                                        <p:tgtEl>
+                                          <p:spTgt spid="15"/>
+                                        </p:tgtEl>
+                                        <p:attrNameLst>
+                                          <p:attrName>style.visibility</p:attrName>
+                                        </p:attrNameLst>
+                                      </p:cBhvr>
+                                      <p:to>
+                                        <p:strVal val="visible"/>
+                                      </p:to>
+                                    </p:set>
+                                  </p:childTnLst>
+                                </p:cTn>
+                              </p:par>
+                            </p:childTnLst>
+                          </p:cTn>
+                        </p:par>
+                      </p:childTnLst>
+                    </p:cTn>
+                  </p:par>
+                  <p:par>
+                    <p:cTn id="7" fill="hold">
+                      <p:stCondLst>
+                        <p:cond delay="indefinite"/>
+                      </p:stCondLst>
+                      <p:childTnLst>
+                        <p:par>
+                          <p:cTn id="8" fill="hold">
+                            <p:stCondLst>
+                              <p:cond delay="0"/>
+                            </p:stCondLst>
+                            <p:childTnLst>
+                              <p:par>
+                                <p:cTn id="9" presetID="1" presetClass="entr" presetSubtype="0" fill="hold" grpId="0" nodeType="clickEffect">
+                                  <p:stCondLst>
+                                    <p:cond delay="0"/>
+                                  </p:stCondLst>
+                                  <p:childTnLst>
+                                    <p:set>
+                                      <p:cBhvr>
+                                        <p:cTn id="10" dur="1" fill="hold">
+                                          <p:stCondLst>
+                                            <p:cond delay="0"/>
+                                          </p:stCondLst>
+                                        </p:cTn>
+                                        <p:tgtEl>
+                                          <p:spTgt spid="16"/>
+                                        </p:tgtEl>
+                                        <p:attrNameLst>
+                                          <p:attrName>style.visibility</p:attrName>
+                                        </p:attrNameLst>
+                                      </p:cBhvr>
+                                      <p:to>
+                                        <p:strVal val="visible"/>
+                                      </p:to>
+                                    </p:set>
+                                  </p:childTnLst>
+                                </p:cTn>
+                              </p:par>
+                            </p:childTnLst>
+                          </p:cTn>
+                        </p:par>
+                      </p:childTnLst>
+                    </p:cTn>
+                  </p:par>
+                </p:childTnLst>
+              </p:cTn>
+              <p:prevCondLst>
+                <p:cond evt="onPrev" delay="0">
+                  <p:tgtEl>
+                    <p:sldTgt/>
+                  </p:tgtEl>
+                </p:cond>
+              </p:prevCondLst>
+              <p:nextCondLst>
+                <p:cond evt="onNext" delay="0">
+                  <p:tgtEl>
+                    <p:sldTgt/>
+                  </p:tgtEl>
+                </p:cond>
+              </p:nextCondLst>
+            </p:seq>
+          </p:childTnLst>
+        </p:cTn>
+      </p:par>
+    </p:tnLst>
+    <p:bldLst>
+      <p:bldP spid="15" grpId="0"/>
+      <p:bldP spid="16" grpId="0"/>
+    </p:bldLst>
+  </p:timing>
 </p:sld>
 </file>
 
 <file path=ppt/slides/slide6.xml><?xml version="1.0" encoding="utf-8"?>
 <p:sld xmlns:a="http://schemas.openxmlformats.org/drawingml/2006/main" xmlns:r="http://schemas.openxmlformats.org/officeDocument/2006/relationships" xmlns:p="http://schemas.openxmlformats.org/presentationml/2006/main">
   <p:cSld>
+    <p:bg>
+      <p:bgPr>
+        <a:solidFill>
+          <a:schemeClr val="bg2"/>
+        </a:solidFill>
+        <a:effectLst/>
+      </p:bgPr>
+    </p:bg>
     <p:spTree>
       <p:nvGrpSpPr>
         <p:cNvPr id="1" name=""/>
@@ -5757,12 +11661,206 @@
           <a:chExt cx="0" cy="0"/>
         </a:xfrm>
       </p:grpSpPr>
+      <p:cxnSp>
+        <p:nvCxnSpPr>
+          <p:cNvPr id="2055" name="Straight Connector 2054">
+            <a:extLst>
+              <a:ext uri="{FF2B5EF4-FFF2-40B4-BE49-F238E27FC236}">
+                <a16:creationId xmlns:a16="http://schemas.microsoft.com/office/drawing/2014/main" id="{5506D940-CD1A-46A6-8495-AD6F6CF8B13C}"/>
+              </a:ext>
+              <a:ext uri="{C183D7F6-B498-43B3-948B-1728B52AA6E4}">
+                <adec:decorative xmlns:adec="http://schemas.microsoft.com/office/drawing/2017/decorative" val="1"/>
+              </a:ext>
+            </a:extLst>
+          </p:cNvPr>
+          <p:cNvCxnSpPr>
+            <a:cxnSpLocks noGrp="1" noRot="1" noChangeAspect="1" noMove="1" noResize="1" noEditPoints="1" noAdjustHandles="1" noChangeArrowheads="1" noChangeShapeType="1"/>
+          </p:cNvCxnSpPr>
+          <p:nvPr>
+            <p:extLst>
+              <p:ext uri="{386F3935-93C4-4BCD-93E2-E3B085C9AB24}">
+                <p16:designElem xmlns:p16="http://schemas.microsoft.com/office/powerpoint/2015/main" val="1"/>
+              </p:ext>
+            </p:extLst>
+          </p:nvPr>
+        </p:nvCxnSpPr>
+        <p:spPr>
+          <a:xfrm>
+            <a:off x="0" y="5958000"/>
+            <a:ext cx="12193200" cy="0"/>
+          </a:xfrm>
+          <a:prstGeom prst="line">
+            <a:avLst/>
+          </a:prstGeom>
+          <a:ln w="9525">
+            <a:solidFill>
+              <a:schemeClr val="tx2"/>
+            </a:solidFill>
+          </a:ln>
+        </p:spPr>
+        <p:style>
+          <a:lnRef idx="1">
+            <a:schemeClr val="accent1"/>
+          </a:lnRef>
+          <a:fillRef idx="0">
+            <a:schemeClr val="accent1"/>
+          </a:fillRef>
+          <a:effectRef idx="0">
+            <a:schemeClr val="accent1"/>
+          </a:effectRef>
+          <a:fontRef idx="minor">
+            <a:schemeClr val="tx1"/>
+          </a:fontRef>
+        </p:style>
+      </p:cxnSp>
+      <p:sp useBgFill="1">
+        <p:nvSpPr>
+          <p:cNvPr id="2057" name="Rectangle 2056">
+            <a:extLst>
+              <a:ext uri="{FF2B5EF4-FFF2-40B4-BE49-F238E27FC236}">
+                <a16:creationId xmlns:a16="http://schemas.microsoft.com/office/drawing/2014/main" id="{8384DFCF-812D-4D4D-AF17-87CF24095564}"/>
+              </a:ext>
+              <a:ext uri="{C183D7F6-B498-43B3-948B-1728B52AA6E4}">
+                <adec:decorative xmlns:adec="http://schemas.microsoft.com/office/drawing/2017/decorative" val="1"/>
+              </a:ext>
+            </a:extLst>
+          </p:cNvPr>
+          <p:cNvSpPr>
+            <a:spLocks noGrp="1" noRot="1" noChangeAspect="1" noMove="1" noResize="1" noEditPoints="1" noAdjustHandles="1" noChangeArrowheads="1" noChangeShapeType="1" noTextEdit="1"/>
+          </p:cNvSpPr>
+          <p:nvPr>
+            <p:extLst>
+              <p:ext uri="{386F3935-93C4-4BCD-93E2-E3B085C9AB24}">
+                <p16:designElem xmlns:p16="http://schemas.microsoft.com/office/powerpoint/2015/main" val="1"/>
+              </p:ext>
+            </p:extLst>
+          </p:nvPr>
+        </p:nvSpPr>
+        <p:spPr>
+          <a:xfrm>
+            <a:off x="0" y="0"/>
+            <a:ext cx="12192000" cy="6858000"/>
+          </a:xfrm>
+          <a:prstGeom prst="rect">
+            <a:avLst/>
+          </a:prstGeom>
+          <a:ln w="12700" cap="flat" cmpd="sng" algn="ctr">
+            <a:noFill/>
+            <a:prstDash val="solid"/>
+            <a:miter lim="800000"/>
+          </a:ln>
+          <a:effectLst/>
+          <a:extLst>
+            <a:ext uri="{91240B29-F687-4F45-9708-019B960494DF}">
+              <a14:hiddenLine xmlns:a14="http://schemas.microsoft.com/office/drawing/2010/main" w="12700" cap="flat" cmpd="sng" algn="ctr">
+                <a:solidFill>
+                  <a:schemeClr val="accent1">
+                    <a:shade val="50000"/>
+                  </a:schemeClr>
+                </a:solidFill>
+                <a:prstDash val="solid"/>
+                <a:miter lim="800000"/>
+              </a14:hiddenLine>
+            </a:ext>
+          </a:extLst>
+        </p:spPr>
+        <p:style>
+          <a:lnRef idx="2">
+            <a:schemeClr val="accent1">
+              <a:shade val="50000"/>
+            </a:schemeClr>
+          </a:lnRef>
+          <a:fillRef idx="1">
+            <a:schemeClr val="accent1"/>
+          </a:fillRef>
+          <a:effectRef idx="0">
+            <a:schemeClr val="accent1"/>
+          </a:effectRef>
+          <a:fontRef idx="minor">
+            <a:schemeClr val="lt1"/>
+          </a:fontRef>
+        </p:style>
+        <p:txBody>
+          <a:bodyPr rtlCol="0" anchor="ctr"/>
+          <a:lstStyle/>
+          <a:p>
+            <a:pPr algn="ctr"/>
+            <a:endParaRPr lang="en-US"/>
+          </a:p>
+        </p:txBody>
+      </p:sp>
+      <p:sp>
+        <p:nvSpPr>
+          <p:cNvPr id="2059" name="Rectangle 2058">
+            <a:extLst>
+              <a:ext uri="{FF2B5EF4-FFF2-40B4-BE49-F238E27FC236}">
+                <a16:creationId xmlns:a16="http://schemas.microsoft.com/office/drawing/2014/main" id="{261A7874-B5D6-41C7-9C9D-14BFF206AAC1}"/>
+              </a:ext>
+              <a:ext uri="{C183D7F6-B498-43B3-948B-1728B52AA6E4}">
+                <adec:decorative xmlns:adec="http://schemas.microsoft.com/office/drawing/2017/decorative" val="1"/>
+              </a:ext>
+            </a:extLst>
+          </p:cNvPr>
+          <p:cNvSpPr>
+            <a:spLocks noGrp="1" noRot="1" noChangeAspect="1" noMove="1" noResize="1" noEditPoints="1" noAdjustHandles="1" noChangeArrowheads="1" noChangeShapeType="1" noTextEdit="1"/>
+          </p:cNvSpPr>
+          <p:nvPr>
+            <p:extLst>
+              <p:ext uri="{386F3935-93C4-4BCD-93E2-E3B085C9AB24}">
+                <p16:designElem xmlns:p16="http://schemas.microsoft.com/office/powerpoint/2015/main" val="1"/>
+              </p:ext>
+            </p:extLst>
+          </p:nvPr>
+        </p:nvSpPr>
+        <p:spPr>
+          <a:xfrm>
+            <a:off x="1" y="0"/>
+            <a:ext cx="6311900" cy="6858000"/>
+          </a:xfrm>
+          <a:prstGeom prst="rect">
+            <a:avLst/>
+          </a:prstGeom>
+          <a:solidFill>
+            <a:schemeClr val="tx2"/>
+          </a:solidFill>
+          <a:ln w="12700" cap="flat" cmpd="sng" algn="ctr">
+            <a:noFill/>
+            <a:prstDash val="solid"/>
+            <a:miter lim="800000"/>
+          </a:ln>
+          <a:effectLst/>
+        </p:spPr>
+        <p:style>
+          <a:lnRef idx="2">
+            <a:schemeClr val="accent1">
+              <a:shade val="50000"/>
+            </a:schemeClr>
+          </a:lnRef>
+          <a:fillRef idx="1">
+            <a:schemeClr val="accent1"/>
+          </a:fillRef>
+          <a:effectRef idx="0">
+            <a:schemeClr val="accent1"/>
+          </a:effectRef>
+          <a:fontRef idx="minor">
+            <a:schemeClr val="lt1"/>
+          </a:fontRef>
+        </p:style>
+        <p:txBody>
+          <a:bodyPr rtlCol="0" anchor="ctr"/>
+          <a:lstStyle/>
+          <a:p>
+            <a:pPr algn="ctr"/>
+            <a:endParaRPr lang="en-US"/>
+          </a:p>
+        </p:txBody>
+      </p:sp>
       <p:sp>
         <p:nvSpPr>
           <p:cNvPr id="2" name="Title 1">
             <a:extLst>
               <a:ext uri="{FF2B5EF4-FFF2-40B4-BE49-F238E27FC236}">
-                <a16:creationId xmlns:a16="http://schemas.microsoft.com/office/drawing/2014/main" id="{7F66D0E7-398A-87D3-BA78-9CA2C6D3E63C}"/>
+                <a16:creationId xmlns:a16="http://schemas.microsoft.com/office/drawing/2014/main" id="{7279CAF4-F90B-DE1E-BA0C-6414243CFB92}"/>
               </a:ext>
             </a:extLst>
           </p:cNvPr>
@@ -5773,16 +11871,304 @@
             <p:ph type="title"/>
           </p:nvPr>
         </p:nvSpPr>
-        <p:spPr/>
-        <p:txBody>
-          <a:bodyPr>
+        <p:spPr>
+          <a:xfrm>
+            <a:off x="1342801" y="324000"/>
+            <a:ext cx="4537300" cy="2658894"/>
+          </a:xfrm>
+        </p:spPr>
+        <p:txBody>
+          <a:bodyPr vert="horz" wrap="square" lIns="0" tIns="0" rIns="0" bIns="0" rtlCol="0" anchor="t" anchorCtr="0">
             <a:normAutofit/>
           </a:bodyPr>
           <a:lstStyle/>
           <a:p>
             <a:r>
+              <a:rPr lang="en-US" dirty="0">
+                <a:solidFill>
+                  <a:schemeClr val="bg2"/>
+                </a:solidFill>
+              </a:rPr>
+              <a:t>So, who took my domain away?</a:t>
+            </a:r>
+          </a:p>
+        </p:txBody>
+      </p:sp>
+      <p:cxnSp>
+        <p:nvCxnSpPr>
+          <p:cNvPr id="2061" name="Straight Connector 2060">
+            <a:extLst>
+              <a:ext uri="{FF2B5EF4-FFF2-40B4-BE49-F238E27FC236}">
+                <a16:creationId xmlns:a16="http://schemas.microsoft.com/office/drawing/2014/main" id="{B0E17F91-3488-4CC0-9982-10628CE7C0C0}"/>
+              </a:ext>
+              <a:ext uri="{C183D7F6-B498-43B3-948B-1728B52AA6E4}">
+                <adec:decorative xmlns:adec="http://schemas.microsoft.com/office/drawing/2017/decorative" val="1"/>
+              </a:ext>
+            </a:extLst>
+          </p:cNvPr>
+          <p:cNvCxnSpPr>
+            <a:cxnSpLocks noGrp="1" noRot="1" noChangeAspect="1" noMove="1" noResize="1" noEditPoints="1" noAdjustHandles="1" noChangeArrowheads="1" noChangeShapeType="1"/>
+          </p:cNvCxnSpPr>
+          <p:nvPr>
+            <p:extLst>
+              <p:ext uri="{386F3935-93C4-4BCD-93E2-E3B085C9AB24}">
+                <p16:designElem xmlns:p16="http://schemas.microsoft.com/office/powerpoint/2015/main" val="1"/>
+              </p:ext>
+            </p:extLst>
+          </p:nvPr>
+        </p:nvCxnSpPr>
+        <p:spPr>
+          <a:xfrm>
+            <a:off x="900000" y="0"/>
+            <a:ext cx="0" cy="6858000"/>
+          </a:xfrm>
+          <a:prstGeom prst="line">
+            <a:avLst/>
+          </a:prstGeom>
+          <a:ln w="9525">
+            <a:solidFill>
+              <a:schemeClr val="bg2"/>
+            </a:solidFill>
+          </a:ln>
+        </p:spPr>
+        <p:style>
+          <a:lnRef idx="1">
+            <a:schemeClr val="accent1"/>
+          </a:lnRef>
+          <a:fillRef idx="0">
+            <a:schemeClr val="accent1"/>
+          </a:fillRef>
+          <a:effectRef idx="0">
+            <a:schemeClr val="accent1"/>
+          </a:effectRef>
+          <a:fontRef idx="minor">
+            <a:schemeClr val="tx1"/>
+          </a:fontRef>
+        </p:style>
+      </p:cxnSp>
+      <p:cxnSp>
+        <p:nvCxnSpPr>
+          <p:cNvPr id="2063" name="Straight Connector 2062">
+            <a:extLst>
+              <a:ext uri="{FF2B5EF4-FFF2-40B4-BE49-F238E27FC236}">
+                <a16:creationId xmlns:a16="http://schemas.microsoft.com/office/drawing/2014/main" id="{777259FD-9282-4F3A-A093-393FC1CC9DAB}"/>
+              </a:ext>
+              <a:ext uri="{C183D7F6-B498-43B3-948B-1728B52AA6E4}">
+                <adec:decorative xmlns:adec="http://schemas.microsoft.com/office/drawing/2017/decorative" val="1"/>
+              </a:ext>
+            </a:extLst>
+          </p:cNvPr>
+          <p:cNvCxnSpPr>
+            <a:cxnSpLocks noGrp="1" noRot="1" noChangeAspect="1" noMove="1" noResize="1" noEditPoints="1" noAdjustHandles="1" noChangeArrowheads="1" noChangeShapeType="1"/>
+          </p:cNvCxnSpPr>
+          <p:nvPr>
+            <p:extLst>
+              <p:ext uri="{386F3935-93C4-4BCD-93E2-E3B085C9AB24}">
+                <p16:designElem xmlns:p16="http://schemas.microsoft.com/office/powerpoint/2015/main" val="1"/>
+              </p:ext>
+            </p:extLst>
+          </p:nvPr>
+        </p:nvCxnSpPr>
+        <p:spPr>
+          <a:xfrm>
+            <a:off x="6311900" y="0"/>
+            <a:ext cx="0" cy="6858000"/>
+          </a:xfrm>
+          <a:prstGeom prst="line">
+            <a:avLst/>
+          </a:prstGeom>
+          <a:ln w="9525">
+            <a:solidFill>
+              <a:schemeClr val="bg2"/>
+            </a:solidFill>
+          </a:ln>
+        </p:spPr>
+        <p:style>
+          <a:lnRef idx="1">
+            <a:schemeClr val="accent1"/>
+          </a:lnRef>
+          <a:fillRef idx="0">
+            <a:schemeClr val="accent1"/>
+          </a:fillRef>
+          <a:effectRef idx="0">
+            <a:schemeClr val="accent1"/>
+          </a:effectRef>
+          <a:fontRef idx="minor">
+            <a:schemeClr val="tx1"/>
+          </a:fontRef>
+        </p:style>
+      </p:cxnSp>
+      <p:cxnSp>
+        <p:nvCxnSpPr>
+          <p:cNvPr id="2065" name="Straight Connector 2064">
+            <a:extLst>
+              <a:ext uri="{FF2B5EF4-FFF2-40B4-BE49-F238E27FC236}">
+                <a16:creationId xmlns:a16="http://schemas.microsoft.com/office/drawing/2014/main" id="{EB0CD40E-0F8A-4A0E-B83E-092F9B0E5B0D}"/>
+              </a:ext>
+              <a:ext uri="{C183D7F6-B498-43B3-948B-1728B52AA6E4}">
+                <adec:decorative xmlns:adec="http://schemas.microsoft.com/office/drawing/2017/decorative" val="1"/>
+              </a:ext>
+            </a:extLst>
+          </p:cNvPr>
+          <p:cNvCxnSpPr>
+            <a:cxnSpLocks noGrp="1" noRot="1" noChangeAspect="1" noMove="1" noResize="1" noEditPoints="1" noAdjustHandles="1" noChangeArrowheads="1" noChangeShapeType="1"/>
+          </p:cNvCxnSpPr>
+          <p:nvPr>
+            <p:extLst>
+              <p:ext uri="{386F3935-93C4-4BCD-93E2-E3B085C9AB24}">
+                <p16:designElem xmlns:p16="http://schemas.microsoft.com/office/powerpoint/2015/main" val="1"/>
+              </p:ext>
+            </p:extLst>
+          </p:nvPr>
+        </p:nvCxnSpPr>
+        <p:spPr>
+          <a:xfrm>
+            <a:off x="899999" y="3429000"/>
+            <a:ext cx="5411901" cy="0"/>
+          </a:xfrm>
+          <a:prstGeom prst="line">
+            <a:avLst/>
+          </a:prstGeom>
+          <a:ln w="9525">
+            <a:solidFill>
+              <a:schemeClr val="bg2"/>
+            </a:solidFill>
+          </a:ln>
+        </p:spPr>
+        <p:style>
+          <a:lnRef idx="1">
+            <a:schemeClr val="accent1"/>
+          </a:lnRef>
+          <a:fillRef idx="0">
+            <a:schemeClr val="accent1"/>
+          </a:fillRef>
+          <a:effectRef idx="0">
+            <a:schemeClr val="accent1"/>
+          </a:effectRef>
+          <a:fontRef idx="minor">
+            <a:schemeClr val="tx1"/>
+          </a:fontRef>
+        </p:style>
+      </p:cxnSp>
+      <p:pic>
+        <p:nvPicPr>
+          <p:cNvPr id="2050" name="Picture 2" descr="Jerry Likes His Cheese Postcard | Zazzle.com | Tom and jerry funny, Tom and  jerry cartoon, Tom and jerry">
+            <a:extLst>
+              <a:ext uri="{FF2B5EF4-FFF2-40B4-BE49-F238E27FC236}">
+                <a16:creationId xmlns:a16="http://schemas.microsoft.com/office/drawing/2014/main" id="{68DB71C9-0579-1C5A-CC8A-12F40A9E525E}"/>
+              </a:ext>
+            </a:extLst>
+          </p:cNvPr>
+          <p:cNvPicPr>
+            <a:picLocks noChangeAspect="1" noChangeArrowheads="1"/>
+          </p:cNvPicPr>
+          <p:nvPr/>
+        </p:nvPicPr>
+        <p:blipFill>
+          <a:blip r:embed="rId2">
+            <a:extLst>
+              <a:ext uri="{28A0092B-C50C-407E-A947-70E740481C1C}">
+                <a14:useLocalDpi xmlns:a14="http://schemas.microsoft.com/office/drawing/2010/main" val="0"/>
+              </a:ext>
+            </a:extLst>
+          </a:blip>
+          <a:stretch>
+            <a:fillRect/>
+          </a:stretch>
+        </p:blipFill>
+        <p:spPr bwMode="auto">
+          <a:xfrm>
+            <a:off x="6761899" y="938951"/>
+            <a:ext cx="4980102" cy="4980102"/>
+          </a:xfrm>
+          <a:custGeom>
+            <a:avLst/>
+            <a:gdLst/>
+            <a:ahLst/>
+            <a:cxnLst/>
+            <a:rect l="l" t="t" r="r" b="b"/>
+            <a:pathLst>
+              <a:path w="5880100" h="6857999">
+                <a:moveTo>
+                  <a:pt x="0" y="0"/>
+                </a:moveTo>
+                <a:lnTo>
+                  <a:pt x="5880100" y="0"/>
+                </a:lnTo>
+                <a:lnTo>
+                  <a:pt x="5880100" y="6857999"/>
+                </a:lnTo>
+                <a:lnTo>
+                  <a:pt x="0" y="6857999"/>
+                </a:lnTo>
+                <a:close/>
+              </a:path>
+            </a:pathLst>
+          </a:custGeom>
+          <a:noFill/>
+          <a:extLst>
+            <a:ext uri="{909E8E84-426E-40DD-AFC4-6F175D3DCCD1}">
+              <a14:hiddenFill xmlns:a14="http://schemas.microsoft.com/office/drawing/2010/main">
+                <a:solidFill>
+                  <a:srgbClr val="FFFFFF"/>
+                </a:solidFill>
+              </a14:hiddenFill>
+            </a:ext>
+          </a:extLst>
+        </p:spPr>
+      </p:pic>
+      <p:sp>
+        <p:nvSpPr>
+          <p:cNvPr id="4" name="TextBox 3">
+            <a:extLst>
+              <a:ext uri="{FF2B5EF4-FFF2-40B4-BE49-F238E27FC236}">
+                <a16:creationId xmlns:a16="http://schemas.microsoft.com/office/drawing/2014/main" id="{6C48CC9C-78BA-921A-F6E9-E94D676F5040}"/>
+              </a:ext>
+            </a:extLst>
+          </p:cNvPr>
+          <p:cNvSpPr txBox="1"/>
+          <p:nvPr/>
+        </p:nvSpPr>
+        <p:spPr>
+          <a:xfrm>
+            <a:off x="1342801" y="3851564"/>
+            <a:ext cx="4537294" cy="2031325"/>
+          </a:xfrm>
+          <a:prstGeom prst="rect">
+            <a:avLst/>
+          </a:prstGeom>
+          <a:noFill/>
+        </p:spPr>
+        <p:txBody>
+          <a:bodyPr wrap="square" rtlCol="0">
+            <a:spAutoFit/>
+          </a:bodyPr>
+          <a:lstStyle/>
+          <a:p>
+            <a:r>
               <a:rPr lang="en-US" dirty="0"/>
-              <a:t>Conditioned smooth functions</a:t>
+              <a:t>If function values are just random samples from infinite dimensional distribution:</a:t>
+            </a:r>
+          </a:p>
+          <a:p>
+            <a:endParaRPr lang="en-US" dirty="0"/>
+          </a:p>
+          <a:p>
+            <a:r>
+              <a:rPr lang="en-US" dirty="0"/>
+              <a:t>What happened to “domain”? </a:t>
+            </a:r>
+          </a:p>
+          <a:p>
+            <a:r>
+              <a:rPr lang="en-US" dirty="0"/>
+              <a:t>Not needed at all?</a:t>
+            </a:r>
+          </a:p>
+          <a:p>
+            <a:r>
+              <a:rPr lang="en-US" dirty="0"/>
+              <a:t>Doesn’t matter?</a:t>
             </a:r>
             <a:endParaRPr lang="en-AE" dirty="0"/>
           </a:p>
@@ -5790,25 +12176,53 @@
       </p:sp>
       <p:sp>
         <p:nvSpPr>
-          <p:cNvPr id="3" name="Content Placeholder 2">
-            <a:extLst>
-              <a:ext uri="{FF2B5EF4-FFF2-40B4-BE49-F238E27FC236}">
-                <a16:creationId xmlns:a16="http://schemas.microsoft.com/office/drawing/2014/main" id="{26B52E34-E45D-5483-EFCD-30ACD8ADE9C1}"/>
-              </a:ext>
-            </a:extLst>
-          </p:cNvPr>
-          <p:cNvSpPr>
-            <a:spLocks noGrp="1"/>
-          </p:cNvSpPr>
-          <p:nvPr>
-            <p:ph idx="1"/>
-          </p:nvPr>
-        </p:nvSpPr>
-        <p:spPr/>
-        <p:txBody>
-          <a:bodyPr/>
+          <p:cNvPr id="5" name="Thought Bubble: Cloud 4">
+            <a:extLst>
+              <a:ext uri="{FF2B5EF4-FFF2-40B4-BE49-F238E27FC236}">
+                <a16:creationId xmlns:a16="http://schemas.microsoft.com/office/drawing/2014/main" id="{1AB9F6AD-0D3E-7238-3C92-148BE11DC8B0}"/>
+              </a:ext>
+            </a:extLst>
+          </p:cNvPr>
+          <p:cNvSpPr/>
+          <p:nvPr/>
+        </p:nvSpPr>
+        <p:spPr>
+          <a:xfrm flipH="1">
+            <a:off x="8820727" y="-3162"/>
+            <a:ext cx="3001813" cy="2043947"/>
+          </a:xfrm>
+          <a:prstGeom prst="cloudCallout">
+            <a:avLst>
+              <a:gd name="adj1" fmla="val -5346"/>
+              <a:gd name="adj2" fmla="val 100007"/>
+            </a:avLst>
+          </a:prstGeom>
+        </p:spPr>
+        <p:style>
+          <a:lnRef idx="2">
+            <a:schemeClr val="accent1">
+              <a:shade val="50000"/>
+            </a:schemeClr>
+          </a:lnRef>
+          <a:fillRef idx="1">
+            <a:schemeClr val="accent1"/>
+          </a:fillRef>
+          <a:effectRef idx="0">
+            <a:schemeClr val="accent1"/>
+          </a:effectRef>
+          <a:fontRef idx="minor">
+            <a:schemeClr val="lt1"/>
+          </a:fontRef>
+        </p:style>
+        <p:txBody>
+          <a:bodyPr rtlCol="0" anchor="ctr"/>
           <a:lstStyle/>
           <a:p>
+            <a:pPr algn="ctr"/>
+            <a:r>
+              <a:rPr lang="en-US" dirty="0"/>
+              <a:t>That’s a domain jerry… not your cheese….. Hello… Bring it back…</a:t>
+            </a:r>
             <a:endParaRPr lang="en-AE" dirty="0"/>
           </a:p>
         </p:txBody>
@@ -5816,7 +12230,7 @@
     </p:spTree>
     <p:extLst>
       <p:ext uri="{BB962C8B-B14F-4D97-AF65-F5344CB8AC3E}">
-        <p14:creationId xmlns:p14="http://schemas.microsoft.com/office/powerpoint/2010/main" val="1595167207"/>
+        <p14:creationId xmlns:p14="http://schemas.microsoft.com/office/powerpoint/2010/main" val="3819213290"/>
       </p:ext>
     </p:extLst>
   </p:cSld>
@@ -5848,7 +12262,7 @@
           <p:cNvPr id="2" name="Title 1">
             <a:extLst>
               <a:ext uri="{FF2B5EF4-FFF2-40B4-BE49-F238E27FC236}">
-                <a16:creationId xmlns:a16="http://schemas.microsoft.com/office/drawing/2014/main" id="{E8ADB26D-A52E-41DD-FD08-D4588F47924D}"/>
+                <a16:creationId xmlns:a16="http://schemas.microsoft.com/office/drawing/2014/main" id="{8A82D847-D80B-7B5B-9EED-602A749738C1}"/>
               </a:ext>
             </a:extLst>
           </p:cNvPr>
@@ -5866,7 +12280,7 @@
           <a:p>
             <a:r>
               <a:rPr lang="en-US" dirty="0"/>
-              <a:t>Application to ML</a:t>
+              <a:t>Covariance matrix</a:t>
             </a:r>
             <a:endParaRPr lang="en-AE" dirty="0"/>
           </a:p>
@@ -5877,7 +12291,7 @@
           <p:cNvPr id="3" name="Content Placeholder 2">
             <a:extLst>
               <a:ext uri="{FF2B5EF4-FFF2-40B4-BE49-F238E27FC236}">
-                <a16:creationId xmlns:a16="http://schemas.microsoft.com/office/drawing/2014/main" id="{2002D3B8-D9E7-8D81-B9FE-FEC050D235D1}"/>
+                <a16:creationId xmlns:a16="http://schemas.microsoft.com/office/drawing/2014/main" id="{BA08B937-AC33-52C9-AC1E-EF62F513B40E}"/>
               </a:ext>
             </a:extLst>
           </p:cNvPr>
@@ -5888,25 +12302,81 @@
             <p:ph idx="1"/>
           </p:nvPr>
         </p:nvSpPr>
-        <p:spPr/>
+        <p:spPr>
+          <a:xfrm>
+            <a:off x="1343025" y="1592262"/>
+            <a:ext cx="10406063" cy="5086639"/>
+          </a:xfrm>
+        </p:spPr>
         <p:txBody>
           <a:bodyPr/>
           <a:lstStyle/>
           <a:p>
             <a:r>
               <a:rPr lang="en-US" dirty="0"/>
-              <a:t>Smoothing Kernels</a:t>
-            </a:r>
-          </a:p>
-          <a:p>
-            <a:endParaRPr lang="en-AE" dirty="0"/>
+              <a:t>Multivariate distributions are characterized by Covariance matrices</a:t>
+            </a:r>
+          </a:p>
+          <a:p>
+            <a:pPr lvl="1"/>
+            <a:r>
+              <a:rPr lang="en-US" dirty="0"/>
+              <a:t>How different dimensions are related to each other</a:t>
+            </a:r>
+          </a:p>
+          <a:p>
+            <a:pPr lvl="1"/>
+            <a:endParaRPr lang="en-US" dirty="0"/>
+          </a:p>
+          <a:p>
+            <a:r>
+              <a:rPr lang="en-US" dirty="0"/>
+              <a:t>Dimensions == Domain points</a:t>
+            </a:r>
+          </a:p>
+          <a:p>
+            <a:endParaRPr lang="en-US" dirty="0"/>
+          </a:p>
+          <a:p>
+            <a:r>
+              <a:rPr lang="en-US" dirty="0"/>
+              <a:t>Covariance matrix</a:t>
+            </a:r>
+          </a:p>
+          <a:p>
+            <a:pPr lvl="1"/>
+            <a:r>
+              <a:rPr lang="en-US" dirty="0"/>
+              <a:t>Identity matrix</a:t>
+            </a:r>
+          </a:p>
+          <a:p>
+            <a:pPr lvl="2"/>
+            <a:r>
+              <a:rPr lang="en-US" dirty="0"/>
+              <a:t>Function value at each domain point is independent of the other</a:t>
+            </a:r>
+          </a:p>
+          <a:p>
+            <a:pPr lvl="1"/>
+            <a:r>
+              <a:rPr lang="en-US" dirty="0"/>
+              <a:t>Non-identity matrix</a:t>
+            </a:r>
+          </a:p>
+          <a:p>
+            <a:pPr lvl="2"/>
+            <a:r>
+              <a:rPr lang="en-AE" dirty="0"/>
+              <a:t>Function value at a domain point may condition/influence value it takes in other domain points</a:t>
+            </a:r>
           </a:p>
         </p:txBody>
       </p:sp>
     </p:spTree>
     <p:extLst>
       <p:ext uri="{BB962C8B-B14F-4D97-AF65-F5344CB8AC3E}">
-        <p14:creationId xmlns:p14="http://schemas.microsoft.com/office/powerpoint/2010/main" val="3512202380"/>
+        <p14:creationId xmlns:p14="http://schemas.microsoft.com/office/powerpoint/2010/main" val="1036707856"/>
       </p:ext>
     </p:extLst>
   </p:cSld>
@@ -5938,7 +12408,7 @@
           <p:cNvPr id="2" name="Title 1">
             <a:extLst>
               <a:ext uri="{FF2B5EF4-FFF2-40B4-BE49-F238E27FC236}">
-                <a16:creationId xmlns:a16="http://schemas.microsoft.com/office/drawing/2014/main" id="{79C53D68-18C4-DD8C-289D-FC1FD77E6F34}"/>
+                <a16:creationId xmlns:a16="http://schemas.microsoft.com/office/drawing/2014/main" id="{67A25BF4-A936-ECF6-8B98-04E8CD4E3D23}"/>
               </a:ext>
             </a:extLst>
           </p:cNvPr>
@@ -5956,7 +12426,7 @@
           <a:p>
             <a:r>
               <a:rPr lang="en-US" dirty="0"/>
-              <a:t>ARD</a:t>
+              <a:t>Functions</a:t>
             </a:r>
             <a:endParaRPr lang="en-AE" dirty="0"/>
           </a:p>
@@ -5967,7 +12437,7 @@
           <p:cNvPr id="3" name="Content Placeholder 2">
             <a:extLst>
               <a:ext uri="{FF2B5EF4-FFF2-40B4-BE49-F238E27FC236}">
-                <a16:creationId xmlns:a16="http://schemas.microsoft.com/office/drawing/2014/main" id="{3947C30C-8F26-9E2A-4D70-C3C89C1A9F93}"/>
+                <a16:creationId xmlns:a16="http://schemas.microsoft.com/office/drawing/2014/main" id="{86322EC6-9545-8FED-F5C3-36D80F6C32AB}"/>
               </a:ext>
             </a:extLst>
           </p:cNvPr>
@@ -5985,37 +12455,31 @@
           <a:p>
             <a:r>
               <a:rPr lang="en-US" dirty="0"/>
-              <a:t>Covariance functions</a:t>
-            </a:r>
+              <a:t>Functions are random samples from infinite dimensional probability distribution</a:t>
+            </a:r>
+          </a:p>
+          <a:p>
+            <a:endParaRPr lang="en-US" dirty="0"/>
           </a:p>
           <a:p>
             <a:r>
               <a:rPr lang="en-US" dirty="0"/>
-              <a:t>Free parameters &amp; ARD</a:t>
-            </a:r>
-          </a:p>
-          <a:p>
+              <a:t>That infinite dimensional probability distribution is characterized by</a:t>
+            </a:r>
+          </a:p>
+          <a:p>
+            <a:pPr lvl="1"/>
             <a:r>
               <a:rPr lang="en-US" dirty="0"/>
-              <a:t>Libraries providing GP support:</a:t>
+              <a:t>Infinite dimensional covariance matrix</a:t>
             </a:r>
           </a:p>
           <a:p>
             <a:pPr lvl="1"/>
             <a:r>
               <a:rPr lang="en-US" dirty="0"/>
-              <a:t>Scikit, </a:t>
-            </a:r>
-            <a:r>
-              <a:rPr lang="en-US" dirty="0" err="1"/>
-              <a:t>gpflow</a:t>
-            </a:r>
-            <a:r>
-              <a:rPr lang="en-US" dirty="0"/>
-              <a:t>, …</a:t>
-            </a:r>
-          </a:p>
-          <a:p>
+              <a:t>Covariance matrix captures relationship between domain points (with respect to the function)</a:t>
+            </a:r>
             <a:endParaRPr lang="en-AE" dirty="0"/>
           </a:p>
         </p:txBody>
@@ -6023,7 +12487,7 @@
     </p:spTree>
     <p:extLst>
       <p:ext uri="{BB962C8B-B14F-4D97-AF65-F5344CB8AC3E}">
-        <p14:creationId xmlns:p14="http://schemas.microsoft.com/office/powerpoint/2010/main" val="2521124608"/>
+        <p14:creationId xmlns:p14="http://schemas.microsoft.com/office/powerpoint/2010/main" val="3168090142"/>
       </p:ext>
     </p:extLst>
   </p:cSld>
@@ -6055,7 +12519,7 @@
           <p:cNvPr id="2" name="Title 1">
             <a:extLst>
               <a:ext uri="{FF2B5EF4-FFF2-40B4-BE49-F238E27FC236}">
-                <a16:creationId xmlns:a16="http://schemas.microsoft.com/office/drawing/2014/main" id="{8718C8C2-685B-9A1B-11CC-1682346F604C}"/>
+                <a16:creationId xmlns:a16="http://schemas.microsoft.com/office/drawing/2014/main" id="{FBB517E6-2F1B-C80B-8599-6B022C5E9FAC}"/>
               </a:ext>
             </a:extLst>
           </p:cNvPr>
@@ -6073,7 +12537,7 @@
           <a:p>
             <a:r>
               <a:rPr lang="en-US" dirty="0"/>
-              <a:t>Limitations of GP</a:t>
+              <a:t>So what? moment</a:t>
             </a:r>
             <a:endParaRPr lang="en-AE" dirty="0"/>
           </a:p>
@@ -6084,7 +12548,7 @@
           <p:cNvPr id="3" name="Content Placeholder 2">
             <a:extLst>
               <a:ext uri="{FF2B5EF4-FFF2-40B4-BE49-F238E27FC236}">
-                <a16:creationId xmlns:a16="http://schemas.microsoft.com/office/drawing/2014/main" id="{FF0A5E55-A155-F92B-E3D2-B20C05253748}"/>
+                <a16:creationId xmlns:a16="http://schemas.microsoft.com/office/drawing/2014/main" id="{CB6373A8-C552-7095-3A4A-1AD98C503C76}"/>
               </a:ext>
             </a:extLst>
           </p:cNvPr>
@@ -6095,29 +12559,502 @@
             <p:ph idx="1"/>
           </p:nvPr>
         </p:nvSpPr>
-        <p:spPr/>
+        <p:spPr>
+          <a:xfrm>
+            <a:off x="3716650" y="4124864"/>
+            <a:ext cx="3999869" cy="483920"/>
+          </a:xfrm>
+        </p:spPr>
         <p:txBody>
           <a:bodyPr/>
           <a:lstStyle/>
           <a:p>
+            <a:pPr marL="0" indent="0">
+              <a:buNone/>
+            </a:pPr>
             <a:r>
               <a:rPr lang="en-US" dirty="0"/>
-              <a:t>Big data</a:t>
-            </a:r>
-          </a:p>
-          <a:p>
+              <a:t>Sorry… Not interested in infinity…</a:t>
+            </a:r>
+          </a:p>
+        </p:txBody>
+      </p:sp>
+      <p:pic>
+        <p:nvPicPr>
+          <p:cNvPr id="5" name="Picture 4" descr="A cartoon of a cat&#10;&#10;Description automatically generated with low confidence">
+            <a:extLst>
+              <a:ext uri="{FF2B5EF4-FFF2-40B4-BE49-F238E27FC236}">
+                <a16:creationId xmlns:a16="http://schemas.microsoft.com/office/drawing/2014/main" id="{84D57913-A7DD-A18B-F98B-8AD7287B707C}"/>
+              </a:ext>
+            </a:extLst>
+          </p:cNvPr>
+          <p:cNvPicPr>
+            <a:picLocks noChangeAspect="1"/>
+          </p:cNvPicPr>
+          <p:nvPr/>
+        </p:nvPicPr>
+        <p:blipFill>
+          <a:blip r:embed="rId2">
+            <a:extLst>
+              <a:ext uri="{28A0092B-C50C-407E-A947-70E740481C1C}">
+                <a14:useLocalDpi xmlns:a14="http://schemas.microsoft.com/office/drawing/2010/main" val="0"/>
+              </a:ext>
+            </a:extLst>
+          </a:blip>
+          <a:stretch>
+            <a:fillRect/>
+          </a:stretch>
+        </p:blipFill>
+        <p:spPr>
+          <a:xfrm>
+            <a:off x="8568817" y="1103312"/>
+            <a:ext cx="2942612" cy="2770995"/>
+          </a:xfrm>
+          <a:prstGeom prst="rect">
+            <a:avLst/>
+          </a:prstGeom>
+        </p:spPr>
+      </p:pic>
+      <p:sp>
+        <p:nvSpPr>
+          <p:cNvPr id="6" name="TextBox 5">
+            <a:extLst>
+              <a:ext uri="{FF2B5EF4-FFF2-40B4-BE49-F238E27FC236}">
+                <a16:creationId xmlns:a16="http://schemas.microsoft.com/office/drawing/2014/main" id="{E21B397C-7693-56FE-4E5A-21B1242E1317}"/>
+              </a:ext>
+            </a:extLst>
+          </p:cNvPr>
+          <p:cNvSpPr txBox="1"/>
+          <p:nvPr/>
+        </p:nvSpPr>
+        <p:spPr>
+          <a:xfrm>
+            <a:off x="3650068" y="1821894"/>
+            <a:ext cx="4309587" cy="1477328"/>
+          </a:xfrm>
+          <a:prstGeom prst="rect">
+            <a:avLst/>
+          </a:prstGeom>
+          <a:noFill/>
+        </p:spPr>
+        <p:txBody>
+          <a:bodyPr wrap="square" rtlCol="0">
+            <a:spAutoFit/>
+          </a:bodyPr>
+          <a:lstStyle/>
+          <a:p>
+            <a:r>
+              <a:rPr lang="en-US" b="1" dirty="0"/>
+              <a:t>Did you know? </a:t>
+            </a:r>
+          </a:p>
+          <a:p>
+            <a:endParaRPr lang="en-US" b="1" dirty="0"/>
+          </a:p>
+          <a:p>
+            <a:r>
+              <a:rPr lang="en-US" b="1" dirty="0">
+                <a:latin typeface="Aharoni" panose="02010803020104030203" pitchFamily="2" charset="-79"/>
+                <a:cs typeface="Aharoni" panose="02010803020104030203" pitchFamily="2" charset="-79"/>
+              </a:rPr>
+              <a:t>Functions are random samples from any infinite dimensional probability distribution!!!</a:t>
+            </a:r>
+            <a:endParaRPr lang="en-AE" b="1" dirty="0">
+              <a:latin typeface="Aharoni" panose="02010803020104030203" pitchFamily="2" charset="-79"/>
+              <a:cs typeface="Aharoni" panose="02010803020104030203" pitchFamily="2" charset="-79"/>
+            </a:endParaRPr>
+          </a:p>
+        </p:txBody>
+      </p:sp>
+      <p:pic>
+        <p:nvPicPr>
+          <p:cNvPr id="8" name="Picture 7" descr="A dog wearing sunglasses&#10;&#10;Description automatically generated with medium confidence">
+            <a:extLst>
+              <a:ext uri="{FF2B5EF4-FFF2-40B4-BE49-F238E27FC236}">
+                <a16:creationId xmlns:a16="http://schemas.microsoft.com/office/drawing/2014/main" id="{DEA2D499-98C5-2F48-CFCD-92ED143473A6}"/>
+              </a:ext>
+            </a:extLst>
+          </p:cNvPr>
+          <p:cNvPicPr>
+            <a:picLocks noChangeAspect="1"/>
+          </p:cNvPicPr>
+          <p:nvPr/>
+        </p:nvPicPr>
+        <p:blipFill>
+          <a:blip r:embed="rId3">
+            <a:extLst>
+              <a:ext uri="{28A0092B-C50C-407E-A947-70E740481C1C}">
+                <a14:useLocalDpi xmlns:a14="http://schemas.microsoft.com/office/drawing/2010/main" val="0"/>
+              </a:ext>
+            </a:extLst>
+          </a:blip>
+          <a:stretch>
+            <a:fillRect/>
+          </a:stretch>
+        </p:blipFill>
+        <p:spPr>
+          <a:xfrm>
+            <a:off x="957180" y="2580646"/>
+            <a:ext cx="2070822" cy="2587321"/>
+          </a:xfrm>
+          <a:prstGeom prst="rect">
+            <a:avLst/>
+          </a:prstGeom>
+        </p:spPr>
+      </p:pic>
+      <p:sp>
+        <p:nvSpPr>
+          <p:cNvPr id="9" name="Lightning Bolt 8">
+            <a:extLst>
+              <a:ext uri="{FF2B5EF4-FFF2-40B4-BE49-F238E27FC236}">
+                <a16:creationId xmlns:a16="http://schemas.microsoft.com/office/drawing/2014/main" id="{5063FE23-36D2-1DBB-47E8-06D51B8C36C0}"/>
+              </a:ext>
+            </a:extLst>
+          </p:cNvPr>
+          <p:cNvSpPr/>
+          <p:nvPr/>
+        </p:nvSpPr>
+        <p:spPr>
+          <a:xfrm flipH="1">
+            <a:off x="7702142" y="2218867"/>
+            <a:ext cx="957532" cy="501116"/>
+          </a:xfrm>
+          <a:prstGeom prst="lightningBolt">
+            <a:avLst/>
+          </a:prstGeom>
+        </p:spPr>
+        <p:style>
+          <a:lnRef idx="2">
+            <a:schemeClr val="accent1">
+              <a:shade val="50000"/>
+            </a:schemeClr>
+          </a:lnRef>
+          <a:fillRef idx="1">
+            <a:schemeClr val="accent1"/>
+          </a:fillRef>
+          <a:effectRef idx="0">
+            <a:schemeClr val="accent1"/>
+          </a:effectRef>
+          <a:fontRef idx="minor">
+            <a:schemeClr val="lt1"/>
+          </a:fontRef>
+        </p:style>
+        <p:txBody>
+          <a:bodyPr rtlCol="0" anchor="ctr"/>
+          <a:lstStyle/>
+          <a:p>
+            <a:pPr algn="ctr"/>
+            <a:endParaRPr lang="en-AE"/>
+          </a:p>
+        </p:txBody>
+      </p:sp>
+      <p:sp>
+        <p:nvSpPr>
+          <p:cNvPr id="10" name="Lightning Bolt 9">
+            <a:extLst>
+              <a:ext uri="{FF2B5EF4-FFF2-40B4-BE49-F238E27FC236}">
+                <a16:creationId xmlns:a16="http://schemas.microsoft.com/office/drawing/2014/main" id="{33BA529A-D47E-8B3E-B011-80904F5BC46F}"/>
+              </a:ext>
+            </a:extLst>
+          </p:cNvPr>
+          <p:cNvSpPr/>
+          <p:nvPr/>
+        </p:nvSpPr>
+        <p:spPr>
+          <a:xfrm>
+            <a:off x="2738457" y="3874306"/>
+            <a:ext cx="911611" cy="501116"/>
+          </a:xfrm>
+          <a:prstGeom prst="lightningBolt">
+            <a:avLst/>
+          </a:prstGeom>
+        </p:spPr>
+        <p:style>
+          <a:lnRef idx="2">
+            <a:schemeClr val="accent1">
+              <a:shade val="50000"/>
+            </a:schemeClr>
+          </a:lnRef>
+          <a:fillRef idx="1">
+            <a:schemeClr val="accent1"/>
+          </a:fillRef>
+          <a:effectRef idx="0">
+            <a:schemeClr val="accent1"/>
+          </a:effectRef>
+          <a:fontRef idx="minor">
+            <a:schemeClr val="lt1"/>
+          </a:fontRef>
+        </p:style>
+        <p:txBody>
+          <a:bodyPr rtlCol="0" anchor="ctr"/>
+          <a:lstStyle/>
+          <a:p>
+            <a:pPr algn="ctr"/>
+            <a:endParaRPr lang="en-AE"/>
+          </a:p>
+        </p:txBody>
+      </p:sp>
+      <p:sp>
+        <p:nvSpPr>
+          <p:cNvPr id="11" name="TextBox 10">
+            <a:extLst>
+              <a:ext uri="{FF2B5EF4-FFF2-40B4-BE49-F238E27FC236}">
+                <a16:creationId xmlns:a16="http://schemas.microsoft.com/office/drawing/2014/main" id="{F21FCC58-7076-80D4-AB1D-3D20A538F140}"/>
+              </a:ext>
+            </a:extLst>
+          </p:cNvPr>
+          <p:cNvSpPr txBox="1"/>
+          <p:nvPr/>
+        </p:nvSpPr>
+        <p:spPr>
+          <a:xfrm>
+            <a:off x="3643616" y="4950053"/>
+            <a:ext cx="4309587" cy="646331"/>
+          </a:xfrm>
+          <a:prstGeom prst="rect">
+            <a:avLst/>
+          </a:prstGeom>
+          <a:noFill/>
+        </p:spPr>
+        <p:txBody>
+          <a:bodyPr wrap="square" rtlCol="0">
+            <a:spAutoFit/>
+          </a:bodyPr>
+          <a:lstStyle/>
+          <a:p>
+            <a:r>
+              <a:rPr lang="en-US" b="1" dirty="0"/>
+              <a:t>The covariance matrix is infinite dimensional….too… You know..</a:t>
+            </a:r>
+            <a:endParaRPr lang="en-AE" b="1" dirty="0">
+              <a:latin typeface="Aharoni" panose="02010803020104030203" pitchFamily="2" charset="-79"/>
+              <a:cs typeface="Aharoni" panose="02010803020104030203" pitchFamily="2" charset="-79"/>
+            </a:endParaRPr>
+          </a:p>
+        </p:txBody>
+      </p:sp>
+      <p:sp>
+        <p:nvSpPr>
+          <p:cNvPr id="12" name="Content Placeholder 2">
+            <a:extLst>
+              <a:ext uri="{FF2B5EF4-FFF2-40B4-BE49-F238E27FC236}">
+                <a16:creationId xmlns:a16="http://schemas.microsoft.com/office/drawing/2014/main" id="{B8A361D6-121D-58A7-79C9-44BE8F4EBD48}"/>
+              </a:ext>
+            </a:extLst>
+          </p:cNvPr>
+          <p:cNvSpPr txBox="1">
+            <a:spLocks/>
+          </p:cNvSpPr>
+          <p:nvPr/>
+        </p:nvSpPr>
+        <p:spPr>
+          <a:xfrm>
+            <a:off x="3643616" y="5937653"/>
+            <a:ext cx="4387576" cy="483920"/>
+          </a:xfrm>
+          <a:prstGeom prst="rect">
+            <a:avLst/>
+          </a:prstGeom>
+        </p:spPr>
+        <p:txBody>
+          <a:bodyPr vert="horz" lIns="0" tIns="0" rIns="0" bIns="0" rtlCol="0">
+            <a:noAutofit/>
+          </a:bodyPr>
+          <a:lstStyle>
+            <a:lvl1pPr marL="360000" indent="-360000" algn="l" defTabSz="914400" rtl="0" eaLnBrk="1" latinLnBrk="0" hangingPunct="1">
+              <a:lnSpc>
+                <a:spcPct val="120000"/>
+              </a:lnSpc>
+              <a:spcBef>
+                <a:spcPts val="800"/>
+              </a:spcBef>
+              <a:buSzPct val="70000"/>
+              <a:buFont typeface="Wingdings 2" panose="05020102010507070707" pitchFamily="18" charset="2"/>
+              <a:buChar char="à"/>
+              <a:defRPr sz="2000" kern="1200">
+                <a:solidFill>
+                  <a:schemeClr val="tx2">
+                    <a:alpha val="77000"/>
+                  </a:schemeClr>
+                </a:solidFill>
+                <a:latin typeface="+mn-lt"/>
+                <a:ea typeface="Microsoft Sans Serif" panose="020B0604020202020204" pitchFamily="34" charset="0"/>
+                <a:cs typeface="Microsoft Sans Serif" panose="020B0604020202020204" pitchFamily="34" charset="0"/>
+              </a:defRPr>
+            </a:lvl1pPr>
+            <a:lvl2pPr marL="720000" indent="-360000" algn="l" defTabSz="914400" rtl="0" eaLnBrk="1" latinLnBrk="0" hangingPunct="1">
+              <a:lnSpc>
+                <a:spcPct val="120000"/>
+              </a:lnSpc>
+              <a:spcBef>
+                <a:spcPts val="800"/>
+              </a:spcBef>
+              <a:buSzPct val="70000"/>
+              <a:buFont typeface="Wingdings 2" panose="05020102010507070707" pitchFamily="18" charset="2"/>
+              <a:buChar char="à"/>
+              <a:defRPr sz="2000" kern="1200">
+                <a:solidFill>
+                  <a:schemeClr val="tx2">
+                    <a:alpha val="77000"/>
+                  </a:schemeClr>
+                </a:solidFill>
+                <a:latin typeface="+mn-lt"/>
+                <a:ea typeface="Microsoft Sans Serif" panose="020B0604020202020204" pitchFamily="34" charset="0"/>
+                <a:cs typeface="Microsoft Sans Serif" panose="020B0604020202020204" pitchFamily="34" charset="0"/>
+              </a:defRPr>
+            </a:lvl2pPr>
+            <a:lvl3pPr marL="1080000" indent="-288000" algn="l" defTabSz="914400" rtl="0" eaLnBrk="1" latinLnBrk="0" hangingPunct="1">
+              <a:lnSpc>
+                <a:spcPct val="120000"/>
+              </a:lnSpc>
+              <a:spcBef>
+                <a:spcPts val="800"/>
+              </a:spcBef>
+              <a:buSzPct val="70000"/>
+              <a:buFont typeface="Wingdings 2" panose="05020102010507070707" pitchFamily="18" charset="2"/>
+              <a:buChar char="à"/>
+              <a:defRPr sz="1600" kern="1200">
+                <a:solidFill>
+                  <a:schemeClr val="tx2">
+                    <a:alpha val="77000"/>
+                  </a:schemeClr>
+                </a:solidFill>
+                <a:latin typeface="+mn-lt"/>
+                <a:ea typeface="Microsoft Sans Serif" panose="020B0604020202020204" pitchFamily="34" charset="0"/>
+                <a:cs typeface="Microsoft Sans Serif" panose="020B0604020202020204" pitchFamily="34" charset="0"/>
+              </a:defRPr>
+            </a:lvl3pPr>
+            <a:lvl4pPr marL="1440000" indent="-288000" algn="l" defTabSz="914400" rtl="0" eaLnBrk="1" latinLnBrk="0" hangingPunct="1">
+              <a:lnSpc>
+                <a:spcPct val="120000"/>
+              </a:lnSpc>
+              <a:spcBef>
+                <a:spcPts val="800"/>
+              </a:spcBef>
+              <a:buSzPct val="70000"/>
+              <a:buFont typeface="Wingdings 2" panose="05020102010507070707" pitchFamily="18" charset="2"/>
+              <a:buChar char="à"/>
+              <a:defRPr sz="1600" kern="1200">
+                <a:solidFill>
+                  <a:schemeClr val="tx2">
+                    <a:alpha val="77000"/>
+                  </a:schemeClr>
+                </a:solidFill>
+                <a:latin typeface="+mn-lt"/>
+                <a:ea typeface="Microsoft Sans Serif" panose="020B0604020202020204" pitchFamily="34" charset="0"/>
+                <a:cs typeface="Microsoft Sans Serif" panose="020B0604020202020204" pitchFamily="34" charset="0"/>
+              </a:defRPr>
+            </a:lvl4pPr>
+            <a:lvl5pPr marL="1800000" indent="-288000" algn="l" defTabSz="914400" rtl="0" eaLnBrk="1" latinLnBrk="0" hangingPunct="1">
+              <a:lnSpc>
+                <a:spcPct val="120000"/>
+              </a:lnSpc>
+              <a:spcBef>
+                <a:spcPts val="800"/>
+              </a:spcBef>
+              <a:buSzPct val="70000"/>
+              <a:buFont typeface="Wingdings 2" panose="05020102010507070707" pitchFamily="18" charset="2"/>
+              <a:buChar char="à"/>
+              <a:defRPr sz="1600" kern="1200">
+                <a:solidFill>
+                  <a:schemeClr val="tx2">
+                    <a:alpha val="77000"/>
+                  </a:schemeClr>
+                </a:solidFill>
+                <a:latin typeface="+mn-lt"/>
+                <a:ea typeface="Microsoft Sans Serif" panose="020B0604020202020204" pitchFamily="34" charset="0"/>
+                <a:cs typeface="Microsoft Sans Serif" panose="020B0604020202020204" pitchFamily="34" charset="0"/>
+              </a:defRPr>
+            </a:lvl5pPr>
+            <a:lvl6pPr marL="2514600" indent="-228600" algn="l" defTabSz="914400" rtl="0" eaLnBrk="1" latinLnBrk="0" hangingPunct="1">
+              <a:lnSpc>
+                <a:spcPct val="90000"/>
+              </a:lnSpc>
+              <a:spcBef>
+                <a:spcPts val="500"/>
+              </a:spcBef>
+              <a:buFont typeface="Arial" panose="020B0604020202020204" pitchFamily="34" charset="0"/>
+              <a:buChar char="•"/>
+              <a:defRPr sz="1800" kern="1200">
+                <a:solidFill>
+                  <a:schemeClr val="tx1"/>
+                </a:solidFill>
+                <a:latin typeface="+mn-lt"/>
+                <a:ea typeface="+mn-ea"/>
+                <a:cs typeface="+mn-cs"/>
+              </a:defRPr>
+            </a:lvl6pPr>
+            <a:lvl7pPr marL="2971800" indent="-228600" algn="l" defTabSz="914400" rtl="0" eaLnBrk="1" latinLnBrk="0" hangingPunct="1">
+              <a:lnSpc>
+                <a:spcPct val="90000"/>
+              </a:lnSpc>
+              <a:spcBef>
+                <a:spcPts val="500"/>
+              </a:spcBef>
+              <a:buFont typeface="Arial" panose="020B0604020202020204" pitchFamily="34" charset="0"/>
+              <a:buChar char="•"/>
+              <a:defRPr sz="1800" kern="1200">
+                <a:solidFill>
+                  <a:schemeClr val="tx1"/>
+                </a:solidFill>
+                <a:latin typeface="+mn-lt"/>
+                <a:ea typeface="+mn-ea"/>
+                <a:cs typeface="+mn-cs"/>
+              </a:defRPr>
+            </a:lvl7pPr>
+            <a:lvl8pPr marL="3429000" indent="-228600" algn="l" defTabSz="914400" rtl="0" eaLnBrk="1" latinLnBrk="0" hangingPunct="1">
+              <a:lnSpc>
+                <a:spcPct val="90000"/>
+              </a:lnSpc>
+              <a:spcBef>
+                <a:spcPts val="500"/>
+              </a:spcBef>
+              <a:buFont typeface="Arial" panose="020B0604020202020204" pitchFamily="34" charset="0"/>
+              <a:buChar char="•"/>
+              <a:defRPr sz="1800" kern="1200">
+                <a:solidFill>
+                  <a:schemeClr val="tx1"/>
+                </a:solidFill>
+                <a:latin typeface="+mn-lt"/>
+                <a:ea typeface="+mn-ea"/>
+                <a:cs typeface="+mn-cs"/>
+              </a:defRPr>
+            </a:lvl8pPr>
+            <a:lvl9pPr marL="3886200" indent="-228600" algn="l" defTabSz="914400" rtl="0" eaLnBrk="1" latinLnBrk="0" hangingPunct="1">
+              <a:lnSpc>
+                <a:spcPct val="90000"/>
+              </a:lnSpc>
+              <a:spcBef>
+                <a:spcPts val="500"/>
+              </a:spcBef>
+              <a:buFont typeface="Arial" panose="020B0604020202020204" pitchFamily="34" charset="0"/>
+              <a:buChar char="•"/>
+              <a:defRPr sz="1800" kern="1200">
+                <a:solidFill>
+                  <a:schemeClr val="tx1"/>
+                </a:solidFill>
+                <a:latin typeface="+mn-lt"/>
+                <a:ea typeface="+mn-ea"/>
+                <a:cs typeface="+mn-cs"/>
+              </a:defRPr>
+            </a:lvl9pPr>
+          </a:lstStyle>
+          <a:p>
+            <a:pPr marL="0" indent="0">
+              <a:buFont typeface="Wingdings 2" panose="05020102010507070707" pitchFamily="18" charset="2"/>
+              <a:buNone/>
+            </a:pPr>
             <a:r>
               <a:rPr lang="en-US" dirty="0"/>
-              <a:t>Categorical variables</a:t>
-            </a:r>
-            <a:endParaRPr lang="en-AE" dirty="0"/>
+              <a:t>You don’t get it… Do you, silly cat….?</a:t>
+            </a:r>
           </a:p>
         </p:txBody>
       </p:sp>
     </p:spTree>
     <p:extLst>
       <p:ext uri="{BB962C8B-B14F-4D97-AF65-F5344CB8AC3E}">
-        <p14:creationId xmlns:p14="http://schemas.microsoft.com/office/powerpoint/2010/main" val="901756517"/>
+        <p14:creationId xmlns:p14="http://schemas.microsoft.com/office/powerpoint/2010/main" val="137001958"/>
       </p:ext>
     </p:extLst>
   </p:cSld>
